--- a/GUI.pptx
+++ b/GUI.pptx
@@ -280,7 +280,7 @@
           <a:p>
             <a:fld id="{E1A5041F-47F4-4CCF-872D-C1C31578EE74}" type="datetimeFigureOut">
               <a:rPr lang="en-US" smtClean="0"/>
-              <a:t>6/1/2023</a:t>
+              <a:t>6/12/2023</a:t>
             </a:fld>
             <a:endParaRPr lang="en-US"/>
           </a:p>
@@ -478,7 +478,7 @@
           <a:p>
             <a:fld id="{E1A5041F-47F4-4CCF-872D-C1C31578EE74}" type="datetimeFigureOut">
               <a:rPr lang="en-US" smtClean="0"/>
-              <a:t>6/1/2023</a:t>
+              <a:t>6/12/2023</a:t>
             </a:fld>
             <a:endParaRPr lang="en-US"/>
           </a:p>
@@ -686,7 +686,7 @@
           <a:p>
             <a:fld id="{E1A5041F-47F4-4CCF-872D-C1C31578EE74}" type="datetimeFigureOut">
               <a:rPr lang="en-US" smtClean="0"/>
-              <a:t>6/1/2023</a:t>
+              <a:t>6/12/2023</a:t>
             </a:fld>
             <a:endParaRPr lang="en-US"/>
           </a:p>
@@ -884,7 +884,7 @@
           <a:p>
             <a:fld id="{E1A5041F-47F4-4CCF-872D-C1C31578EE74}" type="datetimeFigureOut">
               <a:rPr lang="en-US" smtClean="0"/>
-              <a:t>6/1/2023</a:t>
+              <a:t>6/12/2023</a:t>
             </a:fld>
             <a:endParaRPr lang="en-US"/>
           </a:p>
@@ -1159,7 +1159,7 @@
           <a:p>
             <a:fld id="{E1A5041F-47F4-4CCF-872D-C1C31578EE74}" type="datetimeFigureOut">
               <a:rPr lang="en-US" smtClean="0"/>
-              <a:t>6/1/2023</a:t>
+              <a:t>6/12/2023</a:t>
             </a:fld>
             <a:endParaRPr lang="en-US"/>
           </a:p>
@@ -1424,7 +1424,7 @@
           <a:p>
             <a:fld id="{E1A5041F-47F4-4CCF-872D-C1C31578EE74}" type="datetimeFigureOut">
               <a:rPr lang="en-US" smtClean="0"/>
-              <a:t>6/1/2023</a:t>
+              <a:t>6/12/2023</a:t>
             </a:fld>
             <a:endParaRPr lang="en-US"/>
           </a:p>
@@ -1836,7 +1836,7 @@
           <a:p>
             <a:fld id="{E1A5041F-47F4-4CCF-872D-C1C31578EE74}" type="datetimeFigureOut">
               <a:rPr lang="en-US" smtClean="0"/>
-              <a:t>6/1/2023</a:t>
+              <a:t>6/12/2023</a:t>
             </a:fld>
             <a:endParaRPr lang="en-US"/>
           </a:p>
@@ -1977,7 +1977,7 @@
           <a:p>
             <a:fld id="{E1A5041F-47F4-4CCF-872D-C1C31578EE74}" type="datetimeFigureOut">
               <a:rPr lang="en-US" smtClean="0"/>
-              <a:t>6/1/2023</a:t>
+              <a:t>6/12/2023</a:t>
             </a:fld>
             <a:endParaRPr lang="en-US"/>
           </a:p>
@@ -2090,7 +2090,7 @@
           <a:p>
             <a:fld id="{E1A5041F-47F4-4CCF-872D-C1C31578EE74}" type="datetimeFigureOut">
               <a:rPr lang="en-US" smtClean="0"/>
-              <a:t>6/1/2023</a:t>
+              <a:t>6/12/2023</a:t>
             </a:fld>
             <a:endParaRPr lang="en-US"/>
           </a:p>
@@ -2401,7 +2401,7 @@
           <a:p>
             <a:fld id="{E1A5041F-47F4-4CCF-872D-C1C31578EE74}" type="datetimeFigureOut">
               <a:rPr lang="en-US" smtClean="0"/>
-              <a:t>6/1/2023</a:t>
+              <a:t>6/12/2023</a:t>
             </a:fld>
             <a:endParaRPr lang="en-US"/>
           </a:p>
@@ -2689,7 +2689,7 @@
           <a:p>
             <a:fld id="{E1A5041F-47F4-4CCF-872D-C1C31578EE74}" type="datetimeFigureOut">
               <a:rPr lang="en-US" smtClean="0"/>
-              <a:t>6/1/2023</a:t>
+              <a:t>6/12/2023</a:t>
             </a:fld>
             <a:endParaRPr lang="en-US"/>
           </a:p>
@@ -2930,7 +2930,7 @@
           <a:p>
             <a:fld id="{E1A5041F-47F4-4CCF-872D-C1C31578EE74}" type="datetimeFigureOut">
               <a:rPr lang="en-US" smtClean="0"/>
-              <a:t>6/1/2023</a:t>
+              <a:t>6/12/2023</a:t>
             </a:fld>
             <a:endParaRPr lang="en-US"/>
           </a:p>

--- a/GUI.pptx
+++ b/GUI.pptx
@@ -6,27 +6,25 @@
   </p:sldMasterIdLst>
   <p:sldIdLst>
     <p:sldId id="256" r:id="rId2"/>
-    <p:sldId id="257" r:id="rId3"/>
-    <p:sldId id="258" r:id="rId4"/>
-    <p:sldId id="259" r:id="rId5"/>
-    <p:sldId id="260" r:id="rId6"/>
-    <p:sldId id="261" r:id="rId7"/>
-    <p:sldId id="262" r:id="rId8"/>
-    <p:sldId id="267" r:id="rId9"/>
-    <p:sldId id="263" r:id="rId10"/>
-    <p:sldId id="264" r:id="rId11"/>
-    <p:sldId id="265" r:id="rId12"/>
-    <p:sldId id="266" r:id="rId13"/>
-    <p:sldId id="268" r:id="rId14"/>
-    <p:sldId id="269" r:id="rId15"/>
-    <p:sldId id="271" r:id="rId16"/>
-    <p:sldId id="270" r:id="rId17"/>
-    <p:sldId id="272" r:id="rId18"/>
-    <p:sldId id="273" r:id="rId19"/>
-    <p:sldId id="274" r:id="rId20"/>
-    <p:sldId id="275" r:id="rId21"/>
-    <p:sldId id="276" r:id="rId22"/>
-    <p:sldId id="277" r:id="rId23"/>
+    <p:sldId id="259" r:id="rId3"/>
+    <p:sldId id="260" r:id="rId4"/>
+    <p:sldId id="261" r:id="rId5"/>
+    <p:sldId id="262" r:id="rId6"/>
+    <p:sldId id="267" r:id="rId7"/>
+    <p:sldId id="263" r:id="rId8"/>
+    <p:sldId id="264" r:id="rId9"/>
+    <p:sldId id="265" r:id="rId10"/>
+    <p:sldId id="266" r:id="rId11"/>
+    <p:sldId id="268" r:id="rId12"/>
+    <p:sldId id="269" r:id="rId13"/>
+    <p:sldId id="271" r:id="rId14"/>
+    <p:sldId id="270" r:id="rId15"/>
+    <p:sldId id="272" r:id="rId16"/>
+    <p:sldId id="273" r:id="rId17"/>
+    <p:sldId id="274" r:id="rId18"/>
+    <p:sldId id="275" r:id="rId19"/>
+    <p:sldId id="276" r:id="rId20"/>
+    <p:sldId id="277" r:id="rId21"/>
   </p:sldIdLst>
   <p:sldSz cx="12192000" cy="6858000"/>
   <p:notesSz cx="6858000" cy="9144000"/>
@@ -3357,132 +3355,6 @@
           <a:chExt cx="0" cy="0"/>
         </a:xfrm>
       </p:grpSpPr>
-      <p:sp>
-        <p:nvSpPr>
-          <p:cNvPr id="11" name="Rectangle 10">
-            <a:extLst>
-              <a:ext uri="{FF2B5EF4-FFF2-40B4-BE49-F238E27FC236}">
-                <a16:creationId xmlns:a16="http://schemas.microsoft.com/office/drawing/2014/main" id="{FE80BE67-ED3D-EDBD-EB58-B8145B5D9CB7}"/>
-              </a:ext>
-            </a:extLst>
-          </p:cNvPr>
-          <p:cNvSpPr/>
-          <p:nvPr/>
-        </p:nvSpPr>
-        <p:spPr>
-          <a:xfrm>
-            <a:off x="2842985" y="3048059"/>
-            <a:ext cx="6506028" cy="2597896"/>
-          </a:xfrm>
-          <a:prstGeom prst="rect">
-            <a:avLst/>
-          </a:prstGeom>
-          <a:solidFill>
-            <a:schemeClr val="accent5">
-              <a:lumMod val="40000"/>
-              <a:lumOff val="60000"/>
-            </a:schemeClr>
-          </a:solidFill>
-          <a:ln>
-            <a:solidFill>
-              <a:schemeClr val="accent1">
-                <a:shade val="50000"/>
-              </a:schemeClr>
-            </a:solidFill>
-            <a:miter lim="800000"/>
-          </a:ln>
-          <a:effectLst>
-            <a:softEdge rad="317500"/>
-          </a:effectLst>
-        </p:spPr>
-        <p:style>
-          <a:lnRef idx="2">
-            <a:schemeClr val="accent1">
-              <a:shade val="50000"/>
-            </a:schemeClr>
-          </a:lnRef>
-          <a:fillRef idx="1">
-            <a:schemeClr val="accent1"/>
-          </a:fillRef>
-          <a:effectRef idx="0">
-            <a:schemeClr val="accent1"/>
-          </a:effectRef>
-          <a:fontRef idx="minor">
-            <a:schemeClr val="lt1"/>
-          </a:fontRef>
-        </p:style>
-        <p:txBody>
-          <a:bodyPr rtlCol="0" anchor="ctr"/>
-          <a:lstStyle/>
-          <a:p>
-            <a:pPr algn="ctr"/>
-            <a:endParaRPr lang="en-US"/>
-          </a:p>
-        </p:txBody>
-      </p:sp>
-      <p:sp>
-        <p:nvSpPr>
-          <p:cNvPr id="10" name="Rectangle 9">
-            <a:extLst>
-              <a:ext uri="{FF2B5EF4-FFF2-40B4-BE49-F238E27FC236}">
-                <a16:creationId xmlns:a16="http://schemas.microsoft.com/office/drawing/2014/main" id="{EB586FBD-D2DF-AFDD-CBAC-F53FC5B244D2}"/>
-              </a:ext>
-            </a:extLst>
-          </p:cNvPr>
-          <p:cNvSpPr/>
-          <p:nvPr/>
-        </p:nvSpPr>
-        <p:spPr>
-          <a:xfrm>
-            <a:off x="2842985" y="293362"/>
-            <a:ext cx="6506028" cy="2597896"/>
-          </a:xfrm>
-          <a:prstGeom prst="rect">
-            <a:avLst/>
-          </a:prstGeom>
-          <a:solidFill>
-            <a:schemeClr val="accent5">
-              <a:lumMod val="40000"/>
-              <a:lumOff val="60000"/>
-            </a:schemeClr>
-          </a:solidFill>
-          <a:ln>
-            <a:solidFill>
-              <a:schemeClr val="accent1">
-                <a:shade val="50000"/>
-              </a:schemeClr>
-            </a:solidFill>
-            <a:miter lim="800000"/>
-          </a:ln>
-          <a:effectLst>
-            <a:softEdge rad="317500"/>
-          </a:effectLst>
-        </p:spPr>
-        <p:style>
-          <a:lnRef idx="2">
-            <a:schemeClr val="accent1">
-              <a:shade val="50000"/>
-            </a:schemeClr>
-          </a:lnRef>
-          <a:fillRef idx="1">
-            <a:schemeClr val="accent1"/>
-          </a:fillRef>
-          <a:effectRef idx="0">
-            <a:schemeClr val="accent1"/>
-          </a:effectRef>
-          <a:fontRef idx="minor">
-            <a:schemeClr val="lt1"/>
-          </a:fontRef>
-        </p:style>
-        <p:txBody>
-          <a:bodyPr rtlCol="0" anchor="ctr"/>
-          <a:lstStyle/>
-          <a:p>
-            <a:pPr algn="ctr"/>
-            <a:endParaRPr lang="en-US"/>
-          </a:p>
-        </p:txBody>
-      </p:sp>
       <p:pic>
         <p:nvPicPr>
           <p:cNvPr id="3" name="Picture 2">
@@ -3831,1915 +3703,6 @@
           <p:cNvPr id="2" name="TextBox 1">
             <a:extLst>
               <a:ext uri="{FF2B5EF4-FFF2-40B4-BE49-F238E27FC236}">
-                <a16:creationId xmlns:a16="http://schemas.microsoft.com/office/drawing/2014/main" id="{CCCE14DF-8D59-BFB9-FF76-45C8382CFEEB}"/>
-              </a:ext>
-            </a:extLst>
-          </p:cNvPr>
-          <p:cNvSpPr txBox="1"/>
-          <p:nvPr/>
-        </p:nvSpPr>
-        <p:spPr>
-          <a:xfrm>
-            <a:off x="9311426" y="150513"/>
-            <a:ext cx="2640169" cy="523220"/>
-          </a:xfrm>
-          <a:prstGeom prst="rect">
-            <a:avLst/>
-          </a:prstGeom>
-          <a:noFill/>
-        </p:spPr>
-        <p:txBody>
-          <a:bodyPr wrap="square" rtlCol="0">
-            <a:spAutoFit/>
-          </a:bodyPr>
-          <a:lstStyle/>
-          <a:p>
-            <a:pPr algn="r" rtl="1"/>
-            <a:r>
-              <a:rPr lang="fa-IR" sz="2800" u="sng" dirty="0">
-                <a:cs typeface="B Nazanin" panose="00000400000000000000" pitchFamily="2" charset="-78"/>
-              </a:rPr>
-              <a:t>نتیجه‌ی جست و جو</a:t>
-            </a:r>
-            <a:endParaRPr lang="en-US" sz="2800" u="sng" dirty="0">
-              <a:cs typeface="B Nazanin" panose="00000400000000000000" pitchFamily="2" charset="-78"/>
-            </a:endParaRPr>
-          </a:p>
-        </p:txBody>
-      </p:sp>
-      <p:graphicFrame>
-        <p:nvGraphicFramePr>
-          <p:cNvPr id="3" name="Table 3">
-            <a:extLst>
-              <a:ext uri="{FF2B5EF4-FFF2-40B4-BE49-F238E27FC236}">
-                <a16:creationId xmlns:a16="http://schemas.microsoft.com/office/drawing/2014/main" id="{2A05DD72-5594-F920-73C0-C286EA0421B4}"/>
-              </a:ext>
-            </a:extLst>
-          </p:cNvPr>
-          <p:cNvGraphicFramePr>
-            <a:graphicFrameLocks noGrp="1"/>
-          </p:cNvGraphicFramePr>
-          <p:nvPr>
-            <p:extLst>
-              <p:ext uri="{D42A27DB-BD31-4B8C-83A1-F6EECF244321}">
-                <p14:modId xmlns:p14="http://schemas.microsoft.com/office/powerpoint/2010/main" val="2842567531"/>
-              </p:ext>
-            </p:extLst>
-          </p:nvPr>
-        </p:nvGraphicFramePr>
-        <p:xfrm>
-          <a:off x="287627" y="1229718"/>
-          <a:ext cx="11663964" cy="2987040"/>
-        </p:xfrm>
-        <a:graphic>
-          <a:graphicData uri="http://schemas.openxmlformats.org/drawingml/2006/table">
-            <a:tbl>
-              <a:tblPr bandRow="1">
-                <a:tableStyleId>{9D7B26C5-4107-4FEC-AEDC-1716B250A1EF}</a:tableStyleId>
-              </a:tblPr>
-              <a:tblGrid>
-                <a:gridCol w="1295996">
-                  <a:extLst>
-                    <a:ext uri="{9D8B030D-6E8A-4147-A177-3AD203B41FA5}">
-                      <a16:colId xmlns:a16="http://schemas.microsoft.com/office/drawing/2014/main" val="940389189"/>
-                    </a:ext>
-                  </a:extLst>
-                </a:gridCol>
-                <a:gridCol w="1295996">
-                  <a:extLst>
-                    <a:ext uri="{9D8B030D-6E8A-4147-A177-3AD203B41FA5}">
-                      <a16:colId xmlns:a16="http://schemas.microsoft.com/office/drawing/2014/main" val="733393825"/>
-                    </a:ext>
-                  </a:extLst>
-                </a:gridCol>
-                <a:gridCol w="1295996">
-                  <a:extLst>
-                    <a:ext uri="{9D8B030D-6E8A-4147-A177-3AD203B41FA5}">
-                      <a16:colId xmlns:a16="http://schemas.microsoft.com/office/drawing/2014/main" val="1086161759"/>
-                    </a:ext>
-                  </a:extLst>
-                </a:gridCol>
-                <a:gridCol w="1295996">
-                  <a:extLst>
-                    <a:ext uri="{9D8B030D-6E8A-4147-A177-3AD203B41FA5}">
-                      <a16:colId xmlns:a16="http://schemas.microsoft.com/office/drawing/2014/main" val="3122963598"/>
-                    </a:ext>
-                  </a:extLst>
-                </a:gridCol>
-                <a:gridCol w="1295996">
-                  <a:extLst>
-                    <a:ext uri="{9D8B030D-6E8A-4147-A177-3AD203B41FA5}">
-                      <a16:colId xmlns:a16="http://schemas.microsoft.com/office/drawing/2014/main" val="568152510"/>
-                    </a:ext>
-                  </a:extLst>
-                </a:gridCol>
-                <a:gridCol w="1295996">
-                  <a:extLst>
-                    <a:ext uri="{9D8B030D-6E8A-4147-A177-3AD203B41FA5}">
-                      <a16:colId xmlns:a16="http://schemas.microsoft.com/office/drawing/2014/main" val="3235845119"/>
-                    </a:ext>
-                  </a:extLst>
-                </a:gridCol>
-                <a:gridCol w="1295996">
-                  <a:extLst>
-                    <a:ext uri="{9D8B030D-6E8A-4147-A177-3AD203B41FA5}">
-                      <a16:colId xmlns:a16="http://schemas.microsoft.com/office/drawing/2014/main" val="1640727072"/>
-                    </a:ext>
-                  </a:extLst>
-                </a:gridCol>
-                <a:gridCol w="1295996">
-                  <a:extLst>
-                    <a:ext uri="{9D8B030D-6E8A-4147-A177-3AD203B41FA5}">
-                      <a16:colId xmlns:a16="http://schemas.microsoft.com/office/drawing/2014/main" val="1543866031"/>
-                    </a:ext>
-                  </a:extLst>
-                </a:gridCol>
-                <a:gridCol w="1295996">
-                  <a:extLst>
-                    <a:ext uri="{9D8B030D-6E8A-4147-A177-3AD203B41FA5}">
-                      <a16:colId xmlns:a16="http://schemas.microsoft.com/office/drawing/2014/main" val="3770447038"/>
-                    </a:ext>
-                  </a:extLst>
-                </a:gridCol>
-              </a:tblGrid>
-              <a:tr h="370840">
-                <a:tc>
-                  <a:txBody>
-                    <a:bodyPr/>
-                    <a:lstStyle/>
-                    <a:p>
-                      <a:pPr algn="ctr" rtl="1"/>
-                      <a:r>
-                        <a:rPr lang="fa-IR" sz="2000" dirty="0">
-                          <a:cs typeface="B Nazanin" panose="00000400000000000000" pitchFamily="2" charset="-78"/>
-                        </a:rPr>
-                        <a:t>دانشکده</a:t>
-                      </a:r>
-                      <a:endParaRPr lang="en-US" sz="2000" dirty="0">
-                        <a:cs typeface="B Nazanin" panose="00000400000000000000" pitchFamily="2" charset="-78"/>
-                      </a:endParaRPr>
-                    </a:p>
-                  </a:txBody>
-                  <a:tcPr/>
-                </a:tc>
-                <a:tc>
-                  <a:txBody>
-                    <a:bodyPr/>
-                    <a:lstStyle/>
-                    <a:p>
-                      <a:pPr algn="ctr" rtl="1"/>
-                      <a:r>
-                        <a:rPr lang="fa-IR" sz="2000" dirty="0">
-                          <a:cs typeface="B Nazanin" panose="00000400000000000000" pitchFamily="2" charset="-78"/>
-                        </a:rPr>
-                        <a:t>شماره قفسه</a:t>
-                      </a:r>
-                      <a:endParaRPr lang="en-US" sz="2000" dirty="0">
-                        <a:cs typeface="B Nazanin" panose="00000400000000000000" pitchFamily="2" charset="-78"/>
-                      </a:endParaRPr>
-                    </a:p>
-                  </a:txBody>
-                  <a:tcPr/>
-                </a:tc>
-                <a:tc>
-                  <a:txBody>
-                    <a:bodyPr/>
-                    <a:lstStyle/>
-                    <a:p>
-                      <a:pPr algn="ctr" rtl="1"/>
-                      <a:r>
-                        <a:rPr lang="fa-IR" sz="2000" dirty="0">
-                          <a:cs typeface="B Nazanin" panose="00000400000000000000" pitchFamily="2" charset="-78"/>
-                        </a:rPr>
-                        <a:t>دسته بندی</a:t>
-                      </a:r>
-                      <a:endParaRPr lang="en-US" sz="2000" dirty="0">
-                        <a:cs typeface="B Nazanin" panose="00000400000000000000" pitchFamily="2" charset="-78"/>
-                      </a:endParaRPr>
-                    </a:p>
-                  </a:txBody>
-                  <a:tcPr/>
-                </a:tc>
-                <a:tc>
-                  <a:txBody>
-                    <a:bodyPr/>
-                    <a:lstStyle/>
-                    <a:p>
-                      <a:pPr algn="ctr" rtl="1"/>
-                      <a:r>
-                        <a:rPr lang="fa-IR" sz="2000" dirty="0">
-                          <a:cs typeface="B Nazanin" panose="00000400000000000000" pitchFamily="2" charset="-78"/>
-                        </a:rPr>
-                        <a:t>سال نشر</a:t>
-                      </a:r>
-                      <a:endParaRPr lang="en-US" sz="2000" dirty="0">
-                        <a:cs typeface="B Nazanin" panose="00000400000000000000" pitchFamily="2" charset="-78"/>
-                      </a:endParaRPr>
-                    </a:p>
-                  </a:txBody>
-                  <a:tcPr/>
-                </a:tc>
-                <a:tc>
-                  <a:txBody>
-                    <a:bodyPr/>
-                    <a:lstStyle/>
-                    <a:p>
-                      <a:pPr algn="ctr" rtl="1"/>
-                      <a:r>
-                        <a:rPr lang="fa-IR" sz="2000" dirty="0">
-                          <a:cs typeface="B Nazanin" panose="00000400000000000000" pitchFamily="2" charset="-78"/>
-                        </a:rPr>
-                        <a:t>ناشر</a:t>
-                      </a:r>
-                      <a:endParaRPr lang="en-US" sz="2000" dirty="0">
-                        <a:cs typeface="B Nazanin" panose="00000400000000000000" pitchFamily="2" charset="-78"/>
-                      </a:endParaRPr>
-                    </a:p>
-                  </a:txBody>
-                  <a:tcPr/>
-                </a:tc>
-                <a:tc>
-                  <a:txBody>
-                    <a:bodyPr/>
-                    <a:lstStyle/>
-                    <a:p>
-                      <a:pPr algn="ctr" rtl="1"/>
-                      <a:r>
-                        <a:rPr lang="fa-IR" sz="2000" dirty="0">
-                          <a:cs typeface="B Nazanin" panose="00000400000000000000" pitchFamily="2" charset="-78"/>
-                        </a:rPr>
-                        <a:t>نام نویسنده</a:t>
-                      </a:r>
-                      <a:endParaRPr lang="en-US" sz="2000" dirty="0">
-                        <a:cs typeface="B Nazanin" panose="00000400000000000000" pitchFamily="2" charset="-78"/>
-                      </a:endParaRPr>
-                    </a:p>
-                  </a:txBody>
-                  <a:tcPr/>
-                </a:tc>
-                <a:tc>
-                  <a:txBody>
-                    <a:bodyPr/>
-                    <a:lstStyle/>
-                    <a:p>
-                      <a:pPr algn="ctr" rtl="1"/>
-                      <a:r>
-                        <a:rPr lang="fa-IR" sz="2000" dirty="0">
-                          <a:cs typeface="B Nazanin" panose="00000400000000000000" pitchFamily="2" charset="-78"/>
-                        </a:rPr>
-                        <a:t>نام کتاب</a:t>
-                      </a:r>
-                      <a:endParaRPr lang="en-US" sz="2000" dirty="0">
-                        <a:cs typeface="B Nazanin" panose="00000400000000000000" pitchFamily="2" charset="-78"/>
-                      </a:endParaRPr>
-                    </a:p>
-                  </a:txBody>
-                  <a:tcPr/>
-                </a:tc>
-                <a:tc>
-                  <a:txBody>
-                    <a:bodyPr/>
-                    <a:lstStyle/>
-                    <a:p>
-                      <a:pPr algn="ctr" rtl="1"/>
-                      <a:r>
-                        <a:rPr lang="fa-IR" sz="2000" dirty="0">
-                          <a:cs typeface="B Nazanin" panose="00000400000000000000" pitchFamily="2" charset="-78"/>
-                        </a:rPr>
-                        <a:t>شناسه کتاب</a:t>
-                      </a:r>
-                      <a:endParaRPr lang="en-US" sz="2000" dirty="0">
-                        <a:cs typeface="B Nazanin" panose="00000400000000000000" pitchFamily="2" charset="-78"/>
-                      </a:endParaRPr>
-                    </a:p>
-                  </a:txBody>
-                  <a:tcPr/>
-                </a:tc>
-                <a:tc>
-                  <a:txBody>
-                    <a:bodyPr/>
-                    <a:lstStyle/>
-                    <a:p>
-                      <a:pPr algn="ctr" rtl="1"/>
-                      <a:r>
-                        <a:rPr lang="fa-IR" sz="2000" dirty="0">
-                          <a:cs typeface="B Nazanin" panose="00000400000000000000" pitchFamily="2" charset="-78"/>
-                        </a:rPr>
-                        <a:t>کد کتاب</a:t>
-                      </a:r>
-                      <a:endParaRPr lang="en-US" sz="2000" dirty="0">
-                        <a:cs typeface="B Nazanin" panose="00000400000000000000" pitchFamily="2" charset="-78"/>
-                      </a:endParaRPr>
-                    </a:p>
-                  </a:txBody>
-                  <a:tcPr/>
-                </a:tc>
-                <a:extLst>
-                  <a:ext uri="{0D108BD9-81ED-4DB2-BD59-A6C34878D82A}">
-                    <a16:rowId xmlns:a16="http://schemas.microsoft.com/office/drawing/2014/main" val="2238029062"/>
-                  </a:ext>
-                </a:extLst>
-              </a:tr>
-              <a:tr h="370840">
-                <a:tc>
-                  <a:txBody>
-                    <a:bodyPr/>
-                    <a:lstStyle/>
-                    <a:p>
-                      <a:pPr algn="ctr" rtl="1"/>
-                      <a:r>
-                        <a:rPr lang="fa-IR" sz="2000" dirty="0">
-                          <a:cs typeface="B Nazanin" panose="00000400000000000000" pitchFamily="2" charset="-78"/>
-                        </a:rPr>
-                        <a:t>برق و کامپیوتر</a:t>
-                      </a:r>
-                      <a:endParaRPr lang="en-US" sz="2000" dirty="0">
-                        <a:cs typeface="B Nazanin" panose="00000400000000000000" pitchFamily="2" charset="-78"/>
-                      </a:endParaRPr>
-                    </a:p>
-                  </a:txBody>
-                  <a:tcPr/>
-                </a:tc>
-                <a:tc>
-                  <a:txBody>
-                    <a:bodyPr/>
-                    <a:lstStyle/>
-                    <a:p>
-                      <a:pPr algn="ctr" rtl="1"/>
-                      <a:r>
-                        <a:rPr lang="fa-IR" sz="2000" dirty="0">
-                          <a:cs typeface="B Nazanin" panose="00000400000000000000" pitchFamily="2" charset="-78"/>
-                        </a:rPr>
-                        <a:t>5</a:t>
-                      </a:r>
-                      <a:endParaRPr lang="en-US" sz="2000" dirty="0">
-                        <a:cs typeface="B Nazanin" panose="00000400000000000000" pitchFamily="2" charset="-78"/>
-                      </a:endParaRPr>
-                    </a:p>
-                  </a:txBody>
-                  <a:tcPr/>
-                </a:tc>
-                <a:tc>
-                  <a:txBody>
-                    <a:bodyPr/>
-                    <a:lstStyle/>
-                    <a:p>
-                      <a:pPr algn="ctr" rtl="1"/>
-                      <a:r>
-                        <a:rPr lang="fa-IR" sz="2000" dirty="0">
-                          <a:cs typeface="B Nazanin" panose="00000400000000000000" pitchFamily="2" charset="-78"/>
-                        </a:rPr>
-                        <a:t>کامپیوتر</a:t>
-                      </a:r>
-                      <a:endParaRPr lang="en-US" sz="2000" dirty="0">
-                        <a:cs typeface="B Nazanin" panose="00000400000000000000" pitchFamily="2" charset="-78"/>
-                      </a:endParaRPr>
-                    </a:p>
-                  </a:txBody>
-                  <a:tcPr/>
-                </a:tc>
-                <a:tc>
-                  <a:txBody>
-                    <a:bodyPr/>
-                    <a:lstStyle/>
-                    <a:p>
-                      <a:pPr algn="ctr" rtl="1"/>
-                      <a:r>
-                        <a:rPr lang="fa-IR" sz="2000" dirty="0">
-                          <a:cs typeface="B Nazanin" panose="00000400000000000000" pitchFamily="2" charset="-78"/>
-                        </a:rPr>
-                        <a:t>1390</a:t>
-                      </a:r>
-                      <a:endParaRPr lang="en-US" sz="2000" dirty="0">
-                        <a:cs typeface="B Nazanin" panose="00000400000000000000" pitchFamily="2" charset="-78"/>
-                      </a:endParaRPr>
-                    </a:p>
-                  </a:txBody>
-                  <a:tcPr/>
-                </a:tc>
-                <a:tc>
-                  <a:txBody>
-                    <a:bodyPr/>
-                    <a:lstStyle/>
-                    <a:p>
-                      <a:pPr algn="ctr" rtl="1"/>
-                      <a:r>
-                        <a:rPr lang="fa-IR" sz="2000" dirty="0">
-                          <a:cs typeface="B Nazanin" panose="00000400000000000000" pitchFamily="2" charset="-78"/>
-                        </a:rPr>
-                        <a:t>صدف</a:t>
-                      </a:r>
-                      <a:endParaRPr lang="en-US" sz="2000" dirty="0">
-                        <a:cs typeface="B Nazanin" panose="00000400000000000000" pitchFamily="2" charset="-78"/>
-                      </a:endParaRPr>
-                    </a:p>
-                  </a:txBody>
-                  <a:tcPr/>
-                </a:tc>
-                <a:tc>
-                  <a:txBody>
-                    <a:bodyPr/>
-                    <a:lstStyle/>
-                    <a:p>
-                      <a:pPr algn="ctr" rtl="1"/>
-                      <a:r>
-                        <a:rPr lang="fa-IR" sz="2000" dirty="0">
-                          <a:cs typeface="B Nazanin" panose="00000400000000000000" pitchFamily="2" charset="-78"/>
-                        </a:rPr>
-                        <a:t>امیر محمدی، ...</a:t>
-                      </a:r>
-                      <a:endParaRPr lang="en-US" sz="2000" dirty="0">
-                        <a:cs typeface="B Nazanin" panose="00000400000000000000" pitchFamily="2" charset="-78"/>
-                      </a:endParaRPr>
-                    </a:p>
-                  </a:txBody>
-                  <a:tcPr/>
-                </a:tc>
-                <a:tc>
-                  <a:txBody>
-                    <a:bodyPr/>
-                    <a:lstStyle/>
-                    <a:p>
-                      <a:pPr algn="ctr" rtl="1"/>
-                      <a:r>
-                        <a:rPr lang="fa-IR" sz="2000" dirty="0">
-                          <a:cs typeface="B Nazanin" panose="00000400000000000000" pitchFamily="2" charset="-78"/>
-                        </a:rPr>
-                        <a:t>برنامه نویسی </a:t>
-                      </a:r>
-                      <a:r>
-                        <a:rPr lang="en-US" sz="2000" dirty="0">
-                          <a:cs typeface="B Nazanin" panose="00000400000000000000" pitchFamily="2" charset="-78"/>
-                        </a:rPr>
-                        <a:t>C</a:t>
-                      </a:r>
-                    </a:p>
-                  </a:txBody>
-                  <a:tcPr/>
-                </a:tc>
-                <a:tc>
-                  <a:txBody>
-                    <a:bodyPr/>
-                    <a:lstStyle/>
-                    <a:p>
-                      <a:pPr algn="ctr" rtl="1"/>
-                      <a:r>
-                        <a:rPr lang="fa-IR" sz="2000" dirty="0">
-                          <a:cs typeface="B Nazanin" panose="00000400000000000000" pitchFamily="2" charset="-78"/>
-                        </a:rPr>
-                        <a:t>20356789</a:t>
-                      </a:r>
-                      <a:endParaRPr lang="en-US" sz="2000" dirty="0">
-                        <a:cs typeface="B Nazanin" panose="00000400000000000000" pitchFamily="2" charset="-78"/>
-                      </a:endParaRPr>
-                    </a:p>
-                  </a:txBody>
-                  <a:tcPr/>
-                </a:tc>
-                <a:tc>
-                  <a:txBody>
-                    <a:bodyPr/>
-                    <a:lstStyle/>
-                    <a:p>
-                      <a:pPr algn="ctr" rtl="1"/>
-                      <a:r>
-                        <a:rPr lang="fa-IR" sz="2000" dirty="0">
-                          <a:cs typeface="B Nazanin" panose="00000400000000000000" pitchFamily="2" charset="-78"/>
-                        </a:rPr>
-                        <a:t>3652</a:t>
-                      </a:r>
-                      <a:endParaRPr lang="en-US" sz="2000" dirty="0">
-                        <a:cs typeface="B Nazanin" panose="00000400000000000000" pitchFamily="2" charset="-78"/>
-                      </a:endParaRPr>
-                    </a:p>
-                  </a:txBody>
-                  <a:tcPr/>
-                </a:tc>
-                <a:extLst>
-                  <a:ext uri="{0D108BD9-81ED-4DB2-BD59-A6C34878D82A}">
-                    <a16:rowId xmlns:a16="http://schemas.microsoft.com/office/drawing/2014/main" val="2382755152"/>
-                  </a:ext>
-                </a:extLst>
-              </a:tr>
-              <a:tr h="370840">
-                <a:tc>
-                  <a:txBody>
-                    <a:bodyPr/>
-                    <a:lstStyle/>
-                    <a:p>
-                      <a:pPr algn="ctr" rtl="1"/>
-                      <a:r>
-                        <a:rPr lang="fa-IR" sz="2000" dirty="0">
-                          <a:cs typeface="B Nazanin" panose="00000400000000000000" pitchFamily="2" charset="-78"/>
-                        </a:rPr>
-                        <a:t>برق و کامپیوتر</a:t>
-                      </a:r>
-                      <a:endParaRPr lang="en-US" sz="2000" dirty="0">
-                        <a:cs typeface="B Nazanin" panose="00000400000000000000" pitchFamily="2" charset="-78"/>
-                      </a:endParaRPr>
-                    </a:p>
-                  </a:txBody>
-                  <a:tcPr/>
-                </a:tc>
-                <a:tc>
-                  <a:txBody>
-                    <a:bodyPr/>
-                    <a:lstStyle/>
-                    <a:p>
-                      <a:pPr algn="ctr" rtl="1"/>
-                      <a:r>
-                        <a:rPr lang="fa-IR" sz="2000" dirty="0">
-                          <a:cs typeface="B Nazanin" panose="00000400000000000000" pitchFamily="2" charset="-78"/>
-                        </a:rPr>
-                        <a:t>12</a:t>
-                      </a:r>
-                      <a:endParaRPr lang="en-US" sz="2000" dirty="0">
-                        <a:cs typeface="B Nazanin" panose="00000400000000000000" pitchFamily="2" charset="-78"/>
-                      </a:endParaRPr>
-                    </a:p>
-                  </a:txBody>
-                  <a:tcPr/>
-                </a:tc>
-                <a:tc>
-                  <a:txBody>
-                    <a:bodyPr/>
-                    <a:lstStyle/>
-                    <a:p>
-                      <a:pPr algn="ctr" rtl="1"/>
-                      <a:r>
-                        <a:rPr lang="fa-IR" sz="2000" dirty="0">
-                          <a:cs typeface="B Nazanin" panose="00000400000000000000" pitchFamily="2" charset="-78"/>
-                        </a:rPr>
-                        <a:t>کامپیوتر</a:t>
-                      </a:r>
-                      <a:endParaRPr lang="en-US" sz="2000" dirty="0">
-                        <a:cs typeface="B Nazanin" panose="00000400000000000000" pitchFamily="2" charset="-78"/>
-                      </a:endParaRPr>
-                    </a:p>
-                  </a:txBody>
-                  <a:tcPr/>
-                </a:tc>
-                <a:tc>
-                  <a:txBody>
-                    <a:bodyPr/>
-                    <a:lstStyle/>
-                    <a:p>
-                      <a:pPr algn="ctr" rtl="1"/>
-                      <a:r>
-                        <a:rPr lang="fa-IR" sz="2000" dirty="0">
-                          <a:cs typeface="B Nazanin" panose="00000400000000000000" pitchFamily="2" charset="-78"/>
-                        </a:rPr>
-                        <a:t>1395</a:t>
-                      </a:r>
-                      <a:endParaRPr lang="en-US" sz="2000" dirty="0">
-                        <a:cs typeface="B Nazanin" panose="00000400000000000000" pitchFamily="2" charset="-78"/>
-                      </a:endParaRPr>
-                    </a:p>
-                  </a:txBody>
-                  <a:tcPr/>
-                </a:tc>
-                <a:tc>
-                  <a:txBody>
-                    <a:bodyPr/>
-                    <a:lstStyle/>
-                    <a:p>
-                      <a:pPr algn="ctr" rtl="1"/>
-                      <a:r>
-                        <a:rPr lang="fa-IR" sz="2000" dirty="0">
-                          <a:cs typeface="B Nazanin" panose="00000400000000000000" pitchFamily="2" charset="-78"/>
-                        </a:rPr>
-                        <a:t>نوین</a:t>
-                      </a:r>
-                      <a:endParaRPr lang="en-US" sz="2000" dirty="0">
-                        <a:cs typeface="B Nazanin" panose="00000400000000000000" pitchFamily="2" charset="-78"/>
-                      </a:endParaRPr>
-                    </a:p>
-                  </a:txBody>
-                  <a:tcPr/>
-                </a:tc>
-                <a:tc>
-                  <a:txBody>
-                    <a:bodyPr/>
-                    <a:lstStyle/>
-                    <a:p>
-                      <a:pPr algn="ctr" rtl="1"/>
-                      <a:r>
-                        <a:rPr lang="fa-IR" sz="2000" dirty="0">
-                          <a:cs typeface="B Nazanin" panose="00000400000000000000" pitchFamily="2" charset="-78"/>
-                        </a:rPr>
-                        <a:t>رضا امینی</a:t>
-                      </a:r>
-                      <a:endParaRPr lang="en-US" sz="2000" dirty="0">
-                        <a:cs typeface="B Nazanin" panose="00000400000000000000" pitchFamily="2" charset="-78"/>
-                      </a:endParaRPr>
-                    </a:p>
-                  </a:txBody>
-                  <a:tcPr/>
-                </a:tc>
-                <a:tc>
-                  <a:txBody>
-                    <a:bodyPr/>
-                    <a:lstStyle/>
-                    <a:p>
-                      <a:pPr algn="ctr" rtl="1"/>
-                      <a:r>
-                        <a:rPr lang="fa-IR" sz="2000" dirty="0">
-                          <a:cs typeface="B Nazanin" panose="00000400000000000000" pitchFamily="2" charset="-78"/>
-                        </a:rPr>
-                        <a:t>برنامه نویسی پایه</a:t>
-                      </a:r>
-                      <a:endParaRPr lang="en-US" sz="2000" dirty="0">
-                        <a:cs typeface="B Nazanin" panose="00000400000000000000" pitchFamily="2" charset="-78"/>
-                      </a:endParaRPr>
-                    </a:p>
-                  </a:txBody>
-                  <a:tcPr/>
-                </a:tc>
-                <a:tc>
-                  <a:txBody>
-                    <a:bodyPr/>
-                    <a:lstStyle/>
-                    <a:p>
-                      <a:pPr algn="ctr" rtl="1"/>
-                      <a:r>
-                        <a:rPr lang="fa-IR" sz="2000" dirty="0">
-                          <a:cs typeface="B Nazanin" panose="00000400000000000000" pitchFamily="2" charset="-78"/>
-                        </a:rPr>
-                        <a:t>95832564</a:t>
-                      </a:r>
-                      <a:endParaRPr lang="en-US" sz="2000" dirty="0">
-                        <a:cs typeface="B Nazanin" panose="00000400000000000000" pitchFamily="2" charset="-78"/>
-                      </a:endParaRPr>
-                    </a:p>
-                  </a:txBody>
-                  <a:tcPr/>
-                </a:tc>
-                <a:tc>
-                  <a:txBody>
-                    <a:bodyPr/>
-                    <a:lstStyle/>
-                    <a:p>
-                      <a:pPr algn="ctr" rtl="1"/>
-                      <a:r>
-                        <a:rPr lang="fa-IR" sz="2000" dirty="0">
-                          <a:cs typeface="B Nazanin" panose="00000400000000000000" pitchFamily="2" charset="-78"/>
-                        </a:rPr>
-                        <a:t>3652</a:t>
-                      </a:r>
-                      <a:endParaRPr lang="en-US" sz="2000" dirty="0">
-                        <a:cs typeface="B Nazanin" panose="00000400000000000000" pitchFamily="2" charset="-78"/>
-                      </a:endParaRPr>
-                    </a:p>
-                  </a:txBody>
-                  <a:tcPr/>
-                </a:tc>
-                <a:extLst>
-                  <a:ext uri="{0D108BD9-81ED-4DB2-BD59-A6C34878D82A}">
-                    <a16:rowId xmlns:a16="http://schemas.microsoft.com/office/drawing/2014/main" val="141953150"/>
-                  </a:ext>
-                </a:extLst>
-              </a:tr>
-              <a:tr h="370840">
-                <a:tc>
-                  <a:txBody>
-                    <a:bodyPr/>
-                    <a:lstStyle/>
-                    <a:p>
-                      <a:pPr algn="ctr" rtl="1"/>
-                      <a:r>
-                        <a:rPr lang="fa-IR" sz="2000" dirty="0">
-                          <a:cs typeface="B Nazanin" panose="00000400000000000000" pitchFamily="2" charset="-78"/>
-                        </a:rPr>
-                        <a:t>...</a:t>
-                      </a:r>
-                      <a:endParaRPr lang="en-US" sz="2000" dirty="0">
-                        <a:cs typeface="B Nazanin" panose="00000400000000000000" pitchFamily="2" charset="-78"/>
-                      </a:endParaRPr>
-                    </a:p>
-                  </a:txBody>
-                  <a:tcPr/>
-                </a:tc>
-                <a:tc>
-                  <a:txBody>
-                    <a:bodyPr/>
-                    <a:lstStyle/>
-                    <a:p>
-                      <a:pPr algn="ctr" rtl="1"/>
-                      <a:r>
-                        <a:rPr lang="fa-IR" sz="2000" dirty="0">
-                          <a:cs typeface="B Nazanin" panose="00000400000000000000" pitchFamily="2" charset="-78"/>
-                        </a:rPr>
-                        <a:t>...</a:t>
-                      </a:r>
-                      <a:endParaRPr lang="en-US" sz="2000" dirty="0">
-                        <a:cs typeface="B Nazanin" panose="00000400000000000000" pitchFamily="2" charset="-78"/>
-                      </a:endParaRPr>
-                    </a:p>
-                  </a:txBody>
-                  <a:tcPr/>
-                </a:tc>
-                <a:tc>
-                  <a:txBody>
-                    <a:bodyPr/>
-                    <a:lstStyle/>
-                    <a:p>
-                      <a:pPr algn="ctr" rtl="1"/>
-                      <a:r>
-                        <a:rPr lang="fa-IR" sz="2000" dirty="0">
-                          <a:cs typeface="B Nazanin" panose="00000400000000000000" pitchFamily="2" charset="-78"/>
-                        </a:rPr>
-                        <a:t>...</a:t>
-                      </a:r>
-                      <a:endParaRPr lang="en-US" sz="2000" dirty="0">
-                        <a:cs typeface="B Nazanin" panose="00000400000000000000" pitchFamily="2" charset="-78"/>
-                      </a:endParaRPr>
-                    </a:p>
-                  </a:txBody>
-                  <a:tcPr/>
-                </a:tc>
-                <a:tc>
-                  <a:txBody>
-                    <a:bodyPr/>
-                    <a:lstStyle/>
-                    <a:p>
-                      <a:pPr algn="ctr" rtl="1"/>
-                      <a:r>
-                        <a:rPr lang="fa-IR" sz="2000" dirty="0">
-                          <a:cs typeface="B Nazanin" panose="00000400000000000000" pitchFamily="2" charset="-78"/>
-                        </a:rPr>
-                        <a:t>...</a:t>
-                      </a:r>
-                      <a:endParaRPr lang="en-US" sz="2000" dirty="0">
-                        <a:cs typeface="B Nazanin" panose="00000400000000000000" pitchFamily="2" charset="-78"/>
-                      </a:endParaRPr>
-                    </a:p>
-                  </a:txBody>
-                  <a:tcPr/>
-                </a:tc>
-                <a:tc>
-                  <a:txBody>
-                    <a:bodyPr/>
-                    <a:lstStyle/>
-                    <a:p>
-                      <a:pPr algn="ctr" rtl="1"/>
-                      <a:r>
-                        <a:rPr lang="fa-IR" sz="2000" dirty="0">
-                          <a:cs typeface="B Nazanin" panose="00000400000000000000" pitchFamily="2" charset="-78"/>
-                        </a:rPr>
-                        <a:t>...</a:t>
-                      </a:r>
-                      <a:endParaRPr lang="en-US" sz="2000" dirty="0">
-                        <a:cs typeface="B Nazanin" panose="00000400000000000000" pitchFamily="2" charset="-78"/>
-                      </a:endParaRPr>
-                    </a:p>
-                  </a:txBody>
-                  <a:tcPr/>
-                </a:tc>
-                <a:tc>
-                  <a:txBody>
-                    <a:bodyPr/>
-                    <a:lstStyle/>
-                    <a:p>
-                      <a:pPr algn="ctr" rtl="1"/>
-                      <a:r>
-                        <a:rPr lang="fa-IR" sz="2000" dirty="0">
-                          <a:cs typeface="B Nazanin" panose="00000400000000000000" pitchFamily="2" charset="-78"/>
-                        </a:rPr>
-                        <a:t>...</a:t>
-                      </a:r>
-                      <a:endParaRPr lang="en-US" sz="2000" dirty="0">
-                        <a:cs typeface="B Nazanin" panose="00000400000000000000" pitchFamily="2" charset="-78"/>
-                      </a:endParaRPr>
-                    </a:p>
-                  </a:txBody>
-                  <a:tcPr/>
-                </a:tc>
-                <a:tc>
-                  <a:txBody>
-                    <a:bodyPr/>
-                    <a:lstStyle/>
-                    <a:p>
-                      <a:pPr algn="ctr" rtl="1"/>
-                      <a:r>
-                        <a:rPr lang="fa-IR" sz="2000" dirty="0">
-                          <a:cs typeface="B Nazanin" panose="00000400000000000000" pitchFamily="2" charset="-78"/>
-                        </a:rPr>
-                        <a:t>...</a:t>
-                      </a:r>
-                      <a:endParaRPr lang="en-US" sz="2000" dirty="0">
-                        <a:cs typeface="B Nazanin" panose="00000400000000000000" pitchFamily="2" charset="-78"/>
-                      </a:endParaRPr>
-                    </a:p>
-                  </a:txBody>
-                  <a:tcPr/>
-                </a:tc>
-                <a:tc>
-                  <a:txBody>
-                    <a:bodyPr/>
-                    <a:lstStyle/>
-                    <a:p>
-                      <a:pPr algn="ctr" rtl="1"/>
-                      <a:r>
-                        <a:rPr lang="fa-IR" sz="2000" dirty="0">
-                          <a:cs typeface="B Nazanin" panose="00000400000000000000" pitchFamily="2" charset="-78"/>
-                        </a:rPr>
-                        <a:t>...</a:t>
-                      </a:r>
-                      <a:endParaRPr lang="en-US" sz="2000" dirty="0">
-                        <a:cs typeface="B Nazanin" panose="00000400000000000000" pitchFamily="2" charset="-78"/>
-                      </a:endParaRPr>
-                    </a:p>
-                  </a:txBody>
-                  <a:tcPr/>
-                </a:tc>
-                <a:tc>
-                  <a:txBody>
-                    <a:bodyPr/>
-                    <a:lstStyle/>
-                    <a:p>
-                      <a:pPr algn="ctr" rtl="1"/>
-                      <a:endParaRPr lang="en-US" sz="2000" dirty="0">
-                        <a:cs typeface="B Nazanin" panose="00000400000000000000" pitchFamily="2" charset="-78"/>
-                      </a:endParaRPr>
-                    </a:p>
-                  </a:txBody>
-                  <a:tcPr/>
-                </a:tc>
-                <a:extLst>
-                  <a:ext uri="{0D108BD9-81ED-4DB2-BD59-A6C34878D82A}">
-                    <a16:rowId xmlns:a16="http://schemas.microsoft.com/office/drawing/2014/main" val="3140024821"/>
-                  </a:ext>
-                </a:extLst>
-              </a:tr>
-              <a:tr h="370840">
-                <a:tc>
-                  <a:txBody>
-                    <a:bodyPr/>
-                    <a:lstStyle/>
-                    <a:p>
-                      <a:pPr algn="ctr" rtl="1"/>
-                      <a:r>
-                        <a:rPr lang="fa-IR" sz="2000" dirty="0">
-                          <a:cs typeface="B Nazanin" panose="00000400000000000000" pitchFamily="2" charset="-78"/>
-                        </a:rPr>
-                        <a:t>...</a:t>
-                      </a:r>
-                      <a:endParaRPr lang="en-US" sz="2000" dirty="0">
-                        <a:cs typeface="B Nazanin" panose="00000400000000000000" pitchFamily="2" charset="-78"/>
-                      </a:endParaRPr>
-                    </a:p>
-                  </a:txBody>
-                  <a:tcPr/>
-                </a:tc>
-                <a:tc>
-                  <a:txBody>
-                    <a:bodyPr/>
-                    <a:lstStyle/>
-                    <a:p>
-                      <a:pPr algn="ctr" rtl="1"/>
-                      <a:r>
-                        <a:rPr lang="fa-IR" sz="2000" dirty="0">
-                          <a:cs typeface="B Nazanin" panose="00000400000000000000" pitchFamily="2" charset="-78"/>
-                        </a:rPr>
-                        <a:t>...</a:t>
-                      </a:r>
-                      <a:endParaRPr lang="en-US" sz="2000" dirty="0">
-                        <a:cs typeface="B Nazanin" panose="00000400000000000000" pitchFamily="2" charset="-78"/>
-                      </a:endParaRPr>
-                    </a:p>
-                  </a:txBody>
-                  <a:tcPr/>
-                </a:tc>
-                <a:tc>
-                  <a:txBody>
-                    <a:bodyPr/>
-                    <a:lstStyle/>
-                    <a:p>
-                      <a:pPr algn="ctr" rtl="1"/>
-                      <a:r>
-                        <a:rPr lang="fa-IR" sz="2000" dirty="0">
-                          <a:cs typeface="B Nazanin" panose="00000400000000000000" pitchFamily="2" charset="-78"/>
-                        </a:rPr>
-                        <a:t>...</a:t>
-                      </a:r>
-                      <a:endParaRPr lang="en-US" sz="2000" dirty="0">
-                        <a:cs typeface="B Nazanin" panose="00000400000000000000" pitchFamily="2" charset="-78"/>
-                      </a:endParaRPr>
-                    </a:p>
-                  </a:txBody>
-                  <a:tcPr/>
-                </a:tc>
-                <a:tc>
-                  <a:txBody>
-                    <a:bodyPr/>
-                    <a:lstStyle/>
-                    <a:p>
-                      <a:pPr algn="ctr" rtl="1"/>
-                      <a:r>
-                        <a:rPr lang="fa-IR" sz="2000" dirty="0">
-                          <a:cs typeface="B Nazanin" panose="00000400000000000000" pitchFamily="2" charset="-78"/>
-                        </a:rPr>
-                        <a:t>...</a:t>
-                      </a:r>
-                      <a:endParaRPr lang="en-US" sz="2000" dirty="0">
-                        <a:cs typeface="B Nazanin" panose="00000400000000000000" pitchFamily="2" charset="-78"/>
-                      </a:endParaRPr>
-                    </a:p>
-                  </a:txBody>
-                  <a:tcPr/>
-                </a:tc>
-                <a:tc>
-                  <a:txBody>
-                    <a:bodyPr/>
-                    <a:lstStyle/>
-                    <a:p>
-                      <a:pPr algn="ctr" rtl="1"/>
-                      <a:r>
-                        <a:rPr lang="fa-IR" sz="2000" dirty="0">
-                          <a:cs typeface="B Nazanin" panose="00000400000000000000" pitchFamily="2" charset="-78"/>
-                        </a:rPr>
-                        <a:t>...</a:t>
-                      </a:r>
-                      <a:endParaRPr lang="en-US" sz="2000" dirty="0">
-                        <a:cs typeface="B Nazanin" panose="00000400000000000000" pitchFamily="2" charset="-78"/>
-                      </a:endParaRPr>
-                    </a:p>
-                  </a:txBody>
-                  <a:tcPr/>
-                </a:tc>
-                <a:tc>
-                  <a:txBody>
-                    <a:bodyPr/>
-                    <a:lstStyle/>
-                    <a:p>
-                      <a:pPr algn="ctr" rtl="1"/>
-                      <a:r>
-                        <a:rPr lang="fa-IR" sz="2000" dirty="0">
-                          <a:cs typeface="B Nazanin" panose="00000400000000000000" pitchFamily="2" charset="-78"/>
-                        </a:rPr>
-                        <a:t>...</a:t>
-                      </a:r>
-                      <a:endParaRPr lang="en-US" sz="2000" dirty="0">
-                        <a:cs typeface="B Nazanin" panose="00000400000000000000" pitchFamily="2" charset="-78"/>
-                      </a:endParaRPr>
-                    </a:p>
-                  </a:txBody>
-                  <a:tcPr/>
-                </a:tc>
-                <a:tc>
-                  <a:txBody>
-                    <a:bodyPr/>
-                    <a:lstStyle/>
-                    <a:p>
-                      <a:pPr algn="ctr" rtl="1"/>
-                      <a:r>
-                        <a:rPr lang="fa-IR" sz="2000" dirty="0">
-                          <a:cs typeface="B Nazanin" panose="00000400000000000000" pitchFamily="2" charset="-78"/>
-                        </a:rPr>
-                        <a:t>...</a:t>
-                      </a:r>
-                      <a:endParaRPr lang="en-US" sz="2000" dirty="0">
-                        <a:cs typeface="B Nazanin" panose="00000400000000000000" pitchFamily="2" charset="-78"/>
-                      </a:endParaRPr>
-                    </a:p>
-                  </a:txBody>
-                  <a:tcPr/>
-                </a:tc>
-                <a:tc>
-                  <a:txBody>
-                    <a:bodyPr/>
-                    <a:lstStyle/>
-                    <a:p>
-                      <a:pPr algn="ctr" rtl="1"/>
-                      <a:r>
-                        <a:rPr lang="fa-IR" sz="2000" dirty="0">
-                          <a:cs typeface="B Nazanin" panose="00000400000000000000" pitchFamily="2" charset="-78"/>
-                        </a:rPr>
-                        <a:t>...</a:t>
-                      </a:r>
-                      <a:endParaRPr lang="en-US" sz="2000" dirty="0">
-                        <a:cs typeface="B Nazanin" panose="00000400000000000000" pitchFamily="2" charset="-78"/>
-                      </a:endParaRPr>
-                    </a:p>
-                  </a:txBody>
-                  <a:tcPr/>
-                </a:tc>
-                <a:tc>
-                  <a:txBody>
-                    <a:bodyPr/>
-                    <a:lstStyle/>
-                    <a:p>
-                      <a:pPr algn="ctr" rtl="1"/>
-                      <a:endParaRPr lang="en-US" sz="2000" dirty="0">
-                        <a:cs typeface="B Nazanin" panose="00000400000000000000" pitchFamily="2" charset="-78"/>
-                      </a:endParaRPr>
-                    </a:p>
-                  </a:txBody>
-                  <a:tcPr/>
-                </a:tc>
-                <a:extLst>
-                  <a:ext uri="{0D108BD9-81ED-4DB2-BD59-A6C34878D82A}">
-                    <a16:rowId xmlns:a16="http://schemas.microsoft.com/office/drawing/2014/main" val="999550783"/>
-                  </a:ext>
-                </a:extLst>
-              </a:tr>
-              <a:tr h="370840">
-                <a:tc>
-                  <a:txBody>
-                    <a:bodyPr/>
-                    <a:lstStyle/>
-                    <a:p>
-                      <a:pPr algn="ctr" rtl="1"/>
-                      <a:r>
-                        <a:rPr lang="fa-IR" sz="2000" dirty="0">
-                          <a:cs typeface="B Nazanin" panose="00000400000000000000" pitchFamily="2" charset="-78"/>
-                        </a:rPr>
-                        <a:t>...</a:t>
-                      </a:r>
-                      <a:endParaRPr lang="en-US" sz="2000" dirty="0">
-                        <a:cs typeface="B Nazanin" panose="00000400000000000000" pitchFamily="2" charset="-78"/>
-                      </a:endParaRPr>
-                    </a:p>
-                  </a:txBody>
-                  <a:tcPr/>
-                </a:tc>
-                <a:tc>
-                  <a:txBody>
-                    <a:bodyPr/>
-                    <a:lstStyle/>
-                    <a:p>
-                      <a:pPr algn="ctr" rtl="1"/>
-                      <a:r>
-                        <a:rPr lang="fa-IR" sz="2000" dirty="0">
-                          <a:cs typeface="B Nazanin" panose="00000400000000000000" pitchFamily="2" charset="-78"/>
-                        </a:rPr>
-                        <a:t>...</a:t>
-                      </a:r>
-                      <a:endParaRPr lang="en-US" sz="2000" dirty="0">
-                        <a:cs typeface="B Nazanin" panose="00000400000000000000" pitchFamily="2" charset="-78"/>
-                      </a:endParaRPr>
-                    </a:p>
-                  </a:txBody>
-                  <a:tcPr/>
-                </a:tc>
-                <a:tc>
-                  <a:txBody>
-                    <a:bodyPr/>
-                    <a:lstStyle/>
-                    <a:p>
-                      <a:pPr algn="ctr" rtl="1"/>
-                      <a:r>
-                        <a:rPr lang="fa-IR" sz="2000" dirty="0">
-                          <a:cs typeface="B Nazanin" panose="00000400000000000000" pitchFamily="2" charset="-78"/>
-                        </a:rPr>
-                        <a:t>...</a:t>
-                      </a:r>
-                      <a:endParaRPr lang="en-US" sz="2000" dirty="0">
-                        <a:cs typeface="B Nazanin" panose="00000400000000000000" pitchFamily="2" charset="-78"/>
-                      </a:endParaRPr>
-                    </a:p>
-                  </a:txBody>
-                  <a:tcPr/>
-                </a:tc>
-                <a:tc>
-                  <a:txBody>
-                    <a:bodyPr/>
-                    <a:lstStyle/>
-                    <a:p>
-                      <a:pPr algn="ctr" rtl="1"/>
-                      <a:r>
-                        <a:rPr lang="fa-IR" sz="2000" dirty="0">
-                          <a:cs typeface="B Nazanin" panose="00000400000000000000" pitchFamily="2" charset="-78"/>
-                        </a:rPr>
-                        <a:t>...</a:t>
-                      </a:r>
-                      <a:endParaRPr lang="en-US" sz="2000" dirty="0">
-                        <a:cs typeface="B Nazanin" panose="00000400000000000000" pitchFamily="2" charset="-78"/>
-                      </a:endParaRPr>
-                    </a:p>
-                  </a:txBody>
-                  <a:tcPr/>
-                </a:tc>
-                <a:tc>
-                  <a:txBody>
-                    <a:bodyPr/>
-                    <a:lstStyle/>
-                    <a:p>
-                      <a:pPr algn="ctr" rtl="1"/>
-                      <a:r>
-                        <a:rPr lang="fa-IR" sz="2000" dirty="0">
-                          <a:cs typeface="B Nazanin" panose="00000400000000000000" pitchFamily="2" charset="-78"/>
-                        </a:rPr>
-                        <a:t>...</a:t>
-                      </a:r>
-                      <a:endParaRPr lang="en-US" sz="2000" dirty="0">
-                        <a:cs typeface="B Nazanin" panose="00000400000000000000" pitchFamily="2" charset="-78"/>
-                      </a:endParaRPr>
-                    </a:p>
-                  </a:txBody>
-                  <a:tcPr/>
-                </a:tc>
-                <a:tc>
-                  <a:txBody>
-                    <a:bodyPr/>
-                    <a:lstStyle/>
-                    <a:p>
-                      <a:pPr algn="ctr" rtl="1"/>
-                      <a:r>
-                        <a:rPr lang="fa-IR" sz="2000" dirty="0">
-                          <a:cs typeface="B Nazanin" panose="00000400000000000000" pitchFamily="2" charset="-78"/>
-                        </a:rPr>
-                        <a:t>...</a:t>
-                      </a:r>
-                      <a:endParaRPr lang="en-US" sz="2000" dirty="0">
-                        <a:cs typeface="B Nazanin" panose="00000400000000000000" pitchFamily="2" charset="-78"/>
-                      </a:endParaRPr>
-                    </a:p>
-                  </a:txBody>
-                  <a:tcPr/>
-                </a:tc>
-                <a:tc>
-                  <a:txBody>
-                    <a:bodyPr/>
-                    <a:lstStyle/>
-                    <a:p>
-                      <a:pPr algn="ctr" rtl="1"/>
-                      <a:r>
-                        <a:rPr lang="fa-IR" sz="2000" dirty="0">
-                          <a:cs typeface="B Nazanin" panose="00000400000000000000" pitchFamily="2" charset="-78"/>
-                        </a:rPr>
-                        <a:t>...</a:t>
-                      </a:r>
-                      <a:endParaRPr lang="en-US" sz="2000" dirty="0">
-                        <a:cs typeface="B Nazanin" panose="00000400000000000000" pitchFamily="2" charset="-78"/>
-                      </a:endParaRPr>
-                    </a:p>
-                  </a:txBody>
-                  <a:tcPr/>
-                </a:tc>
-                <a:tc>
-                  <a:txBody>
-                    <a:bodyPr/>
-                    <a:lstStyle/>
-                    <a:p>
-                      <a:pPr algn="ctr" rtl="1"/>
-                      <a:r>
-                        <a:rPr lang="fa-IR" sz="2000" dirty="0">
-                          <a:cs typeface="B Nazanin" panose="00000400000000000000" pitchFamily="2" charset="-78"/>
-                        </a:rPr>
-                        <a:t>...</a:t>
-                      </a:r>
-                      <a:endParaRPr lang="en-US" sz="2000" dirty="0">
-                        <a:cs typeface="B Nazanin" panose="00000400000000000000" pitchFamily="2" charset="-78"/>
-                      </a:endParaRPr>
-                    </a:p>
-                  </a:txBody>
-                  <a:tcPr/>
-                </a:tc>
-                <a:tc>
-                  <a:txBody>
-                    <a:bodyPr/>
-                    <a:lstStyle/>
-                    <a:p>
-                      <a:pPr algn="ctr" rtl="1"/>
-                      <a:endParaRPr lang="en-US" sz="2000" dirty="0">
-                        <a:cs typeface="B Nazanin" panose="00000400000000000000" pitchFamily="2" charset="-78"/>
-                      </a:endParaRPr>
-                    </a:p>
-                  </a:txBody>
-                  <a:tcPr/>
-                </a:tc>
-                <a:extLst>
-                  <a:ext uri="{0D108BD9-81ED-4DB2-BD59-A6C34878D82A}">
-                    <a16:rowId xmlns:a16="http://schemas.microsoft.com/office/drawing/2014/main" val="3095720900"/>
-                  </a:ext>
-                </a:extLst>
-              </a:tr>
-            </a:tbl>
-          </a:graphicData>
-        </a:graphic>
-      </p:graphicFrame>
-      <p:sp>
-        <p:nvSpPr>
-          <p:cNvPr id="4" name="Rectangle 3">
-            <a:extLst>
-              <a:ext uri="{FF2B5EF4-FFF2-40B4-BE49-F238E27FC236}">
-                <a16:creationId xmlns:a16="http://schemas.microsoft.com/office/drawing/2014/main" id="{1AFD80AF-CC18-E2A0-68D6-7D58818E252F}"/>
-              </a:ext>
-            </a:extLst>
-          </p:cNvPr>
-          <p:cNvSpPr/>
-          <p:nvPr/>
-        </p:nvSpPr>
-        <p:spPr>
-          <a:xfrm>
-            <a:off x="5396247" y="5795493"/>
-            <a:ext cx="1399505" cy="309093"/>
-          </a:xfrm>
-          <a:prstGeom prst="rect">
-            <a:avLst/>
-          </a:prstGeom>
-        </p:spPr>
-        <p:style>
-          <a:lnRef idx="0">
-            <a:schemeClr val="accent3"/>
-          </a:lnRef>
-          <a:fillRef idx="3">
-            <a:schemeClr val="accent3"/>
-          </a:fillRef>
-          <a:effectRef idx="3">
-            <a:schemeClr val="accent3"/>
-          </a:effectRef>
-          <a:fontRef idx="minor">
-            <a:schemeClr val="lt1"/>
-          </a:fontRef>
-        </p:style>
-        <p:txBody>
-          <a:bodyPr rtlCol="0" anchor="ctr"/>
-          <a:lstStyle/>
-          <a:p>
-            <a:pPr algn="ctr"/>
-            <a:r>
-              <a:rPr lang="fa-IR" sz="2000" b="1" dirty="0">
-                <a:cs typeface="B Nazanin" panose="00000400000000000000" pitchFamily="2" charset="-78"/>
-              </a:rPr>
-              <a:t>چاپ</a:t>
-            </a:r>
-            <a:endParaRPr lang="en-US" sz="2000" b="1" dirty="0">
-              <a:cs typeface="B Nazanin" panose="00000400000000000000" pitchFamily="2" charset="-78"/>
-            </a:endParaRPr>
-          </a:p>
-        </p:txBody>
-      </p:sp>
-    </p:spTree>
-    <p:extLst>
-      <p:ext uri="{BB962C8B-B14F-4D97-AF65-F5344CB8AC3E}">
-        <p14:creationId xmlns:p14="http://schemas.microsoft.com/office/powerpoint/2010/main" val="357561267"/>
-      </p:ext>
-    </p:extLst>
-  </p:cSld>
-  <p:clrMapOvr>
-    <a:masterClrMapping/>
-  </p:clrMapOvr>
-</p:sld>
-</file>
-
-<file path=ppt/slides/slide11.xml><?xml version="1.0" encoding="utf-8"?>
-<p:sld xmlns:a="http://schemas.openxmlformats.org/drawingml/2006/main" xmlns:r="http://schemas.openxmlformats.org/officeDocument/2006/relationships" xmlns:p="http://schemas.openxmlformats.org/presentationml/2006/main">
-  <p:cSld>
-    <p:bg>
-      <p:bgPr>
-        <a:solidFill>
-          <a:schemeClr val="bg1">
-            <a:lumMod val="95000"/>
-          </a:schemeClr>
-        </a:solidFill>
-        <a:effectLst/>
-      </p:bgPr>
-    </p:bg>
-    <p:spTree>
-      <p:nvGrpSpPr>
-        <p:cNvPr id="1" name=""/>
-        <p:cNvGrpSpPr/>
-        <p:nvPr/>
-      </p:nvGrpSpPr>
-      <p:grpSpPr>
-        <a:xfrm>
-          <a:off x="0" y="0"/>
-          <a:ext cx="0" cy="0"/>
-          <a:chOff x="0" y="0"/>
-          <a:chExt cx="0" cy="0"/>
-        </a:xfrm>
-      </p:grpSpPr>
-      <p:sp>
-        <p:nvSpPr>
-          <p:cNvPr id="2" name="TextBox 1">
-            <a:extLst>
-              <a:ext uri="{FF2B5EF4-FFF2-40B4-BE49-F238E27FC236}">
-                <a16:creationId xmlns:a16="http://schemas.microsoft.com/office/drawing/2014/main" id="{A483F9F6-F45B-FB99-7238-2C8E1F3BFA34}"/>
-              </a:ext>
-            </a:extLst>
-          </p:cNvPr>
-          <p:cNvSpPr txBox="1"/>
-          <p:nvPr/>
-        </p:nvSpPr>
-        <p:spPr>
-          <a:xfrm>
-            <a:off x="9311426" y="150513"/>
-            <a:ext cx="2640169" cy="523220"/>
-          </a:xfrm>
-          <a:prstGeom prst="rect">
-            <a:avLst/>
-          </a:prstGeom>
-          <a:noFill/>
-        </p:spPr>
-        <p:txBody>
-          <a:bodyPr wrap="square" rtlCol="0">
-            <a:spAutoFit/>
-          </a:bodyPr>
-          <a:lstStyle/>
-          <a:p>
-            <a:pPr algn="r" rtl="1"/>
-            <a:r>
-              <a:rPr lang="fa-IR" sz="2800" u="sng" dirty="0">
-                <a:cs typeface="B Nazanin" panose="00000400000000000000" pitchFamily="2" charset="-78"/>
-              </a:rPr>
-              <a:t>ثبت امانت</a:t>
-            </a:r>
-            <a:endParaRPr lang="en-US" sz="2800" u="sng" dirty="0">
-              <a:cs typeface="B Nazanin" panose="00000400000000000000" pitchFamily="2" charset="-78"/>
-            </a:endParaRPr>
-          </a:p>
-        </p:txBody>
-      </p:sp>
-      <p:graphicFrame>
-        <p:nvGraphicFramePr>
-          <p:cNvPr id="3" name="Table 4">
-            <a:extLst>
-              <a:ext uri="{FF2B5EF4-FFF2-40B4-BE49-F238E27FC236}">
-                <a16:creationId xmlns:a16="http://schemas.microsoft.com/office/drawing/2014/main" id="{EDF60E3C-7491-553B-1237-59E6EA4241E4}"/>
-              </a:ext>
-            </a:extLst>
-          </p:cNvPr>
-          <p:cNvGraphicFramePr>
-            <a:graphicFrameLocks noGrp="1"/>
-          </p:cNvGraphicFramePr>
-          <p:nvPr>
-            <p:extLst>
-              <p:ext uri="{D42A27DB-BD31-4B8C-83A1-F6EECF244321}">
-                <p14:modId xmlns:p14="http://schemas.microsoft.com/office/powerpoint/2010/main" val="4257677966"/>
-              </p:ext>
-            </p:extLst>
-          </p:nvPr>
-        </p:nvGraphicFramePr>
-        <p:xfrm>
-          <a:off x="1444580" y="1863441"/>
-          <a:ext cx="9302840" cy="1565559"/>
-        </p:xfrm>
-        <a:graphic>
-          <a:graphicData uri="http://schemas.openxmlformats.org/drawingml/2006/table">
-            <a:tbl>
-              <a:tblPr bandRow="1">
-                <a:tableStyleId>{2D5ABB26-0587-4C30-8999-92F81FD0307C}</a:tableStyleId>
-              </a:tblPr>
-              <a:tblGrid>
-                <a:gridCol w="2325710">
-                  <a:extLst>
-                    <a:ext uri="{9D8B030D-6E8A-4147-A177-3AD203B41FA5}">
-                      <a16:colId xmlns:a16="http://schemas.microsoft.com/office/drawing/2014/main" val="377584807"/>
-                    </a:ext>
-                  </a:extLst>
-                </a:gridCol>
-                <a:gridCol w="2325710">
-                  <a:extLst>
-                    <a:ext uri="{9D8B030D-6E8A-4147-A177-3AD203B41FA5}">
-                      <a16:colId xmlns:a16="http://schemas.microsoft.com/office/drawing/2014/main" val="2466257458"/>
-                    </a:ext>
-                  </a:extLst>
-                </a:gridCol>
-                <a:gridCol w="2325710">
-                  <a:extLst>
-                    <a:ext uri="{9D8B030D-6E8A-4147-A177-3AD203B41FA5}">
-                      <a16:colId xmlns:a16="http://schemas.microsoft.com/office/drawing/2014/main" val="1147219566"/>
-                    </a:ext>
-                  </a:extLst>
-                </a:gridCol>
-                <a:gridCol w="2325710">
-                  <a:extLst>
-                    <a:ext uri="{9D8B030D-6E8A-4147-A177-3AD203B41FA5}">
-                      <a16:colId xmlns:a16="http://schemas.microsoft.com/office/drawing/2014/main" val="1459317916"/>
-                    </a:ext>
-                  </a:extLst>
-                </a:gridCol>
-              </a:tblGrid>
-              <a:tr h="521853">
-                <a:tc>
-                  <a:txBody>
-                    <a:bodyPr/>
-                    <a:lstStyle/>
-                    <a:p>
-                      <a:pPr algn="r" rtl="1"/>
-                      <a:endParaRPr lang="en-US" sz="2000">
-                        <a:cs typeface="B Nazanin" panose="00000400000000000000" pitchFamily="2" charset="-78"/>
-                      </a:endParaRPr>
-                    </a:p>
-                  </a:txBody>
-                  <a:tcPr/>
-                </a:tc>
-                <a:tc>
-                  <a:txBody>
-                    <a:bodyPr/>
-                    <a:lstStyle/>
-                    <a:p>
-                      <a:pPr algn="r" rtl="1"/>
-                      <a:r>
-                        <a:rPr lang="fa-IR" sz="2000" dirty="0">
-                          <a:cs typeface="B Nazanin" panose="00000400000000000000" pitchFamily="2" charset="-78"/>
-                        </a:rPr>
-                        <a:t>نام نویسنده:</a:t>
-                      </a:r>
-                      <a:endParaRPr lang="en-US" sz="2000" dirty="0">
-                        <a:cs typeface="B Nazanin" panose="00000400000000000000" pitchFamily="2" charset="-78"/>
-                      </a:endParaRPr>
-                    </a:p>
-                  </a:txBody>
-                  <a:tcPr/>
-                </a:tc>
-                <a:tc>
-                  <a:txBody>
-                    <a:bodyPr/>
-                    <a:lstStyle/>
-                    <a:p>
-                      <a:pPr algn="r" rtl="1"/>
-                      <a:endParaRPr lang="en-US" sz="2000">
-                        <a:cs typeface="B Nazanin" panose="00000400000000000000" pitchFamily="2" charset="-78"/>
-                      </a:endParaRPr>
-                    </a:p>
-                  </a:txBody>
-                  <a:tcPr/>
-                </a:tc>
-                <a:tc>
-                  <a:txBody>
-                    <a:bodyPr/>
-                    <a:lstStyle/>
-                    <a:p>
-                      <a:pPr algn="r" rtl="1"/>
-                      <a:r>
-                        <a:rPr lang="fa-IR" sz="2000" dirty="0">
-                          <a:cs typeface="B Nazanin" panose="00000400000000000000" pitchFamily="2" charset="-78"/>
-                        </a:rPr>
-                        <a:t>شناسه کتاب:</a:t>
-                      </a:r>
-                      <a:endParaRPr lang="en-US" sz="2000" dirty="0">
-                        <a:cs typeface="B Nazanin" panose="00000400000000000000" pitchFamily="2" charset="-78"/>
-                      </a:endParaRPr>
-                    </a:p>
-                  </a:txBody>
-                  <a:tcPr/>
-                </a:tc>
-                <a:extLst>
-                  <a:ext uri="{0D108BD9-81ED-4DB2-BD59-A6C34878D82A}">
-                    <a16:rowId xmlns:a16="http://schemas.microsoft.com/office/drawing/2014/main" val="2632516942"/>
-                  </a:ext>
-                </a:extLst>
-              </a:tr>
-              <a:tr h="521853">
-                <a:tc>
-                  <a:txBody>
-                    <a:bodyPr/>
-                    <a:lstStyle/>
-                    <a:p>
-                      <a:pPr algn="r" rtl="1"/>
-                      <a:endParaRPr lang="en-US" sz="2000" dirty="0">
-                        <a:cs typeface="B Nazanin" panose="00000400000000000000" pitchFamily="2" charset="-78"/>
-                      </a:endParaRPr>
-                    </a:p>
-                  </a:txBody>
-                  <a:tcPr/>
-                </a:tc>
-                <a:tc>
-                  <a:txBody>
-                    <a:bodyPr/>
-                    <a:lstStyle/>
-                    <a:p>
-                      <a:pPr algn="r" rtl="1"/>
-                      <a:r>
-                        <a:rPr lang="fa-IR" sz="2000" dirty="0">
-                          <a:cs typeface="B Nazanin" panose="00000400000000000000" pitchFamily="2" charset="-78"/>
-                        </a:rPr>
-                        <a:t>شماره دانشجویی:</a:t>
-                      </a:r>
-                      <a:endParaRPr lang="en-US" sz="2000" dirty="0">
-                        <a:cs typeface="B Nazanin" panose="00000400000000000000" pitchFamily="2" charset="-78"/>
-                      </a:endParaRPr>
-                    </a:p>
-                  </a:txBody>
-                  <a:tcPr/>
-                </a:tc>
-                <a:tc>
-                  <a:txBody>
-                    <a:bodyPr/>
-                    <a:lstStyle/>
-                    <a:p>
-                      <a:pPr algn="r" rtl="1"/>
-                      <a:endParaRPr lang="en-US" sz="2000" dirty="0">
-                        <a:cs typeface="B Nazanin" panose="00000400000000000000" pitchFamily="2" charset="-78"/>
-                      </a:endParaRPr>
-                    </a:p>
-                  </a:txBody>
-                  <a:tcPr/>
-                </a:tc>
-                <a:tc>
-                  <a:txBody>
-                    <a:bodyPr/>
-                    <a:lstStyle/>
-                    <a:p>
-                      <a:pPr algn="r" rtl="1"/>
-                      <a:r>
-                        <a:rPr lang="fa-IR" sz="2000" dirty="0">
-                          <a:cs typeface="B Nazanin" panose="00000400000000000000" pitchFamily="2" charset="-78"/>
-                        </a:rPr>
-                        <a:t>نام کتاب:</a:t>
-                      </a:r>
-                      <a:endParaRPr lang="en-US" sz="2000" dirty="0">
-                        <a:cs typeface="B Nazanin" panose="00000400000000000000" pitchFamily="2" charset="-78"/>
-                      </a:endParaRPr>
-                    </a:p>
-                  </a:txBody>
-                  <a:tcPr/>
-                </a:tc>
-                <a:extLst>
-                  <a:ext uri="{0D108BD9-81ED-4DB2-BD59-A6C34878D82A}">
-                    <a16:rowId xmlns:a16="http://schemas.microsoft.com/office/drawing/2014/main" val="713727684"/>
-                  </a:ext>
-                </a:extLst>
-              </a:tr>
-              <a:tr h="521853">
-                <a:tc>
-                  <a:txBody>
-                    <a:bodyPr/>
-                    <a:lstStyle/>
-                    <a:p>
-                      <a:pPr algn="r" rtl="1"/>
-                      <a:endParaRPr lang="en-US" sz="2000" dirty="0">
-                        <a:cs typeface="B Nazanin" panose="00000400000000000000" pitchFamily="2" charset="-78"/>
-                      </a:endParaRPr>
-                    </a:p>
-                  </a:txBody>
-                  <a:tcPr/>
-                </a:tc>
-                <a:tc>
-                  <a:txBody>
-                    <a:bodyPr/>
-                    <a:lstStyle/>
-                    <a:p>
-                      <a:pPr algn="r" rtl="1"/>
-                      <a:endParaRPr lang="en-US" sz="2000" dirty="0">
-                        <a:cs typeface="B Nazanin" panose="00000400000000000000" pitchFamily="2" charset="-78"/>
-                      </a:endParaRPr>
-                    </a:p>
-                  </a:txBody>
-                  <a:tcPr/>
-                </a:tc>
-                <a:tc>
-                  <a:txBody>
-                    <a:bodyPr/>
-                    <a:lstStyle/>
-                    <a:p>
-                      <a:pPr algn="r" rtl="1"/>
-                      <a:endParaRPr lang="en-US" sz="2000" dirty="0">
-                        <a:cs typeface="B Nazanin" panose="00000400000000000000" pitchFamily="2" charset="-78"/>
-                      </a:endParaRPr>
-                    </a:p>
-                  </a:txBody>
-                  <a:tcPr/>
-                </a:tc>
-                <a:tc>
-                  <a:txBody>
-                    <a:bodyPr/>
-                    <a:lstStyle/>
-                    <a:p>
-                      <a:pPr algn="r" rtl="1"/>
-                      <a:r>
-                        <a:rPr lang="fa-IR" sz="2000" dirty="0">
-                          <a:cs typeface="B Nazanin" panose="00000400000000000000" pitchFamily="2" charset="-78"/>
-                        </a:rPr>
-                        <a:t>کد کتاب:</a:t>
-                      </a:r>
-                      <a:endParaRPr lang="en-US" sz="2000" dirty="0">
-                        <a:cs typeface="B Nazanin" panose="00000400000000000000" pitchFamily="2" charset="-78"/>
-                      </a:endParaRPr>
-                    </a:p>
-                  </a:txBody>
-                  <a:tcPr/>
-                </a:tc>
-                <a:extLst>
-                  <a:ext uri="{0D108BD9-81ED-4DB2-BD59-A6C34878D82A}">
-                    <a16:rowId xmlns:a16="http://schemas.microsoft.com/office/drawing/2014/main" val="1755148767"/>
-                  </a:ext>
-                </a:extLst>
-              </a:tr>
-            </a:tbl>
-          </a:graphicData>
-        </a:graphic>
-      </p:graphicFrame>
-      <p:sp>
-        <p:nvSpPr>
-          <p:cNvPr id="4" name="Rectangle 3">
-            <a:extLst>
-              <a:ext uri="{FF2B5EF4-FFF2-40B4-BE49-F238E27FC236}">
-                <a16:creationId xmlns:a16="http://schemas.microsoft.com/office/drawing/2014/main" id="{ACAD15C4-BDC4-79B2-A272-F67A0BADBC7B}"/>
-              </a:ext>
-            </a:extLst>
-          </p:cNvPr>
-          <p:cNvSpPr/>
-          <p:nvPr/>
-        </p:nvSpPr>
-        <p:spPr>
-          <a:xfrm>
-            <a:off x="7313054" y="1863441"/>
-            <a:ext cx="2150772" cy="377483"/>
-          </a:xfrm>
-          <a:prstGeom prst="rect">
-            <a:avLst/>
-          </a:prstGeom>
-        </p:spPr>
-        <p:style>
-          <a:lnRef idx="2">
-            <a:schemeClr val="dk1"/>
-          </a:lnRef>
-          <a:fillRef idx="1">
-            <a:schemeClr val="lt1"/>
-          </a:fillRef>
-          <a:effectRef idx="0">
-            <a:schemeClr val="dk1"/>
-          </a:effectRef>
-          <a:fontRef idx="minor">
-            <a:schemeClr val="dk1"/>
-          </a:fontRef>
-        </p:style>
-        <p:txBody>
-          <a:bodyPr rtlCol="0" anchor="ctr"/>
-          <a:lstStyle/>
-          <a:p>
-            <a:pPr algn="ctr"/>
-            <a:endParaRPr lang="en-US"/>
-          </a:p>
-        </p:txBody>
-      </p:sp>
-      <p:sp>
-        <p:nvSpPr>
-          <p:cNvPr id="5" name="Rectangle 4">
-            <a:extLst>
-              <a:ext uri="{FF2B5EF4-FFF2-40B4-BE49-F238E27FC236}">
-                <a16:creationId xmlns:a16="http://schemas.microsoft.com/office/drawing/2014/main" id="{BDAB79A2-1EA4-12BA-B598-A9B60F5B0E84}"/>
-              </a:ext>
-            </a:extLst>
-          </p:cNvPr>
-          <p:cNvSpPr/>
-          <p:nvPr/>
-        </p:nvSpPr>
-        <p:spPr>
-          <a:xfrm>
-            <a:off x="7313054" y="2398415"/>
-            <a:ext cx="2150772" cy="377483"/>
-          </a:xfrm>
-          <a:prstGeom prst="rect">
-            <a:avLst/>
-          </a:prstGeom>
-        </p:spPr>
-        <p:style>
-          <a:lnRef idx="2">
-            <a:schemeClr val="dk1"/>
-          </a:lnRef>
-          <a:fillRef idx="1">
-            <a:schemeClr val="lt1"/>
-          </a:fillRef>
-          <a:effectRef idx="0">
-            <a:schemeClr val="dk1"/>
-          </a:effectRef>
-          <a:fontRef idx="minor">
-            <a:schemeClr val="dk1"/>
-          </a:fontRef>
-        </p:style>
-        <p:txBody>
-          <a:bodyPr rtlCol="0" anchor="ctr"/>
-          <a:lstStyle/>
-          <a:p>
-            <a:pPr algn="ctr"/>
-            <a:endParaRPr lang="en-US"/>
-          </a:p>
-        </p:txBody>
-      </p:sp>
-      <p:sp>
-        <p:nvSpPr>
-          <p:cNvPr id="6" name="Rectangle 5">
-            <a:extLst>
-              <a:ext uri="{FF2B5EF4-FFF2-40B4-BE49-F238E27FC236}">
-                <a16:creationId xmlns:a16="http://schemas.microsoft.com/office/drawing/2014/main" id="{73753C20-56C4-CA6F-EDCA-52860D081815}"/>
-              </a:ext>
-            </a:extLst>
-          </p:cNvPr>
-          <p:cNvSpPr/>
-          <p:nvPr/>
-        </p:nvSpPr>
-        <p:spPr>
-          <a:xfrm>
-            <a:off x="2228045" y="2393918"/>
-            <a:ext cx="2150772" cy="377483"/>
-          </a:xfrm>
-          <a:prstGeom prst="rect">
-            <a:avLst/>
-          </a:prstGeom>
-        </p:spPr>
-        <p:style>
-          <a:lnRef idx="2">
-            <a:schemeClr val="dk1"/>
-          </a:lnRef>
-          <a:fillRef idx="1">
-            <a:schemeClr val="lt1"/>
-          </a:fillRef>
-          <a:effectRef idx="0">
-            <a:schemeClr val="dk1"/>
-          </a:effectRef>
-          <a:fontRef idx="minor">
-            <a:schemeClr val="dk1"/>
-          </a:fontRef>
-        </p:style>
-        <p:txBody>
-          <a:bodyPr rtlCol="0" anchor="ctr"/>
-          <a:lstStyle/>
-          <a:p>
-            <a:pPr algn="ctr"/>
-            <a:endParaRPr lang="en-US"/>
-          </a:p>
-        </p:txBody>
-      </p:sp>
-      <p:sp>
-        <p:nvSpPr>
-          <p:cNvPr id="7" name="Rectangle 6">
-            <a:extLst>
-              <a:ext uri="{FF2B5EF4-FFF2-40B4-BE49-F238E27FC236}">
-                <a16:creationId xmlns:a16="http://schemas.microsoft.com/office/drawing/2014/main" id="{060E6D16-115C-D56B-AD44-9FFDD1AB4848}"/>
-              </a:ext>
-            </a:extLst>
-          </p:cNvPr>
-          <p:cNvSpPr/>
-          <p:nvPr/>
-        </p:nvSpPr>
-        <p:spPr>
-          <a:xfrm>
-            <a:off x="2228045" y="1863441"/>
-            <a:ext cx="2150772" cy="377483"/>
-          </a:xfrm>
-          <a:prstGeom prst="rect">
-            <a:avLst/>
-          </a:prstGeom>
-        </p:spPr>
-        <p:style>
-          <a:lnRef idx="2">
-            <a:schemeClr val="dk1"/>
-          </a:lnRef>
-          <a:fillRef idx="1">
-            <a:schemeClr val="lt1"/>
-          </a:fillRef>
-          <a:effectRef idx="0">
-            <a:schemeClr val="dk1"/>
-          </a:effectRef>
-          <a:fontRef idx="minor">
-            <a:schemeClr val="dk1"/>
-          </a:fontRef>
-        </p:style>
-        <p:txBody>
-          <a:bodyPr rtlCol="0" anchor="ctr"/>
-          <a:lstStyle/>
-          <a:p>
-            <a:pPr algn="ctr"/>
-            <a:endParaRPr lang="en-US"/>
-          </a:p>
-        </p:txBody>
-      </p:sp>
-      <p:sp>
-        <p:nvSpPr>
-          <p:cNvPr id="8" name="Rectangle 7">
-            <a:extLst>
-              <a:ext uri="{FF2B5EF4-FFF2-40B4-BE49-F238E27FC236}">
-                <a16:creationId xmlns:a16="http://schemas.microsoft.com/office/drawing/2014/main" id="{82A0C0C9-529C-C2B5-9A64-1A38D4493353}"/>
-              </a:ext>
-            </a:extLst>
-          </p:cNvPr>
-          <p:cNvSpPr/>
-          <p:nvPr/>
-        </p:nvSpPr>
-        <p:spPr>
-          <a:xfrm>
-            <a:off x="5396247" y="4365938"/>
-            <a:ext cx="1399505" cy="309093"/>
-          </a:xfrm>
-          <a:prstGeom prst="rect">
-            <a:avLst/>
-          </a:prstGeom>
-        </p:spPr>
-        <p:style>
-          <a:lnRef idx="0">
-            <a:schemeClr val="accent3"/>
-          </a:lnRef>
-          <a:fillRef idx="3">
-            <a:schemeClr val="accent3"/>
-          </a:fillRef>
-          <a:effectRef idx="3">
-            <a:schemeClr val="accent3"/>
-          </a:effectRef>
-          <a:fontRef idx="minor">
-            <a:schemeClr val="lt1"/>
-          </a:fontRef>
-        </p:style>
-        <p:txBody>
-          <a:bodyPr rtlCol="0" anchor="ctr"/>
-          <a:lstStyle/>
-          <a:p>
-            <a:pPr algn="ctr"/>
-            <a:r>
-              <a:rPr lang="fa-IR" sz="2000" b="1" dirty="0">
-                <a:cs typeface="B Nazanin" panose="00000400000000000000" pitchFamily="2" charset="-78"/>
-              </a:rPr>
-              <a:t>ثبت امانت</a:t>
-            </a:r>
-            <a:endParaRPr lang="en-US" sz="2000" b="1" dirty="0">
-              <a:cs typeface="B Nazanin" panose="00000400000000000000" pitchFamily="2" charset="-78"/>
-            </a:endParaRPr>
-          </a:p>
-        </p:txBody>
-      </p:sp>
-      <p:sp>
-        <p:nvSpPr>
-          <p:cNvPr id="9" name="Rectangle 8">
-            <a:extLst>
-              <a:ext uri="{FF2B5EF4-FFF2-40B4-BE49-F238E27FC236}">
-                <a16:creationId xmlns:a16="http://schemas.microsoft.com/office/drawing/2014/main" id="{6420A817-A0C7-95D7-9C60-2AEA28D8F59D}"/>
-              </a:ext>
-            </a:extLst>
-          </p:cNvPr>
-          <p:cNvSpPr/>
-          <p:nvPr/>
-        </p:nvSpPr>
-        <p:spPr>
-          <a:xfrm>
-            <a:off x="7313054" y="2929029"/>
-            <a:ext cx="2150772" cy="377483"/>
-          </a:xfrm>
-          <a:prstGeom prst="rect">
-            <a:avLst/>
-          </a:prstGeom>
-        </p:spPr>
-        <p:style>
-          <a:lnRef idx="2">
-            <a:schemeClr val="dk1"/>
-          </a:lnRef>
-          <a:fillRef idx="1">
-            <a:schemeClr val="lt1"/>
-          </a:fillRef>
-          <a:effectRef idx="0">
-            <a:schemeClr val="dk1"/>
-          </a:effectRef>
-          <a:fontRef idx="minor">
-            <a:schemeClr val="dk1"/>
-          </a:fontRef>
-        </p:style>
-        <p:txBody>
-          <a:bodyPr rtlCol="0" anchor="ctr"/>
-          <a:lstStyle/>
-          <a:p>
-            <a:pPr algn="ctr"/>
-            <a:endParaRPr lang="en-US"/>
-          </a:p>
-        </p:txBody>
-      </p:sp>
-    </p:spTree>
-    <p:extLst>
-      <p:ext uri="{BB962C8B-B14F-4D97-AF65-F5344CB8AC3E}">
-        <p14:creationId xmlns:p14="http://schemas.microsoft.com/office/powerpoint/2010/main" val="130252629"/>
-      </p:ext>
-    </p:extLst>
-  </p:cSld>
-  <p:clrMapOvr>
-    <a:masterClrMapping/>
-  </p:clrMapOvr>
-</p:sld>
-</file>
-
-<file path=ppt/slides/slide12.xml><?xml version="1.0" encoding="utf-8"?>
-<p:sld xmlns:a="http://schemas.openxmlformats.org/drawingml/2006/main" xmlns:r="http://schemas.openxmlformats.org/officeDocument/2006/relationships" xmlns:p="http://schemas.openxmlformats.org/presentationml/2006/main">
-  <p:cSld>
-    <p:bg>
-      <p:bgPr>
-        <a:solidFill>
-          <a:schemeClr val="bg1">
-            <a:lumMod val="95000"/>
-          </a:schemeClr>
-        </a:solidFill>
-        <a:effectLst/>
-      </p:bgPr>
-    </p:bg>
-    <p:spTree>
-      <p:nvGrpSpPr>
-        <p:cNvPr id="1" name=""/>
-        <p:cNvGrpSpPr/>
-        <p:nvPr/>
-      </p:nvGrpSpPr>
-      <p:grpSpPr>
-        <a:xfrm>
-          <a:off x="0" y="0"/>
-          <a:ext cx="0" cy="0"/>
-          <a:chOff x="0" y="0"/>
-          <a:chExt cx="0" cy="0"/>
-        </a:xfrm>
-      </p:grpSpPr>
-      <p:sp>
-        <p:nvSpPr>
-          <p:cNvPr id="2" name="TextBox 1">
-            <a:extLst>
-              <a:ext uri="{FF2B5EF4-FFF2-40B4-BE49-F238E27FC236}">
                 <a16:creationId xmlns:a16="http://schemas.microsoft.com/office/drawing/2014/main" id="{B3E42831-5101-3E9B-E5F4-DB4F6EDC2A49}"/>
               </a:ext>
             </a:extLst>
@@ -6610,7 +4573,7 @@
 </p:sld>
 </file>
 
-<file path=ppt/slides/slide13.xml><?xml version="1.0" encoding="utf-8"?>
+<file path=ppt/slides/slide11.xml><?xml version="1.0" encoding="utf-8"?>
 <p:sld xmlns:a="http://schemas.openxmlformats.org/drawingml/2006/main" xmlns:r="http://schemas.openxmlformats.org/officeDocument/2006/relationships" xmlns:p="http://schemas.openxmlformats.org/presentationml/2006/main">
   <p:cSld>
     <p:bg>
@@ -7134,7 +5097,7 @@
 </p:sld>
 </file>
 
-<file path=ppt/slides/slide14.xml><?xml version="1.0" encoding="utf-8"?>
+<file path=ppt/slides/slide12.xml><?xml version="1.0" encoding="utf-8"?>
 <p:sld xmlns:a="http://schemas.openxmlformats.org/drawingml/2006/main" xmlns:r="http://schemas.openxmlformats.org/officeDocument/2006/relationships" xmlns:p="http://schemas.openxmlformats.org/presentationml/2006/main">
   <p:cSld>
     <p:bg>
@@ -8033,7 +5996,7 @@
 </p:sld>
 </file>
 
-<file path=ppt/slides/slide15.xml><?xml version="1.0" encoding="utf-8"?>
+<file path=ppt/slides/slide13.xml><?xml version="1.0" encoding="utf-8"?>
 <p:sld xmlns:a="http://schemas.openxmlformats.org/drawingml/2006/main" xmlns:r="http://schemas.openxmlformats.org/officeDocument/2006/relationships" xmlns:p="http://schemas.openxmlformats.org/presentationml/2006/main">
   <p:cSld>
     <p:bg>
@@ -9086,7 +7049,7 @@
 </p:sld>
 </file>
 
-<file path=ppt/slides/slide16.xml><?xml version="1.0" encoding="utf-8"?>
+<file path=ppt/slides/slide14.xml><?xml version="1.0" encoding="utf-8"?>
 <p:sld xmlns:a="http://schemas.openxmlformats.org/drawingml/2006/main" xmlns:r="http://schemas.openxmlformats.org/officeDocument/2006/relationships" xmlns:p="http://schemas.openxmlformats.org/presentationml/2006/main">
   <p:cSld>
     <p:bg>
@@ -9610,7 +7573,7 @@
 </p:sld>
 </file>
 
-<file path=ppt/slides/slide17.xml><?xml version="1.0" encoding="utf-8"?>
+<file path=ppt/slides/slide15.xml><?xml version="1.0" encoding="utf-8"?>
 <p:sld xmlns:a="http://schemas.openxmlformats.org/drawingml/2006/main" xmlns:r="http://schemas.openxmlformats.org/officeDocument/2006/relationships" xmlns:p="http://schemas.openxmlformats.org/presentationml/2006/main">
   <p:cSld>
     <p:bg>
@@ -11543,7 +9506,7 @@
 </p:sld>
 </file>
 
-<file path=ppt/slides/slide18.xml><?xml version="1.0" encoding="utf-8"?>
+<file path=ppt/slides/slide16.xml><?xml version="1.0" encoding="utf-8"?>
 <p:sld xmlns:a="http://schemas.openxmlformats.org/drawingml/2006/main" xmlns:r="http://schemas.openxmlformats.org/officeDocument/2006/relationships" xmlns:p="http://schemas.openxmlformats.org/presentationml/2006/main">
   <p:cSld>
     <p:bg>
@@ -12088,7 +10051,7 @@
 </p:sld>
 </file>
 
-<file path=ppt/slides/slide19.xml><?xml version="1.0" encoding="utf-8"?>
+<file path=ppt/slides/slide17.xml><?xml version="1.0" encoding="utf-8"?>
 <p:sld xmlns:a="http://schemas.openxmlformats.org/drawingml/2006/main" xmlns:r="http://schemas.openxmlformats.org/officeDocument/2006/relationships" xmlns:p="http://schemas.openxmlformats.org/presentationml/2006/main">
   <p:cSld>
     <p:bg>
@@ -13192,97 +11155,7 @@
 </p:sld>
 </file>
 
-<file path=ppt/slides/slide2.xml><?xml version="1.0" encoding="utf-8"?>
-<p:sld xmlns:a="http://schemas.openxmlformats.org/drawingml/2006/main" xmlns:r="http://schemas.openxmlformats.org/officeDocument/2006/relationships" xmlns:p="http://schemas.openxmlformats.org/presentationml/2006/main">
-  <p:cSld>
-    <p:bg>
-      <p:bgPr>
-        <a:solidFill>
-          <a:schemeClr val="bg1">
-            <a:lumMod val="95000"/>
-          </a:schemeClr>
-        </a:solidFill>
-        <a:effectLst/>
-      </p:bgPr>
-    </p:bg>
-    <p:spTree>
-      <p:nvGrpSpPr>
-        <p:cNvPr id="1" name=""/>
-        <p:cNvGrpSpPr/>
-        <p:nvPr/>
-      </p:nvGrpSpPr>
-      <p:grpSpPr>
-        <a:xfrm>
-          <a:off x="0" y="0"/>
-          <a:ext cx="0" cy="0"/>
-          <a:chOff x="0" y="0"/>
-          <a:chExt cx="0" cy="0"/>
-        </a:xfrm>
-      </p:grpSpPr>
-      <p:sp>
-        <p:nvSpPr>
-          <p:cNvPr id="2" name="Equals 1">
-            <a:extLst>
-              <a:ext uri="{FF2B5EF4-FFF2-40B4-BE49-F238E27FC236}">
-                <a16:creationId xmlns:a16="http://schemas.microsoft.com/office/drawing/2014/main" id="{56FA3FCB-22DA-5A5E-0259-889B5291B51C}"/>
-              </a:ext>
-            </a:extLst>
-          </p:cNvPr>
-          <p:cNvSpPr/>
-          <p:nvPr/>
-        </p:nvSpPr>
-        <p:spPr>
-          <a:xfrm>
-            <a:off x="11127347" y="0"/>
-            <a:ext cx="914400" cy="914400"/>
-          </a:xfrm>
-          <a:prstGeom prst="mathEqual">
-            <a:avLst/>
-          </a:prstGeom>
-        </p:spPr>
-        <p:style>
-          <a:lnRef idx="2">
-            <a:schemeClr val="accent1">
-              <a:shade val="50000"/>
-            </a:schemeClr>
-          </a:lnRef>
-          <a:fillRef idx="1">
-            <a:schemeClr val="accent1"/>
-          </a:fillRef>
-          <a:effectRef idx="0">
-            <a:schemeClr val="accent1"/>
-          </a:effectRef>
-          <a:fontRef idx="minor">
-            <a:schemeClr val="lt1"/>
-          </a:fontRef>
-        </p:style>
-        <p:txBody>
-          <a:bodyPr rtlCol="0" anchor="ctr"/>
-          <a:lstStyle/>
-          <a:p>
-            <a:pPr algn="ctr"/>
-            <a:endParaRPr lang="en-US">
-              <a:solidFill>
-                <a:schemeClr val="tx1"/>
-              </a:solidFill>
-            </a:endParaRPr>
-          </a:p>
-        </p:txBody>
-      </p:sp>
-    </p:spTree>
-    <p:extLst>
-      <p:ext uri="{BB962C8B-B14F-4D97-AF65-F5344CB8AC3E}">
-        <p14:creationId xmlns:p14="http://schemas.microsoft.com/office/powerpoint/2010/main" val="3109440645"/>
-      </p:ext>
-    </p:extLst>
-  </p:cSld>
-  <p:clrMapOvr>
-    <a:masterClrMapping/>
-  </p:clrMapOvr>
-</p:sld>
-</file>
-
-<file path=ppt/slides/slide20.xml><?xml version="1.0" encoding="utf-8"?>
+<file path=ppt/slides/slide18.xml><?xml version="1.0" encoding="utf-8"?>
 <p:sld xmlns:a="http://schemas.openxmlformats.org/drawingml/2006/main" xmlns:r="http://schemas.openxmlformats.org/officeDocument/2006/relationships" xmlns:p="http://schemas.openxmlformats.org/presentationml/2006/main">
   <p:cSld>
     <p:bg>
@@ -13821,7 +11694,7 @@
 </p:sld>
 </file>
 
-<file path=ppt/slides/slide21.xml><?xml version="1.0" encoding="utf-8"?>
+<file path=ppt/slides/slide19.xml><?xml version="1.0" encoding="utf-8"?>
 <p:sld xmlns:a="http://schemas.openxmlformats.org/drawingml/2006/main" xmlns:r="http://schemas.openxmlformats.org/officeDocument/2006/relationships" xmlns:p="http://schemas.openxmlformats.org/presentationml/2006/main">
   <p:cSld>
     <p:bg>
@@ -14363,1666 +12236,7 @@
 </p:sld>
 </file>
 
-<file path=ppt/slides/slide22.xml><?xml version="1.0" encoding="utf-8"?>
-<p:sld xmlns:a="http://schemas.openxmlformats.org/drawingml/2006/main" xmlns:r="http://schemas.openxmlformats.org/officeDocument/2006/relationships" xmlns:p="http://schemas.openxmlformats.org/presentationml/2006/main">
-  <p:cSld>
-    <p:bg>
-      <p:bgPr>
-        <a:solidFill>
-          <a:schemeClr val="bg1">
-            <a:lumMod val="95000"/>
-          </a:schemeClr>
-        </a:solidFill>
-        <a:effectLst/>
-      </p:bgPr>
-    </p:bg>
-    <p:spTree>
-      <p:nvGrpSpPr>
-        <p:cNvPr id="1" name=""/>
-        <p:cNvGrpSpPr/>
-        <p:nvPr/>
-      </p:nvGrpSpPr>
-      <p:grpSpPr>
-        <a:xfrm>
-          <a:off x="0" y="0"/>
-          <a:ext cx="0" cy="0"/>
-          <a:chOff x="0" y="0"/>
-          <a:chExt cx="0" cy="0"/>
-        </a:xfrm>
-      </p:grpSpPr>
-      <p:sp>
-        <p:nvSpPr>
-          <p:cNvPr id="2" name="TextBox 1">
-            <a:extLst>
-              <a:ext uri="{FF2B5EF4-FFF2-40B4-BE49-F238E27FC236}">
-                <a16:creationId xmlns:a16="http://schemas.microsoft.com/office/drawing/2014/main" id="{59C2468C-9033-D5AC-34F0-A1BDD455EB51}"/>
-              </a:ext>
-            </a:extLst>
-          </p:cNvPr>
-          <p:cNvSpPr txBox="1"/>
-          <p:nvPr/>
-        </p:nvSpPr>
-        <p:spPr>
-          <a:xfrm>
-            <a:off x="4338033" y="133065"/>
-            <a:ext cx="3515934" cy="523220"/>
-          </a:xfrm>
-          <a:prstGeom prst="rect">
-            <a:avLst/>
-          </a:prstGeom>
-          <a:noFill/>
-        </p:spPr>
-        <p:txBody>
-          <a:bodyPr wrap="square" rtlCol="0">
-            <a:spAutoFit/>
-          </a:bodyPr>
-          <a:lstStyle/>
-          <a:p>
-            <a:pPr algn="ctr" rtl="1"/>
-            <a:r>
-              <a:rPr lang="fa-IR" sz="2800" dirty="0">
-                <a:solidFill>
-                  <a:srgbClr val="00B050"/>
-                </a:solidFill>
-                <a:cs typeface="B Nazanin" panose="00000400000000000000" pitchFamily="2" charset="-78"/>
-              </a:rPr>
-              <a:t>گزارش با موفقیت انجام شد.</a:t>
-            </a:r>
-            <a:endParaRPr lang="en-US" sz="2800" dirty="0">
-              <a:solidFill>
-                <a:srgbClr val="00B050"/>
-              </a:solidFill>
-              <a:cs typeface="B Nazanin" panose="00000400000000000000" pitchFamily="2" charset="-78"/>
-            </a:endParaRPr>
-          </a:p>
-        </p:txBody>
-      </p:sp>
-      <p:graphicFrame>
-        <p:nvGraphicFramePr>
-          <p:cNvPr id="3" name="Table 2">
-            <a:extLst>
-              <a:ext uri="{FF2B5EF4-FFF2-40B4-BE49-F238E27FC236}">
-                <a16:creationId xmlns:a16="http://schemas.microsoft.com/office/drawing/2014/main" id="{895BC09A-F963-4322-280D-29F80F3BE471}"/>
-              </a:ext>
-            </a:extLst>
-          </p:cNvPr>
-          <p:cNvGraphicFramePr>
-            <a:graphicFrameLocks noGrp="1"/>
-          </p:cNvGraphicFramePr>
-          <p:nvPr>
-            <p:extLst>
-              <p:ext uri="{D42A27DB-BD31-4B8C-83A1-F6EECF244321}">
-                <p14:modId xmlns:p14="http://schemas.microsoft.com/office/powerpoint/2010/main" val="3687449313"/>
-              </p:ext>
-            </p:extLst>
-          </p:nvPr>
-        </p:nvGraphicFramePr>
-        <p:xfrm>
-          <a:off x="1206087" y="1149179"/>
-          <a:ext cx="9302840" cy="521853"/>
-        </p:xfrm>
-        <a:graphic>
-          <a:graphicData uri="http://schemas.openxmlformats.org/drawingml/2006/table">
-            <a:tbl>
-              <a:tblPr bandRow="1">
-                <a:tableStyleId>{2D5ABB26-0587-4C30-8999-92F81FD0307C}</a:tableStyleId>
-              </a:tblPr>
-              <a:tblGrid>
-                <a:gridCol w="2325710">
-                  <a:extLst>
-                    <a:ext uri="{9D8B030D-6E8A-4147-A177-3AD203B41FA5}">
-                      <a16:colId xmlns:a16="http://schemas.microsoft.com/office/drawing/2014/main" val="377584807"/>
-                    </a:ext>
-                  </a:extLst>
-                </a:gridCol>
-                <a:gridCol w="2325710">
-                  <a:extLst>
-                    <a:ext uri="{9D8B030D-6E8A-4147-A177-3AD203B41FA5}">
-                      <a16:colId xmlns:a16="http://schemas.microsoft.com/office/drawing/2014/main" val="2466257458"/>
-                    </a:ext>
-                  </a:extLst>
-                </a:gridCol>
-                <a:gridCol w="2325710">
-                  <a:extLst>
-                    <a:ext uri="{9D8B030D-6E8A-4147-A177-3AD203B41FA5}">
-                      <a16:colId xmlns:a16="http://schemas.microsoft.com/office/drawing/2014/main" val="1147219566"/>
-                    </a:ext>
-                  </a:extLst>
-                </a:gridCol>
-                <a:gridCol w="2325710">
-                  <a:extLst>
-                    <a:ext uri="{9D8B030D-6E8A-4147-A177-3AD203B41FA5}">
-                      <a16:colId xmlns:a16="http://schemas.microsoft.com/office/drawing/2014/main" val="1459317916"/>
-                    </a:ext>
-                  </a:extLst>
-                </a:gridCol>
-              </a:tblGrid>
-              <a:tr h="521853">
-                <a:tc>
-                  <a:txBody>
-                    <a:bodyPr/>
-                    <a:lstStyle/>
-                    <a:p>
-                      <a:pPr algn="r" rtl="1"/>
-                      <a:r>
-                        <a:rPr lang="fa-IR" sz="2000" b="0" dirty="0">
-                          <a:cs typeface="B Nazanin" panose="00000400000000000000" pitchFamily="2" charset="-78"/>
-                        </a:rPr>
-                        <a:t>1402/03/10</a:t>
-                      </a:r>
-                      <a:endParaRPr lang="en-US" sz="2000" b="0" dirty="0">
-                        <a:cs typeface="B Nazanin" panose="00000400000000000000" pitchFamily="2" charset="-78"/>
-                      </a:endParaRPr>
-                    </a:p>
-                  </a:txBody>
-                  <a:tcPr/>
-                </a:tc>
-                <a:tc>
-                  <a:txBody>
-                    <a:bodyPr/>
-                    <a:lstStyle/>
-                    <a:p>
-                      <a:pPr algn="r" rtl="1"/>
-                      <a:r>
-                        <a:rPr lang="fa-IR" sz="2000" b="0" dirty="0">
-                          <a:cs typeface="B Nazanin" panose="00000400000000000000" pitchFamily="2" charset="-78"/>
-                        </a:rPr>
-                        <a:t>تاریخ گزارش:</a:t>
-                      </a:r>
-                      <a:endParaRPr lang="en-US" sz="2000" b="0" dirty="0">
-                        <a:cs typeface="B Nazanin" panose="00000400000000000000" pitchFamily="2" charset="-78"/>
-                      </a:endParaRPr>
-                    </a:p>
-                  </a:txBody>
-                  <a:tcPr/>
-                </a:tc>
-                <a:tc>
-                  <a:txBody>
-                    <a:bodyPr/>
-                    <a:lstStyle/>
-                    <a:p>
-                      <a:pPr algn="r" rtl="1"/>
-                      <a:r>
-                        <a:rPr lang="fa-IR" sz="2000" b="0" dirty="0">
-                          <a:cs typeface="B Nazanin" panose="00000400000000000000" pitchFamily="2" charset="-78"/>
-                        </a:rPr>
-                        <a:t>646546803</a:t>
-                      </a:r>
-                      <a:endParaRPr lang="en-US" sz="2000" b="0" dirty="0">
-                        <a:cs typeface="B Nazanin" panose="00000400000000000000" pitchFamily="2" charset="-78"/>
-                      </a:endParaRPr>
-                    </a:p>
-                  </a:txBody>
-                  <a:tcPr/>
-                </a:tc>
-                <a:tc>
-                  <a:txBody>
-                    <a:bodyPr/>
-                    <a:lstStyle/>
-                    <a:p>
-                      <a:pPr algn="r" rtl="1"/>
-                      <a:r>
-                        <a:rPr lang="fa-IR" sz="2000" b="0" dirty="0">
-                          <a:cs typeface="B Nazanin" panose="00000400000000000000" pitchFamily="2" charset="-78"/>
-                        </a:rPr>
-                        <a:t>شناسه گزارش:</a:t>
-                      </a:r>
-                      <a:endParaRPr lang="en-US" sz="2000" b="0" dirty="0">
-                        <a:cs typeface="B Nazanin" panose="00000400000000000000" pitchFamily="2" charset="-78"/>
-                      </a:endParaRPr>
-                    </a:p>
-                  </a:txBody>
-                  <a:tcPr/>
-                </a:tc>
-                <a:extLst>
-                  <a:ext uri="{0D108BD9-81ED-4DB2-BD59-A6C34878D82A}">
-                    <a16:rowId xmlns:a16="http://schemas.microsoft.com/office/drawing/2014/main" val="2632516942"/>
-                  </a:ext>
-                </a:extLst>
-              </a:tr>
-            </a:tbl>
-          </a:graphicData>
-        </a:graphic>
-      </p:graphicFrame>
-      <p:sp>
-        <p:nvSpPr>
-          <p:cNvPr id="4" name="Rectangle 3">
-            <a:extLst>
-              <a:ext uri="{FF2B5EF4-FFF2-40B4-BE49-F238E27FC236}">
-                <a16:creationId xmlns:a16="http://schemas.microsoft.com/office/drawing/2014/main" id="{81F4B7BD-25F0-FF09-CD23-45A12E4D709E}"/>
-              </a:ext>
-            </a:extLst>
-          </p:cNvPr>
-          <p:cNvSpPr/>
-          <p:nvPr/>
-        </p:nvSpPr>
-        <p:spPr>
-          <a:xfrm>
-            <a:off x="5347952" y="5872081"/>
-            <a:ext cx="1496096" cy="309093"/>
-          </a:xfrm>
-          <a:prstGeom prst="rect">
-            <a:avLst/>
-          </a:prstGeom>
-        </p:spPr>
-        <p:style>
-          <a:lnRef idx="0">
-            <a:schemeClr val="accent3"/>
-          </a:lnRef>
-          <a:fillRef idx="3">
-            <a:schemeClr val="accent3"/>
-          </a:fillRef>
-          <a:effectRef idx="3">
-            <a:schemeClr val="accent3"/>
-          </a:effectRef>
-          <a:fontRef idx="minor">
-            <a:schemeClr val="lt1"/>
-          </a:fontRef>
-        </p:style>
-        <p:txBody>
-          <a:bodyPr rtlCol="0" anchor="ctr"/>
-          <a:lstStyle/>
-          <a:p>
-            <a:pPr algn="ctr"/>
-            <a:r>
-              <a:rPr lang="fa-IR" sz="2000" b="1" dirty="0">
-                <a:cs typeface="B Nazanin" panose="00000400000000000000" pitchFamily="2" charset="-78"/>
-              </a:rPr>
-              <a:t>چاپ</a:t>
-            </a:r>
-          </a:p>
-        </p:txBody>
-      </p:sp>
-      <p:graphicFrame>
-        <p:nvGraphicFramePr>
-          <p:cNvPr id="5" name="Table 3">
-            <a:extLst>
-              <a:ext uri="{FF2B5EF4-FFF2-40B4-BE49-F238E27FC236}">
-                <a16:creationId xmlns:a16="http://schemas.microsoft.com/office/drawing/2014/main" id="{ABABB9C5-7F02-C85C-8578-F7BA86524F12}"/>
-              </a:ext>
-            </a:extLst>
-          </p:cNvPr>
-          <p:cNvGraphicFramePr>
-            <a:graphicFrameLocks noGrp="1"/>
-          </p:cNvGraphicFramePr>
-          <p:nvPr>
-            <p:extLst>
-              <p:ext uri="{D42A27DB-BD31-4B8C-83A1-F6EECF244321}">
-                <p14:modId xmlns:p14="http://schemas.microsoft.com/office/powerpoint/2010/main" val="1265975387"/>
-              </p:ext>
-            </p:extLst>
-          </p:nvPr>
-        </p:nvGraphicFramePr>
-        <p:xfrm>
-          <a:off x="274748" y="2163926"/>
-          <a:ext cx="11642504" cy="3200400"/>
-        </p:xfrm>
-        <a:graphic>
-          <a:graphicData uri="http://schemas.openxmlformats.org/drawingml/2006/table">
-            <a:tbl>
-              <a:tblPr bandRow="1">
-                <a:tableStyleId>{9D7B26C5-4107-4FEC-AEDC-1716B250A1EF}</a:tableStyleId>
-              </a:tblPr>
-              <a:tblGrid>
-                <a:gridCol w="1455313">
-                  <a:extLst>
-                    <a:ext uri="{9D8B030D-6E8A-4147-A177-3AD203B41FA5}">
-                      <a16:colId xmlns:a16="http://schemas.microsoft.com/office/drawing/2014/main" val="4213111162"/>
-                    </a:ext>
-                  </a:extLst>
-                </a:gridCol>
-                <a:gridCol w="1455313">
-                  <a:extLst>
-                    <a:ext uri="{9D8B030D-6E8A-4147-A177-3AD203B41FA5}">
-                      <a16:colId xmlns:a16="http://schemas.microsoft.com/office/drawing/2014/main" val="1086161759"/>
-                    </a:ext>
-                  </a:extLst>
-                </a:gridCol>
-                <a:gridCol w="1455313">
-                  <a:extLst>
-                    <a:ext uri="{9D8B030D-6E8A-4147-A177-3AD203B41FA5}">
-                      <a16:colId xmlns:a16="http://schemas.microsoft.com/office/drawing/2014/main" val="3265992755"/>
-                    </a:ext>
-                  </a:extLst>
-                </a:gridCol>
-                <a:gridCol w="1455313">
-                  <a:extLst>
-                    <a:ext uri="{9D8B030D-6E8A-4147-A177-3AD203B41FA5}">
-                      <a16:colId xmlns:a16="http://schemas.microsoft.com/office/drawing/2014/main" val="3122963598"/>
-                    </a:ext>
-                  </a:extLst>
-                </a:gridCol>
-                <a:gridCol w="1455313">
-                  <a:extLst>
-                    <a:ext uri="{9D8B030D-6E8A-4147-A177-3AD203B41FA5}">
-                      <a16:colId xmlns:a16="http://schemas.microsoft.com/office/drawing/2014/main" val="568152510"/>
-                    </a:ext>
-                  </a:extLst>
-                </a:gridCol>
-                <a:gridCol w="1455313">
-                  <a:extLst>
-                    <a:ext uri="{9D8B030D-6E8A-4147-A177-3AD203B41FA5}">
-                      <a16:colId xmlns:a16="http://schemas.microsoft.com/office/drawing/2014/main" val="3235845119"/>
-                    </a:ext>
-                  </a:extLst>
-                </a:gridCol>
-                <a:gridCol w="1455313">
-                  <a:extLst>
-                    <a:ext uri="{9D8B030D-6E8A-4147-A177-3AD203B41FA5}">
-                      <a16:colId xmlns:a16="http://schemas.microsoft.com/office/drawing/2014/main" val="1640727072"/>
-                    </a:ext>
-                  </a:extLst>
-                </a:gridCol>
-                <a:gridCol w="1455313">
-                  <a:extLst>
-                    <a:ext uri="{9D8B030D-6E8A-4147-A177-3AD203B41FA5}">
-                      <a16:colId xmlns:a16="http://schemas.microsoft.com/office/drawing/2014/main" val="3770447038"/>
-                    </a:ext>
-                  </a:extLst>
-                </a:gridCol>
-              </a:tblGrid>
-              <a:tr h="370840">
-                <a:tc>
-                  <a:txBody>
-                    <a:bodyPr/>
-                    <a:lstStyle/>
-                    <a:p>
-                      <a:pPr algn="ctr" rtl="1"/>
-                      <a:r>
-                        <a:rPr lang="fa-IR" sz="2000" dirty="0">
-                          <a:solidFill>
-                            <a:schemeClr val="tx1"/>
-                          </a:solidFill>
-                          <a:cs typeface="B Nazanin" panose="00000400000000000000" pitchFamily="2" charset="-78"/>
-                        </a:rPr>
-                        <a:t>لیست دانشجویانی که به امانت گرفتند</a:t>
-                      </a:r>
-                      <a:endParaRPr lang="en-US" sz="2000" dirty="0">
-                        <a:solidFill>
-                          <a:schemeClr val="tx1"/>
-                        </a:solidFill>
-                        <a:cs typeface="B Nazanin" panose="00000400000000000000" pitchFamily="2" charset="-78"/>
-                      </a:endParaRPr>
-                    </a:p>
-                  </a:txBody>
-                  <a:tcPr/>
-                </a:tc>
-                <a:tc>
-                  <a:txBody>
-                    <a:bodyPr/>
-                    <a:lstStyle/>
-                    <a:p>
-                      <a:pPr algn="ctr" rtl="1"/>
-                      <a:r>
-                        <a:rPr lang="fa-IR" sz="2000" dirty="0">
-                          <a:solidFill>
-                            <a:schemeClr val="tx1"/>
-                          </a:solidFill>
-                          <a:cs typeface="B Nazanin" panose="00000400000000000000" pitchFamily="2" charset="-78"/>
-                        </a:rPr>
-                        <a:t>تعداد تمدید</a:t>
-                      </a:r>
-                      <a:endParaRPr lang="en-US" sz="2000" dirty="0">
-                        <a:solidFill>
-                          <a:schemeClr val="tx1"/>
-                        </a:solidFill>
-                        <a:cs typeface="B Nazanin" panose="00000400000000000000" pitchFamily="2" charset="-78"/>
-                      </a:endParaRPr>
-                    </a:p>
-                  </a:txBody>
-                  <a:tcPr/>
-                </a:tc>
-                <a:tc>
-                  <a:txBody>
-                    <a:bodyPr/>
-                    <a:lstStyle/>
-                    <a:p>
-                      <a:pPr algn="ctr" rtl="1"/>
-                      <a:r>
-                        <a:rPr lang="fa-IR" sz="2000" dirty="0">
-                          <a:solidFill>
-                            <a:schemeClr val="tx1"/>
-                          </a:solidFill>
-                          <a:cs typeface="B Nazanin" panose="00000400000000000000" pitchFamily="2" charset="-78"/>
-                        </a:rPr>
-                        <a:t>دانشجوهای چه رشته ای بیشتر امانت گرفتند</a:t>
-                      </a:r>
-                      <a:endParaRPr lang="en-US" sz="2000" dirty="0">
-                        <a:solidFill>
-                          <a:schemeClr val="tx1"/>
-                        </a:solidFill>
-                        <a:cs typeface="B Nazanin" panose="00000400000000000000" pitchFamily="2" charset="-78"/>
-                      </a:endParaRPr>
-                    </a:p>
-                  </a:txBody>
-                  <a:tcPr/>
-                </a:tc>
-                <a:tc>
-                  <a:txBody>
-                    <a:bodyPr/>
-                    <a:lstStyle/>
-                    <a:p>
-                      <a:pPr algn="ctr" rtl="1"/>
-                      <a:r>
-                        <a:rPr lang="fa-IR" sz="2000" dirty="0">
-                          <a:solidFill>
-                            <a:schemeClr val="tx1"/>
-                          </a:solidFill>
-                          <a:cs typeface="B Nazanin" panose="00000400000000000000" pitchFamily="2" charset="-78"/>
-                        </a:rPr>
-                        <a:t>درصد به امانت گرفته شدن نسبت به دیگر کتاب ها</a:t>
-                      </a:r>
-                      <a:endParaRPr lang="en-US" sz="2000" dirty="0">
-                        <a:solidFill>
-                          <a:schemeClr val="tx1"/>
-                        </a:solidFill>
-                        <a:cs typeface="B Nazanin" panose="00000400000000000000" pitchFamily="2" charset="-78"/>
-                      </a:endParaRPr>
-                    </a:p>
-                  </a:txBody>
-                  <a:tcPr/>
-                </a:tc>
-                <a:tc>
-                  <a:txBody>
-                    <a:bodyPr/>
-                    <a:lstStyle/>
-                    <a:p>
-                      <a:pPr algn="ctr" rtl="1"/>
-                      <a:r>
-                        <a:rPr lang="fa-IR" sz="2000" dirty="0">
-                          <a:solidFill>
-                            <a:schemeClr val="tx1"/>
-                          </a:solidFill>
-                          <a:cs typeface="B Nazanin" panose="00000400000000000000" pitchFamily="2" charset="-78"/>
-                        </a:rPr>
-                        <a:t>تعداد موجود در کتابخانه</a:t>
-                      </a:r>
-                      <a:endParaRPr lang="en-US" sz="2000" dirty="0">
-                        <a:solidFill>
-                          <a:schemeClr val="tx1"/>
-                        </a:solidFill>
-                        <a:cs typeface="B Nazanin" panose="00000400000000000000" pitchFamily="2" charset="-78"/>
-                      </a:endParaRPr>
-                    </a:p>
-                  </a:txBody>
-                  <a:tcPr/>
-                </a:tc>
-                <a:tc>
-                  <a:txBody>
-                    <a:bodyPr/>
-                    <a:lstStyle/>
-                    <a:p>
-                      <a:pPr algn="ctr" rtl="1"/>
-                      <a:r>
-                        <a:rPr lang="fa-IR" sz="2000" dirty="0">
-                          <a:solidFill>
-                            <a:schemeClr val="tx1"/>
-                          </a:solidFill>
-                          <a:cs typeface="B Nazanin" panose="00000400000000000000" pitchFamily="2" charset="-78"/>
-                        </a:rPr>
-                        <a:t>تعداد دفعات به امانت داده شده</a:t>
-                      </a:r>
-                      <a:endParaRPr lang="en-US" sz="2000" dirty="0">
-                        <a:solidFill>
-                          <a:schemeClr val="tx1"/>
-                        </a:solidFill>
-                        <a:cs typeface="B Nazanin" panose="00000400000000000000" pitchFamily="2" charset="-78"/>
-                      </a:endParaRPr>
-                    </a:p>
-                  </a:txBody>
-                  <a:tcPr/>
-                </a:tc>
-                <a:tc>
-                  <a:txBody>
-                    <a:bodyPr/>
-                    <a:lstStyle/>
-                    <a:p>
-                      <a:pPr algn="ctr" rtl="1"/>
-                      <a:r>
-                        <a:rPr lang="fa-IR" sz="2000" dirty="0">
-                          <a:solidFill>
-                            <a:schemeClr val="tx1"/>
-                          </a:solidFill>
-                          <a:cs typeface="B Nazanin" panose="00000400000000000000" pitchFamily="2" charset="-78"/>
-                        </a:rPr>
-                        <a:t>نام کتاب</a:t>
-                      </a:r>
-                      <a:endParaRPr lang="en-US" sz="2000" dirty="0">
-                        <a:solidFill>
-                          <a:schemeClr val="tx1"/>
-                        </a:solidFill>
-                        <a:cs typeface="B Nazanin" panose="00000400000000000000" pitchFamily="2" charset="-78"/>
-                      </a:endParaRPr>
-                    </a:p>
-                  </a:txBody>
-                  <a:tcPr/>
-                </a:tc>
-                <a:tc>
-                  <a:txBody>
-                    <a:bodyPr/>
-                    <a:lstStyle/>
-                    <a:p>
-                      <a:pPr algn="ctr" rtl="1"/>
-                      <a:r>
-                        <a:rPr lang="fa-IR" sz="2000" dirty="0">
-                          <a:solidFill>
-                            <a:schemeClr val="tx1"/>
-                          </a:solidFill>
-                          <a:cs typeface="B Nazanin" panose="00000400000000000000" pitchFamily="2" charset="-78"/>
-                        </a:rPr>
-                        <a:t>کد کتاب</a:t>
-                      </a:r>
-                      <a:endParaRPr lang="en-US" sz="2000" dirty="0">
-                        <a:solidFill>
-                          <a:schemeClr val="tx1"/>
-                        </a:solidFill>
-                        <a:cs typeface="B Nazanin" panose="00000400000000000000" pitchFamily="2" charset="-78"/>
-                      </a:endParaRPr>
-                    </a:p>
-                  </a:txBody>
-                  <a:tcPr/>
-                </a:tc>
-                <a:extLst>
-                  <a:ext uri="{0D108BD9-81ED-4DB2-BD59-A6C34878D82A}">
-                    <a16:rowId xmlns:a16="http://schemas.microsoft.com/office/drawing/2014/main" val="2238029062"/>
-                  </a:ext>
-                </a:extLst>
-              </a:tr>
-              <a:tr h="370840">
-                <a:tc>
-                  <a:txBody>
-                    <a:bodyPr/>
-                    <a:lstStyle/>
-                    <a:p>
-                      <a:pPr algn="ctr" rtl="1"/>
-                      <a:r>
-                        <a:rPr lang="fa-IR" sz="2000" dirty="0">
-                          <a:solidFill>
-                            <a:schemeClr val="tx1"/>
-                          </a:solidFill>
-                          <a:cs typeface="B Nazanin" panose="00000400000000000000" pitchFamily="2" charset="-78"/>
-                        </a:rPr>
-                        <a:t>امیرمحمدی، ...</a:t>
-                      </a:r>
-                      <a:endParaRPr lang="en-US" sz="2000" dirty="0">
-                        <a:solidFill>
-                          <a:schemeClr val="tx1"/>
-                        </a:solidFill>
-                        <a:cs typeface="B Nazanin" panose="00000400000000000000" pitchFamily="2" charset="-78"/>
-                      </a:endParaRPr>
-                    </a:p>
-                  </a:txBody>
-                  <a:tcPr/>
-                </a:tc>
-                <a:tc>
-                  <a:txBody>
-                    <a:bodyPr/>
-                    <a:lstStyle/>
-                    <a:p>
-                      <a:pPr algn="ctr" rtl="1"/>
-                      <a:r>
-                        <a:rPr lang="fa-IR" sz="2000" dirty="0">
-                          <a:solidFill>
-                            <a:schemeClr val="tx1"/>
-                          </a:solidFill>
-                          <a:cs typeface="B Nazanin" panose="00000400000000000000" pitchFamily="2" charset="-78"/>
-                        </a:rPr>
-                        <a:t>7</a:t>
-                      </a:r>
-                      <a:endParaRPr lang="en-US" sz="2000" dirty="0">
-                        <a:solidFill>
-                          <a:schemeClr val="tx1"/>
-                        </a:solidFill>
-                        <a:cs typeface="B Nazanin" panose="00000400000000000000" pitchFamily="2" charset="-78"/>
-                      </a:endParaRPr>
-                    </a:p>
-                  </a:txBody>
-                  <a:tcPr/>
-                </a:tc>
-                <a:tc>
-                  <a:txBody>
-                    <a:bodyPr/>
-                    <a:lstStyle/>
-                    <a:p>
-                      <a:pPr algn="ctr" rtl="1"/>
-                      <a:r>
-                        <a:rPr lang="fa-IR" sz="2000" dirty="0">
-                          <a:solidFill>
-                            <a:schemeClr val="tx1"/>
-                          </a:solidFill>
-                          <a:cs typeface="B Nazanin" panose="00000400000000000000" pitchFamily="2" charset="-78"/>
-                        </a:rPr>
-                        <a:t>مهندسی کامپیوتر</a:t>
-                      </a:r>
-                      <a:endParaRPr lang="en-US" sz="2000" dirty="0">
-                        <a:solidFill>
-                          <a:schemeClr val="tx1"/>
-                        </a:solidFill>
-                        <a:cs typeface="B Nazanin" panose="00000400000000000000" pitchFamily="2" charset="-78"/>
-                      </a:endParaRPr>
-                    </a:p>
-                  </a:txBody>
-                  <a:tcPr/>
-                </a:tc>
-                <a:tc>
-                  <a:txBody>
-                    <a:bodyPr/>
-                    <a:lstStyle/>
-                    <a:p>
-                      <a:pPr algn="ctr" rtl="1"/>
-                      <a:r>
-                        <a:rPr lang="fa-IR" sz="2000" dirty="0">
-                          <a:solidFill>
-                            <a:schemeClr val="tx1"/>
-                          </a:solidFill>
-                          <a:cs typeface="B Nazanin" panose="00000400000000000000" pitchFamily="2" charset="-78"/>
-                        </a:rPr>
-                        <a:t>3%</a:t>
-                      </a:r>
-                      <a:endParaRPr lang="en-US" sz="2000" dirty="0">
-                        <a:solidFill>
-                          <a:schemeClr val="tx1"/>
-                        </a:solidFill>
-                        <a:cs typeface="B Nazanin" panose="00000400000000000000" pitchFamily="2" charset="-78"/>
-                      </a:endParaRPr>
-                    </a:p>
-                  </a:txBody>
-                  <a:tcPr/>
-                </a:tc>
-                <a:tc>
-                  <a:txBody>
-                    <a:bodyPr/>
-                    <a:lstStyle/>
-                    <a:p>
-                      <a:pPr algn="ctr" rtl="1"/>
-                      <a:r>
-                        <a:rPr lang="fa-IR" sz="2000" dirty="0">
-                          <a:solidFill>
-                            <a:schemeClr val="tx1"/>
-                          </a:solidFill>
-                          <a:cs typeface="B Nazanin" panose="00000400000000000000" pitchFamily="2" charset="-78"/>
-                        </a:rPr>
-                        <a:t>3</a:t>
-                      </a:r>
-                      <a:endParaRPr lang="en-US" sz="2000" dirty="0">
-                        <a:solidFill>
-                          <a:schemeClr val="tx1"/>
-                        </a:solidFill>
-                        <a:cs typeface="B Nazanin" panose="00000400000000000000" pitchFamily="2" charset="-78"/>
-                      </a:endParaRPr>
-                    </a:p>
-                  </a:txBody>
-                  <a:tcPr/>
-                </a:tc>
-                <a:tc>
-                  <a:txBody>
-                    <a:bodyPr/>
-                    <a:lstStyle/>
-                    <a:p>
-                      <a:pPr algn="ctr" rtl="1"/>
-                      <a:r>
-                        <a:rPr lang="fa-IR" sz="2000" dirty="0">
-                          <a:solidFill>
-                            <a:schemeClr val="tx1"/>
-                          </a:solidFill>
-                          <a:cs typeface="B Nazanin" panose="00000400000000000000" pitchFamily="2" charset="-78"/>
-                        </a:rPr>
-                        <a:t>25</a:t>
-                      </a:r>
-                      <a:endParaRPr lang="en-US" sz="2000" dirty="0">
-                        <a:solidFill>
-                          <a:schemeClr val="tx1"/>
-                        </a:solidFill>
-                        <a:cs typeface="B Nazanin" panose="00000400000000000000" pitchFamily="2" charset="-78"/>
-                      </a:endParaRPr>
-                    </a:p>
-                  </a:txBody>
-                  <a:tcPr/>
-                </a:tc>
-                <a:tc>
-                  <a:txBody>
-                    <a:bodyPr/>
-                    <a:lstStyle/>
-                    <a:p>
-                      <a:pPr algn="ctr" rtl="1"/>
-                      <a:r>
-                        <a:rPr lang="fa-IR" sz="2000" dirty="0">
-                          <a:solidFill>
-                            <a:schemeClr val="tx1"/>
-                          </a:solidFill>
-                          <a:cs typeface="B Nazanin" panose="00000400000000000000" pitchFamily="2" charset="-78"/>
-                        </a:rPr>
-                        <a:t>برنامه نویسی </a:t>
-                      </a:r>
-                      <a:r>
-                        <a:rPr lang="en-US" sz="2000" dirty="0">
-                          <a:solidFill>
-                            <a:schemeClr val="tx1"/>
-                          </a:solidFill>
-                          <a:cs typeface="B Nazanin" panose="00000400000000000000" pitchFamily="2" charset="-78"/>
-                        </a:rPr>
-                        <a:t>C</a:t>
-                      </a:r>
-                    </a:p>
-                  </a:txBody>
-                  <a:tcPr/>
-                </a:tc>
-                <a:tc>
-                  <a:txBody>
-                    <a:bodyPr/>
-                    <a:lstStyle/>
-                    <a:p>
-                      <a:pPr algn="ctr" rtl="1"/>
-                      <a:r>
-                        <a:rPr lang="fa-IR" sz="2000" dirty="0">
-                          <a:solidFill>
-                            <a:schemeClr val="tx1"/>
-                          </a:solidFill>
-                          <a:cs typeface="B Nazanin" panose="00000400000000000000" pitchFamily="2" charset="-78"/>
-                        </a:rPr>
-                        <a:t>3652</a:t>
-                      </a:r>
-                      <a:endParaRPr lang="en-US" sz="2000" dirty="0">
-                        <a:solidFill>
-                          <a:schemeClr val="tx1"/>
-                        </a:solidFill>
-                        <a:cs typeface="B Nazanin" panose="00000400000000000000" pitchFamily="2" charset="-78"/>
-                      </a:endParaRPr>
-                    </a:p>
-                  </a:txBody>
-                  <a:tcPr/>
-                </a:tc>
-                <a:extLst>
-                  <a:ext uri="{0D108BD9-81ED-4DB2-BD59-A6C34878D82A}">
-                    <a16:rowId xmlns:a16="http://schemas.microsoft.com/office/drawing/2014/main" val="2382755152"/>
-                  </a:ext>
-                </a:extLst>
-              </a:tr>
-              <a:tr h="370840">
-                <a:tc>
-                  <a:txBody>
-                    <a:bodyPr/>
-                    <a:lstStyle/>
-                    <a:p>
-                      <a:pPr algn="ctr" rtl="1"/>
-                      <a:r>
-                        <a:rPr lang="fa-IR" sz="2000" dirty="0">
-                          <a:solidFill>
-                            <a:schemeClr val="tx1"/>
-                          </a:solidFill>
-                          <a:cs typeface="B Nazanin" panose="00000400000000000000" pitchFamily="2" charset="-78"/>
-                        </a:rPr>
-                        <a:t>...</a:t>
-                      </a:r>
-                      <a:endParaRPr lang="en-US" sz="2000" dirty="0">
-                        <a:solidFill>
-                          <a:schemeClr val="tx1"/>
-                        </a:solidFill>
-                        <a:cs typeface="B Nazanin" panose="00000400000000000000" pitchFamily="2" charset="-78"/>
-                      </a:endParaRPr>
-                    </a:p>
-                  </a:txBody>
-                  <a:tcPr/>
-                </a:tc>
-                <a:tc>
-                  <a:txBody>
-                    <a:bodyPr/>
-                    <a:lstStyle/>
-                    <a:p>
-                      <a:pPr algn="ctr" rtl="1"/>
-                      <a:r>
-                        <a:rPr lang="fa-IR" sz="2000" dirty="0">
-                          <a:solidFill>
-                            <a:schemeClr val="tx1"/>
-                          </a:solidFill>
-                          <a:cs typeface="B Nazanin" panose="00000400000000000000" pitchFamily="2" charset="-78"/>
-                        </a:rPr>
-                        <a:t>...</a:t>
-                      </a:r>
-                      <a:endParaRPr lang="en-US" sz="2000" dirty="0">
-                        <a:solidFill>
-                          <a:schemeClr val="tx1"/>
-                        </a:solidFill>
-                        <a:cs typeface="B Nazanin" panose="00000400000000000000" pitchFamily="2" charset="-78"/>
-                      </a:endParaRPr>
-                    </a:p>
-                  </a:txBody>
-                  <a:tcPr/>
-                </a:tc>
-                <a:tc>
-                  <a:txBody>
-                    <a:bodyPr/>
-                    <a:lstStyle/>
-                    <a:p>
-                      <a:pPr algn="ctr" rtl="1"/>
-                      <a:r>
-                        <a:rPr lang="fa-IR" sz="2000" dirty="0">
-                          <a:solidFill>
-                            <a:schemeClr val="tx1"/>
-                          </a:solidFill>
-                          <a:cs typeface="B Nazanin" panose="00000400000000000000" pitchFamily="2" charset="-78"/>
-                        </a:rPr>
-                        <a:t>...</a:t>
-                      </a:r>
-                      <a:endParaRPr lang="en-US" sz="2000" dirty="0">
-                        <a:solidFill>
-                          <a:schemeClr val="tx1"/>
-                        </a:solidFill>
-                        <a:cs typeface="B Nazanin" panose="00000400000000000000" pitchFamily="2" charset="-78"/>
-                      </a:endParaRPr>
-                    </a:p>
-                  </a:txBody>
-                  <a:tcPr/>
-                </a:tc>
-                <a:tc>
-                  <a:txBody>
-                    <a:bodyPr/>
-                    <a:lstStyle/>
-                    <a:p>
-                      <a:pPr algn="ctr" rtl="1"/>
-                      <a:r>
-                        <a:rPr lang="fa-IR" sz="2000" dirty="0">
-                          <a:solidFill>
-                            <a:schemeClr val="tx1"/>
-                          </a:solidFill>
-                          <a:cs typeface="B Nazanin" panose="00000400000000000000" pitchFamily="2" charset="-78"/>
-                        </a:rPr>
-                        <a:t>...</a:t>
-                      </a:r>
-                      <a:endParaRPr lang="en-US" sz="2000" dirty="0">
-                        <a:solidFill>
-                          <a:schemeClr val="tx1"/>
-                        </a:solidFill>
-                        <a:cs typeface="B Nazanin" panose="00000400000000000000" pitchFamily="2" charset="-78"/>
-                      </a:endParaRPr>
-                    </a:p>
-                  </a:txBody>
-                  <a:tcPr/>
-                </a:tc>
-                <a:tc>
-                  <a:txBody>
-                    <a:bodyPr/>
-                    <a:lstStyle/>
-                    <a:p>
-                      <a:pPr algn="ctr" rtl="1"/>
-                      <a:r>
-                        <a:rPr lang="fa-IR" sz="2000" dirty="0">
-                          <a:solidFill>
-                            <a:schemeClr val="tx1"/>
-                          </a:solidFill>
-                          <a:cs typeface="B Nazanin" panose="00000400000000000000" pitchFamily="2" charset="-78"/>
-                        </a:rPr>
-                        <a:t>...</a:t>
-                      </a:r>
-                      <a:endParaRPr lang="en-US" sz="2000" dirty="0">
-                        <a:solidFill>
-                          <a:schemeClr val="tx1"/>
-                        </a:solidFill>
-                        <a:cs typeface="B Nazanin" panose="00000400000000000000" pitchFamily="2" charset="-78"/>
-                      </a:endParaRPr>
-                    </a:p>
-                  </a:txBody>
-                  <a:tcPr/>
-                </a:tc>
-                <a:tc>
-                  <a:txBody>
-                    <a:bodyPr/>
-                    <a:lstStyle/>
-                    <a:p>
-                      <a:pPr algn="ctr" rtl="1"/>
-                      <a:r>
-                        <a:rPr lang="fa-IR" sz="2000" dirty="0">
-                          <a:solidFill>
-                            <a:schemeClr val="tx1"/>
-                          </a:solidFill>
-                          <a:cs typeface="B Nazanin" panose="00000400000000000000" pitchFamily="2" charset="-78"/>
-                        </a:rPr>
-                        <a:t>...</a:t>
-                      </a:r>
-                      <a:endParaRPr lang="en-US" sz="2000" dirty="0">
-                        <a:solidFill>
-                          <a:schemeClr val="tx1"/>
-                        </a:solidFill>
-                        <a:cs typeface="B Nazanin" panose="00000400000000000000" pitchFamily="2" charset="-78"/>
-                      </a:endParaRPr>
-                    </a:p>
-                  </a:txBody>
-                  <a:tcPr/>
-                </a:tc>
-                <a:tc>
-                  <a:txBody>
-                    <a:bodyPr/>
-                    <a:lstStyle/>
-                    <a:p>
-                      <a:pPr algn="ctr" rtl="1"/>
-                      <a:r>
-                        <a:rPr lang="fa-IR" sz="2000" dirty="0">
-                          <a:solidFill>
-                            <a:schemeClr val="tx1"/>
-                          </a:solidFill>
-                          <a:cs typeface="B Nazanin" panose="00000400000000000000" pitchFamily="2" charset="-78"/>
-                        </a:rPr>
-                        <a:t>...</a:t>
-                      </a:r>
-                      <a:endParaRPr lang="en-US" sz="2000" dirty="0">
-                        <a:solidFill>
-                          <a:schemeClr val="tx1"/>
-                        </a:solidFill>
-                        <a:cs typeface="B Nazanin" panose="00000400000000000000" pitchFamily="2" charset="-78"/>
-                      </a:endParaRPr>
-                    </a:p>
-                  </a:txBody>
-                  <a:tcPr/>
-                </a:tc>
-                <a:tc>
-                  <a:txBody>
-                    <a:bodyPr/>
-                    <a:lstStyle/>
-                    <a:p>
-                      <a:pPr algn="ctr" rtl="1"/>
-                      <a:r>
-                        <a:rPr lang="fa-IR" sz="2000" dirty="0">
-                          <a:solidFill>
-                            <a:schemeClr val="tx1"/>
-                          </a:solidFill>
-                          <a:cs typeface="B Nazanin" panose="00000400000000000000" pitchFamily="2" charset="-78"/>
-                        </a:rPr>
-                        <a:t>...</a:t>
-                      </a:r>
-                      <a:endParaRPr lang="en-US" sz="2000" dirty="0">
-                        <a:solidFill>
-                          <a:schemeClr val="tx1"/>
-                        </a:solidFill>
-                        <a:cs typeface="B Nazanin" panose="00000400000000000000" pitchFamily="2" charset="-78"/>
-                      </a:endParaRPr>
-                    </a:p>
-                  </a:txBody>
-                  <a:tcPr/>
-                </a:tc>
-                <a:extLst>
-                  <a:ext uri="{0D108BD9-81ED-4DB2-BD59-A6C34878D82A}">
-                    <a16:rowId xmlns:a16="http://schemas.microsoft.com/office/drawing/2014/main" val="3140024821"/>
-                  </a:ext>
-                </a:extLst>
-              </a:tr>
-              <a:tr h="370840">
-                <a:tc>
-                  <a:txBody>
-                    <a:bodyPr/>
-                    <a:lstStyle/>
-                    <a:p>
-                      <a:pPr algn="ctr" rtl="1"/>
-                      <a:r>
-                        <a:rPr lang="fa-IR" sz="2000" dirty="0">
-                          <a:solidFill>
-                            <a:schemeClr val="tx1"/>
-                          </a:solidFill>
-                          <a:cs typeface="B Nazanin" panose="00000400000000000000" pitchFamily="2" charset="-78"/>
-                        </a:rPr>
-                        <a:t>...</a:t>
-                      </a:r>
-                      <a:endParaRPr lang="en-US" sz="2000" dirty="0">
-                        <a:solidFill>
-                          <a:schemeClr val="tx1"/>
-                        </a:solidFill>
-                        <a:cs typeface="B Nazanin" panose="00000400000000000000" pitchFamily="2" charset="-78"/>
-                      </a:endParaRPr>
-                    </a:p>
-                  </a:txBody>
-                  <a:tcPr/>
-                </a:tc>
-                <a:tc>
-                  <a:txBody>
-                    <a:bodyPr/>
-                    <a:lstStyle/>
-                    <a:p>
-                      <a:pPr algn="ctr" rtl="1"/>
-                      <a:r>
-                        <a:rPr lang="fa-IR" sz="2000" dirty="0">
-                          <a:solidFill>
-                            <a:schemeClr val="tx1"/>
-                          </a:solidFill>
-                          <a:cs typeface="B Nazanin" panose="00000400000000000000" pitchFamily="2" charset="-78"/>
-                        </a:rPr>
-                        <a:t>...</a:t>
-                      </a:r>
-                      <a:endParaRPr lang="en-US" sz="2000" dirty="0">
-                        <a:solidFill>
-                          <a:schemeClr val="tx1"/>
-                        </a:solidFill>
-                        <a:cs typeface="B Nazanin" panose="00000400000000000000" pitchFamily="2" charset="-78"/>
-                      </a:endParaRPr>
-                    </a:p>
-                  </a:txBody>
-                  <a:tcPr/>
-                </a:tc>
-                <a:tc>
-                  <a:txBody>
-                    <a:bodyPr/>
-                    <a:lstStyle/>
-                    <a:p>
-                      <a:pPr algn="ctr" rtl="1"/>
-                      <a:r>
-                        <a:rPr lang="fa-IR" sz="2000" dirty="0">
-                          <a:solidFill>
-                            <a:schemeClr val="tx1"/>
-                          </a:solidFill>
-                          <a:cs typeface="B Nazanin" panose="00000400000000000000" pitchFamily="2" charset="-78"/>
-                        </a:rPr>
-                        <a:t>...</a:t>
-                      </a:r>
-                      <a:endParaRPr lang="en-US" sz="2000" dirty="0">
-                        <a:solidFill>
-                          <a:schemeClr val="tx1"/>
-                        </a:solidFill>
-                        <a:cs typeface="B Nazanin" panose="00000400000000000000" pitchFamily="2" charset="-78"/>
-                      </a:endParaRPr>
-                    </a:p>
-                  </a:txBody>
-                  <a:tcPr/>
-                </a:tc>
-                <a:tc>
-                  <a:txBody>
-                    <a:bodyPr/>
-                    <a:lstStyle/>
-                    <a:p>
-                      <a:pPr algn="ctr" rtl="1"/>
-                      <a:r>
-                        <a:rPr lang="fa-IR" sz="2000" dirty="0">
-                          <a:solidFill>
-                            <a:schemeClr val="tx1"/>
-                          </a:solidFill>
-                          <a:cs typeface="B Nazanin" panose="00000400000000000000" pitchFamily="2" charset="-78"/>
-                        </a:rPr>
-                        <a:t>...</a:t>
-                      </a:r>
-                      <a:endParaRPr lang="en-US" sz="2000" dirty="0">
-                        <a:solidFill>
-                          <a:schemeClr val="tx1"/>
-                        </a:solidFill>
-                        <a:cs typeface="B Nazanin" panose="00000400000000000000" pitchFamily="2" charset="-78"/>
-                      </a:endParaRPr>
-                    </a:p>
-                  </a:txBody>
-                  <a:tcPr/>
-                </a:tc>
-                <a:tc>
-                  <a:txBody>
-                    <a:bodyPr/>
-                    <a:lstStyle/>
-                    <a:p>
-                      <a:pPr algn="ctr" rtl="1"/>
-                      <a:r>
-                        <a:rPr lang="fa-IR" sz="2000" dirty="0">
-                          <a:solidFill>
-                            <a:schemeClr val="tx1"/>
-                          </a:solidFill>
-                          <a:cs typeface="B Nazanin" panose="00000400000000000000" pitchFamily="2" charset="-78"/>
-                        </a:rPr>
-                        <a:t>...</a:t>
-                      </a:r>
-                      <a:endParaRPr lang="en-US" sz="2000" dirty="0">
-                        <a:solidFill>
-                          <a:schemeClr val="tx1"/>
-                        </a:solidFill>
-                        <a:cs typeface="B Nazanin" panose="00000400000000000000" pitchFamily="2" charset="-78"/>
-                      </a:endParaRPr>
-                    </a:p>
-                  </a:txBody>
-                  <a:tcPr/>
-                </a:tc>
-                <a:tc>
-                  <a:txBody>
-                    <a:bodyPr/>
-                    <a:lstStyle/>
-                    <a:p>
-                      <a:pPr algn="ctr" rtl="1"/>
-                      <a:r>
-                        <a:rPr lang="fa-IR" sz="2000" dirty="0">
-                          <a:solidFill>
-                            <a:schemeClr val="tx1"/>
-                          </a:solidFill>
-                          <a:cs typeface="B Nazanin" panose="00000400000000000000" pitchFamily="2" charset="-78"/>
-                        </a:rPr>
-                        <a:t>...</a:t>
-                      </a:r>
-                      <a:endParaRPr lang="en-US" sz="2000" dirty="0">
-                        <a:solidFill>
-                          <a:schemeClr val="tx1"/>
-                        </a:solidFill>
-                        <a:cs typeface="B Nazanin" panose="00000400000000000000" pitchFamily="2" charset="-78"/>
-                      </a:endParaRPr>
-                    </a:p>
-                  </a:txBody>
-                  <a:tcPr/>
-                </a:tc>
-                <a:tc>
-                  <a:txBody>
-                    <a:bodyPr/>
-                    <a:lstStyle/>
-                    <a:p>
-                      <a:pPr algn="ctr" rtl="1"/>
-                      <a:r>
-                        <a:rPr lang="fa-IR" sz="2000" dirty="0">
-                          <a:solidFill>
-                            <a:schemeClr val="tx1"/>
-                          </a:solidFill>
-                          <a:cs typeface="B Nazanin" panose="00000400000000000000" pitchFamily="2" charset="-78"/>
-                        </a:rPr>
-                        <a:t>...</a:t>
-                      </a:r>
-                      <a:endParaRPr lang="en-US" sz="2000" dirty="0">
-                        <a:solidFill>
-                          <a:schemeClr val="tx1"/>
-                        </a:solidFill>
-                        <a:cs typeface="B Nazanin" panose="00000400000000000000" pitchFamily="2" charset="-78"/>
-                      </a:endParaRPr>
-                    </a:p>
-                  </a:txBody>
-                  <a:tcPr/>
-                </a:tc>
-                <a:tc>
-                  <a:txBody>
-                    <a:bodyPr/>
-                    <a:lstStyle/>
-                    <a:p>
-                      <a:pPr algn="ctr" rtl="1"/>
-                      <a:r>
-                        <a:rPr lang="fa-IR" sz="2000" dirty="0">
-                          <a:solidFill>
-                            <a:schemeClr val="tx1"/>
-                          </a:solidFill>
-                          <a:cs typeface="B Nazanin" panose="00000400000000000000" pitchFamily="2" charset="-78"/>
-                        </a:rPr>
-                        <a:t>...</a:t>
-                      </a:r>
-                      <a:endParaRPr lang="en-US" sz="2000" dirty="0">
-                        <a:solidFill>
-                          <a:schemeClr val="tx1"/>
-                        </a:solidFill>
-                        <a:cs typeface="B Nazanin" panose="00000400000000000000" pitchFamily="2" charset="-78"/>
-                      </a:endParaRPr>
-                    </a:p>
-                  </a:txBody>
-                  <a:tcPr/>
-                </a:tc>
-                <a:extLst>
-                  <a:ext uri="{0D108BD9-81ED-4DB2-BD59-A6C34878D82A}">
-                    <a16:rowId xmlns:a16="http://schemas.microsoft.com/office/drawing/2014/main" val="999550783"/>
-                  </a:ext>
-                </a:extLst>
-              </a:tr>
-              <a:tr h="370840">
-                <a:tc>
-                  <a:txBody>
-                    <a:bodyPr/>
-                    <a:lstStyle/>
-                    <a:p>
-                      <a:pPr algn="ctr" rtl="1"/>
-                      <a:r>
-                        <a:rPr lang="fa-IR" sz="2000" dirty="0">
-                          <a:solidFill>
-                            <a:schemeClr val="tx1"/>
-                          </a:solidFill>
-                          <a:cs typeface="B Nazanin" panose="00000400000000000000" pitchFamily="2" charset="-78"/>
-                        </a:rPr>
-                        <a:t>...</a:t>
-                      </a:r>
-                      <a:endParaRPr lang="en-US" sz="2000" dirty="0">
-                        <a:solidFill>
-                          <a:schemeClr val="tx1"/>
-                        </a:solidFill>
-                        <a:cs typeface="B Nazanin" panose="00000400000000000000" pitchFamily="2" charset="-78"/>
-                      </a:endParaRPr>
-                    </a:p>
-                  </a:txBody>
-                  <a:tcPr/>
-                </a:tc>
-                <a:tc>
-                  <a:txBody>
-                    <a:bodyPr/>
-                    <a:lstStyle/>
-                    <a:p>
-                      <a:pPr algn="ctr" rtl="1"/>
-                      <a:r>
-                        <a:rPr lang="fa-IR" sz="2000" dirty="0">
-                          <a:solidFill>
-                            <a:schemeClr val="tx1"/>
-                          </a:solidFill>
-                          <a:cs typeface="B Nazanin" panose="00000400000000000000" pitchFamily="2" charset="-78"/>
-                        </a:rPr>
-                        <a:t>...</a:t>
-                      </a:r>
-                      <a:endParaRPr lang="en-US" sz="2000" dirty="0">
-                        <a:solidFill>
-                          <a:schemeClr val="tx1"/>
-                        </a:solidFill>
-                        <a:cs typeface="B Nazanin" panose="00000400000000000000" pitchFamily="2" charset="-78"/>
-                      </a:endParaRPr>
-                    </a:p>
-                  </a:txBody>
-                  <a:tcPr/>
-                </a:tc>
-                <a:tc>
-                  <a:txBody>
-                    <a:bodyPr/>
-                    <a:lstStyle/>
-                    <a:p>
-                      <a:pPr algn="ctr" rtl="1"/>
-                      <a:r>
-                        <a:rPr lang="fa-IR" sz="2000" dirty="0">
-                          <a:solidFill>
-                            <a:schemeClr val="tx1"/>
-                          </a:solidFill>
-                          <a:cs typeface="B Nazanin" panose="00000400000000000000" pitchFamily="2" charset="-78"/>
-                        </a:rPr>
-                        <a:t>...</a:t>
-                      </a:r>
-                      <a:endParaRPr lang="en-US" sz="2000" dirty="0">
-                        <a:solidFill>
-                          <a:schemeClr val="tx1"/>
-                        </a:solidFill>
-                        <a:cs typeface="B Nazanin" panose="00000400000000000000" pitchFamily="2" charset="-78"/>
-                      </a:endParaRPr>
-                    </a:p>
-                  </a:txBody>
-                  <a:tcPr/>
-                </a:tc>
-                <a:tc>
-                  <a:txBody>
-                    <a:bodyPr/>
-                    <a:lstStyle/>
-                    <a:p>
-                      <a:pPr algn="ctr" rtl="1"/>
-                      <a:r>
-                        <a:rPr lang="fa-IR" sz="2000" dirty="0">
-                          <a:solidFill>
-                            <a:schemeClr val="tx1"/>
-                          </a:solidFill>
-                          <a:cs typeface="B Nazanin" panose="00000400000000000000" pitchFamily="2" charset="-78"/>
-                        </a:rPr>
-                        <a:t>...</a:t>
-                      </a:r>
-                      <a:endParaRPr lang="en-US" sz="2000" dirty="0">
-                        <a:solidFill>
-                          <a:schemeClr val="tx1"/>
-                        </a:solidFill>
-                        <a:cs typeface="B Nazanin" panose="00000400000000000000" pitchFamily="2" charset="-78"/>
-                      </a:endParaRPr>
-                    </a:p>
-                  </a:txBody>
-                  <a:tcPr/>
-                </a:tc>
-                <a:tc>
-                  <a:txBody>
-                    <a:bodyPr/>
-                    <a:lstStyle/>
-                    <a:p>
-                      <a:pPr algn="ctr" rtl="1"/>
-                      <a:r>
-                        <a:rPr lang="fa-IR" sz="2000" dirty="0">
-                          <a:solidFill>
-                            <a:schemeClr val="tx1"/>
-                          </a:solidFill>
-                          <a:cs typeface="B Nazanin" panose="00000400000000000000" pitchFamily="2" charset="-78"/>
-                        </a:rPr>
-                        <a:t>...</a:t>
-                      </a:r>
-                      <a:endParaRPr lang="en-US" sz="2000" dirty="0">
-                        <a:solidFill>
-                          <a:schemeClr val="tx1"/>
-                        </a:solidFill>
-                        <a:cs typeface="B Nazanin" panose="00000400000000000000" pitchFamily="2" charset="-78"/>
-                      </a:endParaRPr>
-                    </a:p>
-                  </a:txBody>
-                  <a:tcPr/>
-                </a:tc>
-                <a:tc>
-                  <a:txBody>
-                    <a:bodyPr/>
-                    <a:lstStyle/>
-                    <a:p>
-                      <a:pPr algn="ctr" rtl="1"/>
-                      <a:r>
-                        <a:rPr lang="fa-IR" sz="2000" dirty="0">
-                          <a:solidFill>
-                            <a:schemeClr val="tx1"/>
-                          </a:solidFill>
-                          <a:cs typeface="B Nazanin" panose="00000400000000000000" pitchFamily="2" charset="-78"/>
-                        </a:rPr>
-                        <a:t>...</a:t>
-                      </a:r>
-                      <a:endParaRPr lang="en-US" sz="2000" dirty="0">
-                        <a:solidFill>
-                          <a:schemeClr val="tx1"/>
-                        </a:solidFill>
-                        <a:cs typeface="B Nazanin" panose="00000400000000000000" pitchFamily="2" charset="-78"/>
-                      </a:endParaRPr>
-                    </a:p>
-                  </a:txBody>
-                  <a:tcPr/>
-                </a:tc>
-                <a:tc>
-                  <a:txBody>
-                    <a:bodyPr/>
-                    <a:lstStyle/>
-                    <a:p>
-                      <a:pPr algn="ctr" rtl="1"/>
-                      <a:r>
-                        <a:rPr lang="fa-IR" sz="2000" dirty="0">
-                          <a:solidFill>
-                            <a:schemeClr val="tx1"/>
-                          </a:solidFill>
-                          <a:cs typeface="B Nazanin" panose="00000400000000000000" pitchFamily="2" charset="-78"/>
-                        </a:rPr>
-                        <a:t>...</a:t>
-                      </a:r>
-                      <a:endParaRPr lang="en-US" sz="2000" dirty="0">
-                        <a:solidFill>
-                          <a:schemeClr val="tx1"/>
-                        </a:solidFill>
-                        <a:cs typeface="B Nazanin" panose="00000400000000000000" pitchFamily="2" charset="-78"/>
-                      </a:endParaRPr>
-                    </a:p>
-                  </a:txBody>
-                  <a:tcPr/>
-                </a:tc>
-                <a:tc>
-                  <a:txBody>
-                    <a:bodyPr/>
-                    <a:lstStyle/>
-                    <a:p>
-                      <a:pPr algn="ctr" rtl="1"/>
-                      <a:r>
-                        <a:rPr lang="fa-IR" sz="2000" dirty="0">
-                          <a:solidFill>
-                            <a:schemeClr val="tx1"/>
-                          </a:solidFill>
-                          <a:cs typeface="B Nazanin" panose="00000400000000000000" pitchFamily="2" charset="-78"/>
-                        </a:rPr>
-                        <a:t>...</a:t>
-                      </a:r>
-                      <a:endParaRPr lang="en-US" sz="2000" dirty="0">
-                        <a:solidFill>
-                          <a:schemeClr val="tx1"/>
-                        </a:solidFill>
-                        <a:cs typeface="B Nazanin" panose="00000400000000000000" pitchFamily="2" charset="-78"/>
-                      </a:endParaRPr>
-                    </a:p>
-                  </a:txBody>
-                  <a:tcPr/>
-                </a:tc>
-                <a:extLst>
-                  <a:ext uri="{0D108BD9-81ED-4DB2-BD59-A6C34878D82A}">
-                    <a16:rowId xmlns:a16="http://schemas.microsoft.com/office/drawing/2014/main" val="3095720900"/>
-                  </a:ext>
-                </a:extLst>
-              </a:tr>
-            </a:tbl>
-          </a:graphicData>
-        </a:graphic>
-      </p:graphicFrame>
-    </p:spTree>
-    <p:extLst>
-      <p:ext uri="{BB962C8B-B14F-4D97-AF65-F5344CB8AC3E}">
-        <p14:creationId xmlns:p14="http://schemas.microsoft.com/office/powerpoint/2010/main" val="3488935297"/>
-      </p:ext>
-    </p:extLst>
-  </p:cSld>
-  <p:clrMapOvr>
-    <a:masterClrMapping/>
-  </p:clrMapOvr>
-</p:sld>
-</file>
-
-<file path=ppt/slides/slide3.xml><?xml version="1.0" encoding="utf-8"?>
-<p:sld xmlns:a="http://schemas.openxmlformats.org/drawingml/2006/main" xmlns:r="http://schemas.openxmlformats.org/officeDocument/2006/relationships" xmlns:p="http://schemas.openxmlformats.org/presentationml/2006/main">
-  <p:cSld>
-    <p:bg>
-      <p:bgPr>
-        <a:solidFill>
-          <a:schemeClr val="bg1">
-            <a:lumMod val="95000"/>
-          </a:schemeClr>
-        </a:solidFill>
-        <a:effectLst/>
-      </p:bgPr>
-    </p:bg>
-    <p:spTree>
-      <p:nvGrpSpPr>
-        <p:cNvPr id="1" name=""/>
-        <p:cNvGrpSpPr/>
-        <p:nvPr/>
-      </p:nvGrpSpPr>
-      <p:grpSpPr>
-        <a:xfrm>
-          <a:off x="0" y="0"/>
-          <a:ext cx="0" cy="0"/>
-          <a:chOff x="0" y="0"/>
-          <a:chExt cx="0" cy="0"/>
-        </a:xfrm>
-      </p:grpSpPr>
-      <p:sp>
-        <p:nvSpPr>
-          <p:cNvPr id="3" name="Rectangle 2">
-            <a:extLst>
-              <a:ext uri="{FF2B5EF4-FFF2-40B4-BE49-F238E27FC236}">
-                <a16:creationId xmlns:a16="http://schemas.microsoft.com/office/drawing/2014/main" id="{97AC5D58-FAAC-208A-B34F-427B0B856D62}"/>
-              </a:ext>
-            </a:extLst>
-          </p:cNvPr>
-          <p:cNvSpPr/>
-          <p:nvPr/>
-        </p:nvSpPr>
-        <p:spPr>
-          <a:xfrm>
-            <a:off x="9362941" y="296214"/>
-            <a:ext cx="2524259" cy="4597758"/>
-          </a:xfrm>
-          <a:prstGeom prst="rect">
-            <a:avLst/>
-          </a:prstGeom>
-        </p:spPr>
-        <p:style>
-          <a:lnRef idx="2">
-            <a:schemeClr val="dk1"/>
-          </a:lnRef>
-          <a:fillRef idx="1">
-            <a:schemeClr val="lt1"/>
-          </a:fillRef>
-          <a:effectRef idx="0">
-            <a:schemeClr val="dk1"/>
-          </a:effectRef>
-          <a:fontRef idx="minor">
-            <a:schemeClr val="dk1"/>
-          </a:fontRef>
-        </p:style>
-        <p:txBody>
-          <a:bodyPr rtlCol="0" anchor="t"/>
-          <a:lstStyle/>
-          <a:p>
-            <a:pPr marL="285750" indent="-285750" algn="r" rtl="1">
-              <a:lnSpc>
-                <a:spcPct val="200000"/>
-              </a:lnSpc>
-              <a:buFont typeface="Wingdings" panose="05000000000000000000" pitchFamily="2" charset="2"/>
-              <a:buChar char="v"/>
-            </a:pPr>
-            <a:r>
-              <a:rPr lang="fa-IR" dirty="0">
-                <a:cs typeface="B Nazanin" panose="00000400000000000000" pitchFamily="2" charset="-78"/>
-              </a:rPr>
-              <a:t>افزودن عضو جدید</a:t>
-            </a:r>
-          </a:p>
-          <a:p>
-            <a:pPr marL="285750" indent="-285750" algn="r" rtl="1">
-              <a:lnSpc>
-                <a:spcPct val="200000"/>
-              </a:lnSpc>
-              <a:buFont typeface="Wingdings" panose="05000000000000000000" pitchFamily="2" charset="2"/>
-              <a:buChar char="v"/>
-            </a:pPr>
-            <a:r>
-              <a:rPr lang="fa-IR" dirty="0">
-                <a:cs typeface="B Nazanin" panose="00000400000000000000" pitchFamily="2" charset="-78"/>
-              </a:rPr>
-              <a:t>تمدید عضویت</a:t>
-            </a:r>
-          </a:p>
-          <a:p>
-            <a:pPr marL="285750" indent="-285750" algn="r" rtl="1">
-              <a:lnSpc>
-                <a:spcPct val="200000"/>
-              </a:lnSpc>
-              <a:buFont typeface="Wingdings" panose="05000000000000000000" pitchFamily="2" charset="2"/>
-              <a:buChar char="v"/>
-            </a:pPr>
-            <a:r>
-              <a:rPr lang="fa-IR" dirty="0">
-                <a:cs typeface="B Nazanin" panose="00000400000000000000" pitchFamily="2" charset="-78"/>
-              </a:rPr>
-              <a:t>جست و جوی کتاب</a:t>
-            </a:r>
-          </a:p>
-          <a:p>
-            <a:pPr marL="285750" indent="-285750" algn="r" rtl="1">
-              <a:lnSpc>
-                <a:spcPct val="200000"/>
-              </a:lnSpc>
-              <a:buFont typeface="Wingdings" panose="05000000000000000000" pitchFamily="2" charset="2"/>
-              <a:buChar char="v"/>
-            </a:pPr>
-            <a:r>
-              <a:rPr lang="fa-IR" dirty="0">
-                <a:cs typeface="B Nazanin" panose="00000400000000000000" pitchFamily="2" charset="-78"/>
-              </a:rPr>
-              <a:t>ثبت امانت</a:t>
-            </a:r>
-          </a:p>
-          <a:p>
-            <a:pPr marL="285750" indent="-285750" algn="r" rtl="1">
-              <a:lnSpc>
-                <a:spcPct val="200000"/>
-              </a:lnSpc>
-              <a:buFont typeface="Wingdings" panose="05000000000000000000" pitchFamily="2" charset="2"/>
-              <a:buChar char="v"/>
-            </a:pPr>
-            <a:r>
-              <a:rPr lang="fa-IR" dirty="0">
-                <a:cs typeface="B Nazanin" panose="00000400000000000000" pitchFamily="2" charset="-78"/>
-              </a:rPr>
-              <a:t>تمدید امانت</a:t>
-            </a:r>
-          </a:p>
-          <a:p>
-            <a:pPr marL="285750" indent="-285750" algn="r" rtl="1">
-              <a:lnSpc>
-                <a:spcPct val="200000"/>
-              </a:lnSpc>
-              <a:buFont typeface="Wingdings" panose="05000000000000000000" pitchFamily="2" charset="2"/>
-              <a:buChar char="v"/>
-            </a:pPr>
-            <a:r>
-              <a:rPr lang="fa-IR" dirty="0">
-                <a:cs typeface="B Nazanin" panose="00000400000000000000" pitchFamily="2" charset="-78"/>
-              </a:rPr>
-              <a:t>دریافت کتاب</a:t>
-            </a:r>
-          </a:p>
-          <a:p>
-            <a:pPr marL="285750" indent="-285750" algn="r" rtl="1">
-              <a:lnSpc>
-                <a:spcPct val="200000"/>
-              </a:lnSpc>
-              <a:buFont typeface="Wingdings" panose="05000000000000000000" pitchFamily="2" charset="2"/>
-              <a:buChar char="v"/>
-            </a:pPr>
-            <a:r>
-              <a:rPr lang="fa-IR" dirty="0">
-                <a:cs typeface="B Nazanin" panose="00000400000000000000" pitchFamily="2" charset="-78"/>
-              </a:rPr>
-              <a:t>افزودن کتاب جدید</a:t>
-            </a:r>
-          </a:p>
-          <a:p>
-            <a:pPr marL="285750" indent="-285750" algn="r" rtl="1">
-              <a:lnSpc>
-                <a:spcPct val="200000"/>
-              </a:lnSpc>
-              <a:buFont typeface="Wingdings" panose="05000000000000000000" pitchFamily="2" charset="2"/>
-              <a:buChar char="v"/>
-            </a:pPr>
-            <a:r>
-              <a:rPr lang="fa-IR" dirty="0">
-                <a:cs typeface="B Nazanin" panose="00000400000000000000" pitchFamily="2" charset="-78"/>
-              </a:rPr>
-              <a:t>گزارش</a:t>
-            </a:r>
-            <a:endParaRPr lang="en-US" dirty="0">
-              <a:cs typeface="B Nazanin" panose="00000400000000000000" pitchFamily="2" charset="-78"/>
-            </a:endParaRPr>
-          </a:p>
-        </p:txBody>
-      </p:sp>
-      <p:sp>
-        <p:nvSpPr>
-          <p:cNvPr id="4" name="TextBox 3">
-            <a:extLst>
-              <a:ext uri="{FF2B5EF4-FFF2-40B4-BE49-F238E27FC236}">
-                <a16:creationId xmlns:a16="http://schemas.microsoft.com/office/drawing/2014/main" id="{8093C061-C8A4-C4AF-B22B-6E386CB9B71D}"/>
-              </a:ext>
-            </a:extLst>
-          </p:cNvPr>
-          <p:cNvSpPr txBox="1"/>
-          <p:nvPr/>
-        </p:nvSpPr>
-        <p:spPr>
-          <a:xfrm>
-            <a:off x="3052293" y="826222"/>
-            <a:ext cx="4043967" cy="923330"/>
-          </a:xfrm>
-          <a:prstGeom prst="rect">
-            <a:avLst/>
-          </a:prstGeom>
-          <a:noFill/>
-        </p:spPr>
-        <p:txBody>
-          <a:bodyPr wrap="square" rtlCol="0">
-            <a:spAutoFit/>
-          </a:bodyPr>
-          <a:lstStyle/>
-          <a:p>
-            <a:pPr algn="ctr" rtl="1"/>
-            <a:r>
-              <a:rPr lang="fa-IR" sz="5400" dirty="0">
-                <a:latin typeface="Lateef" panose="01000506020000020003" pitchFamily="2" charset="-78"/>
-                <a:cs typeface="Mj_Faten" panose="00000700000000000000" pitchFamily="2" charset="-78"/>
-              </a:rPr>
-              <a:t>خوش آمدید</a:t>
-            </a:r>
-            <a:endParaRPr lang="en-US" sz="5400" dirty="0">
-              <a:latin typeface="Lateef" panose="01000506020000020003" pitchFamily="2" charset="-78"/>
-              <a:cs typeface="Mj_Faten" panose="00000700000000000000" pitchFamily="2" charset="-78"/>
-            </a:endParaRPr>
-          </a:p>
-        </p:txBody>
-      </p:sp>
-    </p:spTree>
-    <p:extLst>
-      <p:ext uri="{BB962C8B-B14F-4D97-AF65-F5344CB8AC3E}">
-        <p14:creationId xmlns:p14="http://schemas.microsoft.com/office/powerpoint/2010/main" val="3807529503"/>
-      </p:ext>
-    </p:extLst>
-  </p:cSld>
-  <p:clrMapOvr>
-    <a:masterClrMapping/>
-  </p:clrMapOvr>
-</p:sld>
-</file>
-
-<file path=ppt/slides/slide4.xml><?xml version="1.0" encoding="utf-8"?>
+<file path=ppt/slides/slide2.xml><?xml version="1.0" encoding="utf-8"?>
 <p:sld xmlns:a="http://schemas.openxmlformats.org/drawingml/2006/main" xmlns:r="http://schemas.openxmlformats.org/officeDocument/2006/relationships" xmlns:p="http://schemas.openxmlformats.org/presentationml/2006/main">
   <p:cSld>
     <p:bg>
@@ -17345,7 +13559,1420 @@
 </p:sld>
 </file>
 
-<file path=ppt/slides/slide5.xml><?xml version="1.0" encoding="utf-8"?>
+<file path=ppt/slides/slide20.xml><?xml version="1.0" encoding="utf-8"?>
+<p:sld xmlns:a="http://schemas.openxmlformats.org/drawingml/2006/main" xmlns:r="http://schemas.openxmlformats.org/officeDocument/2006/relationships" xmlns:p="http://schemas.openxmlformats.org/presentationml/2006/main">
+  <p:cSld>
+    <p:bg>
+      <p:bgPr>
+        <a:solidFill>
+          <a:schemeClr val="bg1">
+            <a:lumMod val="95000"/>
+          </a:schemeClr>
+        </a:solidFill>
+        <a:effectLst/>
+      </p:bgPr>
+    </p:bg>
+    <p:spTree>
+      <p:nvGrpSpPr>
+        <p:cNvPr id="1" name=""/>
+        <p:cNvGrpSpPr/>
+        <p:nvPr/>
+      </p:nvGrpSpPr>
+      <p:grpSpPr>
+        <a:xfrm>
+          <a:off x="0" y="0"/>
+          <a:ext cx="0" cy="0"/>
+          <a:chOff x="0" y="0"/>
+          <a:chExt cx="0" cy="0"/>
+        </a:xfrm>
+      </p:grpSpPr>
+      <p:sp>
+        <p:nvSpPr>
+          <p:cNvPr id="2" name="TextBox 1">
+            <a:extLst>
+              <a:ext uri="{FF2B5EF4-FFF2-40B4-BE49-F238E27FC236}">
+                <a16:creationId xmlns:a16="http://schemas.microsoft.com/office/drawing/2014/main" id="{59C2468C-9033-D5AC-34F0-A1BDD455EB51}"/>
+              </a:ext>
+            </a:extLst>
+          </p:cNvPr>
+          <p:cNvSpPr txBox="1"/>
+          <p:nvPr/>
+        </p:nvSpPr>
+        <p:spPr>
+          <a:xfrm>
+            <a:off x="4338033" y="133065"/>
+            <a:ext cx="3515934" cy="523220"/>
+          </a:xfrm>
+          <a:prstGeom prst="rect">
+            <a:avLst/>
+          </a:prstGeom>
+          <a:noFill/>
+        </p:spPr>
+        <p:txBody>
+          <a:bodyPr wrap="square" rtlCol="0">
+            <a:spAutoFit/>
+          </a:bodyPr>
+          <a:lstStyle/>
+          <a:p>
+            <a:pPr algn="ctr" rtl="1"/>
+            <a:r>
+              <a:rPr lang="fa-IR" sz="2800" dirty="0">
+                <a:solidFill>
+                  <a:srgbClr val="00B050"/>
+                </a:solidFill>
+                <a:cs typeface="B Nazanin" panose="00000400000000000000" pitchFamily="2" charset="-78"/>
+              </a:rPr>
+              <a:t>گزارش با موفقیت انجام شد.</a:t>
+            </a:r>
+            <a:endParaRPr lang="en-US" sz="2800" dirty="0">
+              <a:solidFill>
+                <a:srgbClr val="00B050"/>
+              </a:solidFill>
+              <a:cs typeface="B Nazanin" panose="00000400000000000000" pitchFamily="2" charset="-78"/>
+            </a:endParaRPr>
+          </a:p>
+        </p:txBody>
+      </p:sp>
+      <p:graphicFrame>
+        <p:nvGraphicFramePr>
+          <p:cNvPr id="3" name="Table 2">
+            <a:extLst>
+              <a:ext uri="{FF2B5EF4-FFF2-40B4-BE49-F238E27FC236}">
+                <a16:creationId xmlns:a16="http://schemas.microsoft.com/office/drawing/2014/main" id="{895BC09A-F963-4322-280D-29F80F3BE471}"/>
+              </a:ext>
+            </a:extLst>
+          </p:cNvPr>
+          <p:cNvGraphicFramePr>
+            <a:graphicFrameLocks noGrp="1"/>
+          </p:cNvGraphicFramePr>
+          <p:nvPr>
+            <p:extLst>
+              <p:ext uri="{D42A27DB-BD31-4B8C-83A1-F6EECF244321}">
+                <p14:modId xmlns:p14="http://schemas.microsoft.com/office/powerpoint/2010/main" val="3687449313"/>
+              </p:ext>
+            </p:extLst>
+          </p:nvPr>
+        </p:nvGraphicFramePr>
+        <p:xfrm>
+          <a:off x="1206087" y="1149179"/>
+          <a:ext cx="9302840" cy="521853"/>
+        </p:xfrm>
+        <a:graphic>
+          <a:graphicData uri="http://schemas.openxmlformats.org/drawingml/2006/table">
+            <a:tbl>
+              <a:tblPr bandRow="1">
+                <a:tableStyleId>{2D5ABB26-0587-4C30-8999-92F81FD0307C}</a:tableStyleId>
+              </a:tblPr>
+              <a:tblGrid>
+                <a:gridCol w="2325710">
+                  <a:extLst>
+                    <a:ext uri="{9D8B030D-6E8A-4147-A177-3AD203B41FA5}">
+                      <a16:colId xmlns:a16="http://schemas.microsoft.com/office/drawing/2014/main" val="377584807"/>
+                    </a:ext>
+                  </a:extLst>
+                </a:gridCol>
+                <a:gridCol w="2325710">
+                  <a:extLst>
+                    <a:ext uri="{9D8B030D-6E8A-4147-A177-3AD203B41FA5}">
+                      <a16:colId xmlns:a16="http://schemas.microsoft.com/office/drawing/2014/main" val="2466257458"/>
+                    </a:ext>
+                  </a:extLst>
+                </a:gridCol>
+                <a:gridCol w="2325710">
+                  <a:extLst>
+                    <a:ext uri="{9D8B030D-6E8A-4147-A177-3AD203B41FA5}">
+                      <a16:colId xmlns:a16="http://schemas.microsoft.com/office/drawing/2014/main" val="1147219566"/>
+                    </a:ext>
+                  </a:extLst>
+                </a:gridCol>
+                <a:gridCol w="2325710">
+                  <a:extLst>
+                    <a:ext uri="{9D8B030D-6E8A-4147-A177-3AD203B41FA5}">
+                      <a16:colId xmlns:a16="http://schemas.microsoft.com/office/drawing/2014/main" val="1459317916"/>
+                    </a:ext>
+                  </a:extLst>
+                </a:gridCol>
+              </a:tblGrid>
+              <a:tr h="521853">
+                <a:tc>
+                  <a:txBody>
+                    <a:bodyPr/>
+                    <a:lstStyle/>
+                    <a:p>
+                      <a:pPr algn="r" rtl="1"/>
+                      <a:r>
+                        <a:rPr lang="fa-IR" sz="2000" b="0" dirty="0">
+                          <a:cs typeface="B Nazanin" panose="00000400000000000000" pitchFamily="2" charset="-78"/>
+                        </a:rPr>
+                        <a:t>1402/03/10</a:t>
+                      </a:r>
+                      <a:endParaRPr lang="en-US" sz="2000" b="0" dirty="0">
+                        <a:cs typeface="B Nazanin" panose="00000400000000000000" pitchFamily="2" charset="-78"/>
+                      </a:endParaRPr>
+                    </a:p>
+                  </a:txBody>
+                  <a:tcPr/>
+                </a:tc>
+                <a:tc>
+                  <a:txBody>
+                    <a:bodyPr/>
+                    <a:lstStyle/>
+                    <a:p>
+                      <a:pPr algn="r" rtl="1"/>
+                      <a:r>
+                        <a:rPr lang="fa-IR" sz="2000" b="0" dirty="0">
+                          <a:cs typeface="B Nazanin" panose="00000400000000000000" pitchFamily="2" charset="-78"/>
+                        </a:rPr>
+                        <a:t>تاریخ گزارش:</a:t>
+                      </a:r>
+                      <a:endParaRPr lang="en-US" sz="2000" b="0" dirty="0">
+                        <a:cs typeface="B Nazanin" panose="00000400000000000000" pitchFamily="2" charset="-78"/>
+                      </a:endParaRPr>
+                    </a:p>
+                  </a:txBody>
+                  <a:tcPr/>
+                </a:tc>
+                <a:tc>
+                  <a:txBody>
+                    <a:bodyPr/>
+                    <a:lstStyle/>
+                    <a:p>
+                      <a:pPr algn="r" rtl="1"/>
+                      <a:r>
+                        <a:rPr lang="fa-IR" sz="2000" b="0" dirty="0">
+                          <a:cs typeface="B Nazanin" panose="00000400000000000000" pitchFamily="2" charset="-78"/>
+                        </a:rPr>
+                        <a:t>646546803</a:t>
+                      </a:r>
+                      <a:endParaRPr lang="en-US" sz="2000" b="0" dirty="0">
+                        <a:cs typeface="B Nazanin" panose="00000400000000000000" pitchFamily="2" charset="-78"/>
+                      </a:endParaRPr>
+                    </a:p>
+                  </a:txBody>
+                  <a:tcPr/>
+                </a:tc>
+                <a:tc>
+                  <a:txBody>
+                    <a:bodyPr/>
+                    <a:lstStyle/>
+                    <a:p>
+                      <a:pPr algn="r" rtl="1"/>
+                      <a:r>
+                        <a:rPr lang="fa-IR" sz="2000" b="0" dirty="0">
+                          <a:cs typeface="B Nazanin" panose="00000400000000000000" pitchFamily="2" charset="-78"/>
+                        </a:rPr>
+                        <a:t>شناسه گزارش:</a:t>
+                      </a:r>
+                      <a:endParaRPr lang="en-US" sz="2000" b="0" dirty="0">
+                        <a:cs typeface="B Nazanin" panose="00000400000000000000" pitchFamily="2" charset="-78"/>
+                      </a:endParaRPr>
+                    </a:p>
+                  </a:txBody>
+                  <a:tcPr/>
+                </a:tc>
+                <a:extLst>
+                  <a:ext uri="{0D108BD9-81ED-4DB2-BD59-A6C34878D82A}">
+                    <a16:rowId xmlns:a16="http://schemas.microsoft.com/office/drawing/2014/main" val="2632516942"/>
+                  </a:ext>
+                </a:extLst>
+              </a:tr>
+            </a:tbl>
+          </a:graphicData>
+        </a:graphic>
+      </p:graphicFrame>
+      <p:sp>
+        <p:nvSpPr>
+          <p:cNvPr id="4" name="Rectangle 3">
+            <a:extLst>
+              <a:ext uri="{FF2B5EF4-FFF2-40B4-BE49-F238E27FC236}">
+                <a16:creationId xmlns:a16="http://schemas.microsoft.com/office/drawing/2014/main" id="{81F4B7BD-25F0-FF09-CD23-45A12E4D709E}"/>
+              </a:ext>
+            </a:extLst>
+          </p:cNvPr>
+          <p:cNvSpPr/>
+          <p:nvPr/>
+        </p:nvSpPr>
+        <p:spPr>
+          <a:xfrm>
+            <a:off x="5347952" y="5872081"/>
+            <a:ext cx="1496096" cy="309093"/>
+          </a:xfrm>
+          <a:prstGeom prst="rect">
+            <a:avLst/>
+          </a:prstGeom>
+        </p:spPr>
+        <p:style>
+          <a:lnRef idx="0">
+            <a:schemeClr val="accent3"/>
+          </a:lnRef>
+          <a:fillRef idx="3">
+            <a:schemeClr val="accent3"/>
+          </a:fillRef>
+          <a:effectRef idx="3">
+            <a:schemeClr val="accent3"/>
+          </a:effectRef>
+          <a:fontRef idx="minor">
+            <a:schemeClr val="lt1"/>
+          </a:fontRef>
+        </p:style>
+        <p:txBody>
+          <a:bodyPr rtlCol="0" anchor="ctr"/>
+          <a:lstStyle/>
+          <a:p>
+            <a:pPr algn="ctr"/>
+            <a:r>
+              <a:rPr lang="fa-IR" sz="2000" b="1" dirty="0">
+                <a:cs typeface="B Nazanin" panose="00000400000000000000" pitchFamily="2" charset="-78"/>
+              </a:rPr>
+              <a:t>چاپ</a:t>
+            </a:r>
+          </a:p>
+        </p:txBody>
+      </p:sp>
+      <p:graphicFrame>
+        <p:nvGraphicFramePr>
+          <p:cNvPr id="5" name="Table 3">
+            <a:extLst>
+              <a:ext uri="{FF2B5EF4-FFF2-40B4-BE49-F238E27FC236}">
+                <a16:creationId xmlns:a16="http://schemas.microsoft.com/office/drawing/2014/main" id="{ABABB9C5-7F02-C85C-8578-F7BA86524F12}"/>
+              </a:ext>
+            </a:extLst>
+          </p:cNvPr>
+          <p:cNvGraphicFramePr>
+            <a:graphicFrameLocks noGrp="1"/>
+          </p:cNvGraphicFramePr>
+          <p:nvPr>
+            <p:extLst>
+              <p:ext uri="{D42A27DB-BD31-4B8C-83A1-F6EECF244321}">
+                <p14:modId xmlns:p14="http://schemas.microsoft.com/office/powerpoint/2010/main" val="1265975387"/>
+              </p:ext>
+            </p:extLst>
+          </p:nvPr>
+        </p:nvGraphicFramePr>
+        <p:xfrm>
+          <a:off x="274748" y="2163926"/>
+          <a:ext cx="11642504" cy="3200400"/>
+        </p:xfrm>
+        <a:graphic>
+          <a:graphicData uri="http://schemas.openxmlformats.org/drawingml/2006/table">
+            <a:tbl>
+              <a:tblPr bandRow="1">
+                <a:tableStyleId>{9D7B26C5-4107-4FEC-AEDC-1716B250A1EF}</a:tableStyleId>
+              </a:tblPr>
+              <a:tblGrid>
+                <a:gridCol w="1455313">
+                  <a:extLst>
+                    <a:ext uri="{9D8B030D-6E8A-4147-A177-3AD203B41FA5}">
+                      <a16:colId xmlns:a16="http://schemas.microsoft.com/office/drawing/2014/main" val="4213111162"/>
+                    </a:ext>
+                  </a:extLst>
+                </a:gridCol>
+                <a:gridCol w="1455313">
+                  <a:extLst>
+                    <a:ext uri="{9D8B030D-6E8A-4147-A177-3AD203B41FA5}">
+                      <a16:colId xmlns:a16="http://schemas.microsoft.com/office/drawing/2014/main" val="1086161759"/>
+                    </a:ext>
+                  </a:extLst>
+                </a:gridCol>
+                <a:gridCol w="1455313">
+                  <a:extLst>
+                    <a:ext uri="{9D8B030D-6E8A-4147-A177-3AD203B41FA5}">
+                      <a16:colId xmlns:a16="http://schemas.microsoft.com/office/drawing/2014/main" val="3265992755"/>
+                    </a:ext>
+                  </a:extLst>
+                </a:gridCol>
+                <a:gridCol w="1455313">
+                  <a:extLst>
+                    <a:ext uri="{9D8B030D-6E8A-4147-A177-3AD203B41FA5}">
+                      <a16:colId xmlns:a16="http://schemas.microsoft.com/office/drawing/2014/main" val="3122963598"/>
+                    </a:ext>
+                  </a:extLst>
+                </a:gridCol>
+                <a:gridCol w="1455313">
+                  <a:extLst>
+                    <a:ext uri="{9D8B030D-6E8A-4147-A177-3AD203B41FA5}">
+                      <a16:colId xmlns:a16="http://schemas.microsoft.com/office/drawing/2014/main" val="568152510"/>
+                    </a:ext>
+                  </a:extLst>
+                </a:gridCol>
+                <a:gridCol w="1455313">
+                  <a:extLst>
+                    <a:ext uri="{9D8B030D-6E8A-4147-A177-3AD203B41FA5}">
+                      <a16:colId xmlns:a16="http://schemas.microsoft.com/office/drawing/2014/main" val="3235845119"/>
+                    </a:ext>
+                  </a:extLst>
+                </a:gridCol>
+                <a:gridCol w="1455313">
+                  <a:extLst>
+                    <a:ext uri="{9D8B030D-6E8A-4147-A177-3AD203B41FA5}">
+                      <a16:colId xmlns:a16="http://schemas.microsoft.com/office/drawing/2014/main" val="1640727072"/>
+                    </a:ext>
+                  </a:extLst>
+                </a:gridCol>
+                <a:gridCol w="1455313">
+                  <a:extLst>
+                    <a:ext uri="{9D8B030D-6E8A-4147-A177-3AD203B41FA5}">
+                      <a16:colId xmlns:a16="http://schemas.microsoft.com/office/drawing/2014/main" val="3770447038"/>
+                    </a:ext>
+                  </a:extLst>
+                </a:gridCol>
+              </a:tblGrid>
+              <a:tr h="370840">
+                <a:tc>
+                  <a:txBody>
+                    <a:bodyPr/>
+                    <a:lstStyle/>
+                    <a:p>
+                      <a:pPr algn="ctr" rtl="1"/>
+                      <a:r>
+                        <a:rPr lang="fa-IR" sz="2000" dirty="0">
+                          <a:solidFill>
+                            <a:schemeClr val="tx1"/>
+                          </a:solidFill>
+                          <a:cs typeface="B Nazanin" panose="00000400000000000000" pitchFamily="2" charset="-78"/>
+                        </a:rPr>
+                        <a:t>لیست دانشجویانی که به امانت گرفتند</a:t>
+                      </a:r>
+                      <a:endParaRPr lang="en-US" sz="2000" dirty="0">
+                        <a:solidFill>
+                          <a:schemeClr val="tx1"/>
+                        </a:solidFill>
+                        <a:cs typeface="B Nazanin" panose="00000400000000000000" pitchFamily="2" charset="-78"/>
+                      </a:endParaRPr>
+                    </a:p>
+                  </a:txBody>
+                  <a:tcPr/>
+                </a:tc>
+                <a:tc>
+                  <a:txBody>
+                    <a:bodyPr/>
+                    <a:lstStyle/>
+                    <a:p>
+                      <a:pPr algn="ctr" rtl="1"/>
+                      <a:r>
+                        <a:rPr lang="fa-IR" sz="2000" dirty="0">
+                          <a:solidFill>
+                            <a:schemeClr val="tx1"/>
+                          </a:solidFill>
+                          <a:cs typeface="B Nazanin" panose="00000400000000000000" pitchFamily="2" charset="-78"/>
+                        </a:rPr>
+                        <a:t>تعداد تمدید</a:t>
+                      </a:r>
+                      <a:endParaRPr lang="en-US" sz="2000" dirty="0">
+                        <a:solidFill>
+                          <a:schemeClr val="tx1"/>
+                        </a:solidFill>
+                        <a:cs typeface="B Nazanin" panose="00000400000000000000" pitchFamily="2" charset="-78"/>
+                      </a:endParaRPr>
+                    </a:p>
+                  </a:txBody>
+                  <a:tcPr/>
+                </a:tc>
+                <a:tc>
+                  <a:txBody>
+                    <a:bodyPr/>
+                    <a:lstStyle/>
+                    <a:p>
+                      <a:pPr algn="ctr" rtl="1"/>
+                      <a:r>
+                        <a:rPr lang="fa-IR" sz="2000" dirty="0">
+                          <a:solidFill>
+                            <a:schemeClr val="tx1"/>
+                          </a:solidFill>
+                          <a:cs typeface="B Nazanin" panose="00000400000000000000" pitchFamily="2" charset="-78"/>
+                        </a:rPr>
+                        <a:t>دانشجوهای چه رشته ای بیشتر امانت گرفتند</a:t>
+                      </a:r>
+                      <a:endParaRPr lang="en-US" sz="2000" dirty="0">
+                        <a:solidFill>
+                          <a:schemeClr val="tx1"/>
+                        </a:solidFill>
+                        <a:cs typeface="B Nazanin" panose="00000400000000000000" pitchFamily="2" charset="-78"/>
+                      </a:endParaRPr>
+                    </a:p>
+                  </a:txBody>
+                  <a:tcPr/>
+                </a:tc>
+                <a:tc>
+                  <a:txBody>
+                    <a:bodyPr/>
+                    <a:lstStyle/>
+                    <a:p>
+                      <a:pPr algn="ctr" rtl="1"/>
+                      <a:r>
+                        <a:rPr lang="fa-IR" sz="2000" dirty="0">
+                          <a:solidFill>
+                            <a:schemeClr val="tx1"/>
+                          </a:solidFill>
+                          <a:cs typeface="B Nazanin" panose="00000400000000000000" pitchFamily="2" charset="-78"/>
+                        </a:rPr>
+                        <a:t>درصد به امانت گرفته شدن نسبت به دیگر کتاب ها</a:t>
+                      </a:r>
+                      <a:endParaRPr lang="en-US" sz="2000" dirty="0">
+                        <a:solidFill>
+                          <a:schemeClr val="tx1"/>
+                        </a:solidFill>
+                        <a:cs typeface="B Nazanin" panose="00000400000000000000" pitchFamily="2" charset="-78"/>
+                      </a:endParaRPr>
+                    </a:p>
+                  </a:txBody>
+                  <a:tcPr/>
+                </a:tc>
+                <a:tc>
+                  <a:txBody>
+                    <a:bodyPr/>
+                    <a:lstStyle/>
+                    <a:p>
+                      <a:pPr algn="ctr" rtl="1"/>
+                      <a:r>
+                        <a:rPr lang="fa-IR" sz="2000" dirty="0">
+                          <a:solidFill>
+                            <a:schemeClr val="tx1"/>
+                          </a:solidFill>
+                          <a:cs typeface="B Nazanin" panose="00000400000000000000" pitchFamily="2" charset="-78"/>
+                        </a:rPr>
+                        <a:t>تعداد موجود در کتابخانه</a:t>
+                      </a:r>
+                      <a:endParaRPr lang="en-US" sz="2000" dirty="0">
+                        <a:solidFill>
+                          <a:schemeClr val="tx1"/>
+                        </a:solidFill>
+                        <a:cs typeface="B Nazanin" panose="00000400000000000000" pitchFamily="2" charset="-78"/>
+                      </a:endParaRPr>
+                    </a:p>
+                  </a:txBody>
+                  <a:tcPr/>
+                </a:tc>
+                <a:tc>
+                  <a:txBody>
+                    <a:bodyPr/>
+                    <a:lstStyle/>
+                    <a:p>
+                      <a:pPr algn="ctr" rtl="1"/>
+                      <a:r>
+                        <a:rPr lang="fa-IR" sz="2000" dirty="0">
+                          <a:solidFill>
+                            <a:schemeClr val="tx1"/>
+                          </a:solidFill>
+                          <a:cs typeface="B Nazanin" panose="00000400000000000000" pitchFamily="2" charset="-78"/>
+                        </a:rPr>
+                        <a:t>تعداد دفعات به امانت داده شده</a:t>
+                      </a:r>
+                      <a:endParaRPr lang="en-US" sz="2000" dirty="0">
+                        <a:solidFill>
+                          <a:schemeClr val="tx1"/>
+                        </a:solidFill>
+                        <a:cs typeface="B Nazanin" panose="00000400000000000000" pitchFamily="2" charset="-78"/>
+                      </a:endParaRPr>
+                    </a:p>
+                  </a:txBody>
+                  <a:tcPr/>
+                </a:tc>
+                <a:tc>
+                  <a:txBody>
+                    <a:bodyPr/>
+                    <a:lstStyle/>
+                    <a:p>
+                      <a:pPr algn="ctr" rtl="1"/>
+                      <a:r>
+                        <a:rPr lang="fa-IR" sz="2000" dirty="0">
+                          <a:solidFill>
+                            <a:schemeClr val="tx1"/>
+                          </a:solidFill>
+                          <a:cs typeface="B Nazanin" panose="00000400000000000000" pitchFamily="2" charset="-78"/>
+                        </a:rPr>
+                        <a:t>نام کتاب</a:t>
+                      </a:r>
+                      <a:endParaRPr lang="en-US" sz="2000" dirty="0">
+                        <a:solidFill>
+                          <a:schemeClr val="tx1"/>
+                        </a:solidFill>
+                        <a:cs typeface="B Nazanin" panose="00000400000000000000" pitchFamily="2" charset="-78"/>
+                      </a:endParaRPr>
+                    </a:p>
+                  </a:txBody>
+                  <a:tcPr/>
+                </a:tc>
+                <a:tc>
+                  <a:txBody>
+                    <a:bodyPr/>
+                    <a:lstStyle/>
+                    <a:p>
+                      <a:pPr algn="ctr" rtl="1"/>
+                      <a:r>
+                        <a:rPr lang="fa-IR" sz="2000" dirty="0">
+                          <a:solidFill>
+                            <a:schemeClr val="tx1"/>
+                          </a:solidFill>
+                          <a:cs typeface="B Nazanin" panose="00000400000000000000" pitchFamily="2" charset="-78"/>
+                        </a:rPr>
+                        <a:t>کد کتاب</a:t>
+                      </a:r>
+                      <a:endParaRPr lang="en-US" sz="2000" dirty="0">
+                        <a:solidFill>
+                          <a:schemeClr val="tx1"/>
+                        </a:solidFill>
+                        <a:cs typeface="B Nazanin" panose="00000400000000000000" pitchFamily="2" charset="-78"/>
+                      </a:endParaRPr>
+                    </a:p>
+                  </a:txBody>
+                  <a:tcPr/>
+                </a:tc>
+                <a:extLst>
+                  <a:ext uri="{0D108BD9-81ED-4DB2-BD59-A6C34878D82A}">
+                    <a16:rowId xmlns:a16="http://schemas.microsoft.com/office/drawing/2014/main" val="2238029062"/>
+                  </a:ext>
+                </a:extLst>
+              </a:tr>
+              <a:tr h="370840">
+                <a:tc>
+                  <a:txBody>
+                    <a:bodyPr/>
+                    <a:lstStyle/>
+                    <a:p>
+                      <a:pPr algn="ctr" rtl="1"/>
+                      <a:r>
+                        <a:rPr lang="fa-IR" sz="2000" dirty="0">
+                          <a:solidFill>
+                            <a:schemeClr val="tx1"/>
+                          </a:solidFill>
+                          <a:cs typeface="B Nazanin" panose="00000400000000000000" pitchFamily="2" charset="-78"/>
+                        </a:rPr>
+                        <a:t>امیرمحمدی، ...</a:t>
+                      </a:r>
+                      <a:endParaRPr lang="en-US" sz="2000" dirty="0">
+                        <a:solidFill>
+                          <a:schemeClr val="tx1"/>
+                        </a:solidFill>
+                        <a:cs typeface="B Nazanin" panose="00000400000000000000" pitchFamily="2" charset="-78"/>
+                      </a:endParaRPr>
+                    </a:p>
+                  </a:txBody>
+                  <a:tcPr/>
+                </a:tc>
+                <a:tc>
+                  <a:txBody>
+                    <a:bodyPr/>
+                    <a:lstStyle/>
+                    <a:p>
+                      <a:pPr algn="ctr" rtl="1"/>
+                      <a:r>
+                        <a:rPr lang="fa-IR" sz="2000" dirty="0">
+                          <a:solidFill>
+                            <a:schemeClr val="tx1"/>
+                          </a:solidFill>
+                          <a:cs typeface="B Nazanin" panose="00000400000000000000" pitchFamily="2" charset="-78"/>
+                        </a:rPr>
+                        <a:t>7</a:t>
+                      </a:r>
+                      <a:endParaRPr lang="en-US" sz="2000" dirty="0">
+                        <a:solidFill>
+                          <a:schemeClr val="tx1"/>
+                        </a:solidFill>
+                        <a:cs typeface="B Nazanin" panose="00000400000000000000" pitchFamily="2" charset="-78"/>
+                      </a:endParaRPr>
+                    </a:p>
+                  </a:txBody>
+                  <a:tcPr/>
+                </a:tc>
+                <a:tc>
+                  <a:txBody>
+                    <a:bodyPr/>
+                    <a:lstStyle/>
+                    <a:p>
+                      <a:pPr algn="ctr" rtl="1"/>
+                      <a:r>
+                        <a:rPr lang="fa-IR" sz="2000" dirty="0">
+                          <a:solidFill>
+                            <a:schemeClr val="tx1"/>
+                          </a:solidFill>
+                          <a:cs typeface="B Nazanin" panose="00000400000000000000" pitchFamily="2" charset="-78"/>
+                        </a:rPr>
+                        <a:t>مهندسی کامپیوتر</a:t>
+                      </a:r>
+                      <a:endParaRPr lang="en-US" sz="2000" dirty="0">
+                        <a:solidFill>
+                          <a:schemeClr val="tx1"/>
+                        </a:solidFill>
+                        <a:cs typeface="B Nazanin" panose="00000400000000000000" pitchFamily="2" charset="-78"/>
+                      </a:endParaRPr>
+                    </a:p>
+                  </a:txBody>
+                  <a:tcPr/>
+                </a:tc>
+                <a:tc>
+                  <a:txBody>
+                    <a:bodyPr/>
+                    <a:lstStyle/>
+                    <a:p>
+                      <a:pPr algn="ctr" rtl="1"/>
+                      <a:r>
+                        <a:rPr lang="fa-IR" sz="2000" dirty="0">
+                          <a:solidFill>
+                            <a:schemeClr val="tx1"/>
+                          </a:solidFill>
+                          <a:cs typeface="B Nazanin" panose="00000400000000000000" pitchFamily="2" charset="-78"/>
+                        </a:rPr>
+                        <a:t>3%</a:t>
+                      </a:r>
+                      <a:endParaRPr lang="en-US" sz="2000" dirty="0">
+                        <a:solidFill>
+                          <a:schemeClr val="tx1"/>
+                        </a:solidFill>
+                        <a:cs typeface="B Nazanin" panose="00000400000000000000" pitchFamily="2" charset="-78"/>
+                      </a:endParaRPr>
+                    </a:p>
+                  </a:txBody>
+                  <a:tcPr/>
+                </a:tc>
+                <a:tc>
+                  <a:txBody>
+                    <a:bodyPr/>
+                    <a:lstStyle/>
+                    <a:p>
+                      <a:pPr algn="ctr" rtl="1"/>
+                      <a:r>
+                        <a:rPr lang="fa-IR" sz="2000" dirty="0">
+                          <a:solidFill>
+                            <a:schemeClr val="tx1"/>
+                          </a:solidFill>
+                          <a:cs typeface="B Nazanin" panose="00000400000000000000" pitchFamily="2" charset="-78"/>
+                        </a:rPr>
+                        <a:t>3</a:t>
+                      </a:r>
+                      <a:endParaRPr lang="en-US" sz="2000" dirty="0">
+                        <a:solidFill>
+                          <a:schemeClr val="tx1"/>
+                        </a:solidFill>
+                        <a:cs typeface="B Nazanin" panose="00000400000000000000" pitchFamily="2" charset="-78"/>
+                      </a:endParaRPr>
+                    </a:p>
+                  </a:txBody>
+                  <a:tcPr/>
+                </a:tc>
+                <a:tc>
+                  <a:txBody>
+                    <a:bodyPr/>
+                    <a:lstStyle/>
+                    <a:p>
+                      <a:pPr algn="ctr" rtl="1"/>
+                      <a:r>
+                        <a:rPr lang="fa-IR" sz="2000" dirty="0">
+                          <a:solidFill>
+                            <a:schemeClr val="tx1"/>
+                          </a:solidFill>
+                          <a:cs typeface="B Nazanin" panose="00000400000000000000" pitchFamily="2" charset="-78"/>
+                        </a:rPr>
+                        <a:t>25</a:t>
+                      </a:r>
+                      <a:endParaRPr lang="en-US" sz="2000" dirty="0">
+                        <a:solidFill>
+                          <a:schemeClr val="tx1"/>
+                        </a:solidFill>
+                        <a:cs typeface="B Nazanin" panose="00000400000000000000" pitchFamily="2" charset="-78"/>
+                      </a:endParaRPr>
+                    </a:p>
+                  </a:txBody>
+                  <a:tcPr/>
+                </a:tc>
+                <a:tc>
+                  <a:txBody>
+                    <a:bodyPr/>
+                    <a:lstStyle/>
+                    <a:p>
+                      <a:pPr algn="ctr" rtl="1"/>
+                      <a:r>
+                        <a:rPr lang="fa-IR" sz="2000" dirty="0">
+                          <a:solidFill>
+                            <a:schemeClr val="tx1"/>
+                          </a:solidFill>
+                          <a:cs typeface="B Nazanin" panose="00000400000000000000" pitchFamily="2" charset="-78"/>
+                        </a:rPr>
+                        <a:t>برنامه نویسی </a:t>
+                      </a:r>
+                      <a:r>
+                        <a:rPr lang="en-US" sz="2000" dirty="0">
+                          <a:solidFill>
+                            <a:schemeClr val="tx1"/>
+                          </a:solidFill>
+                          <a:cs typeface="B Nazanin" panose="00000400000000000000" pitchFamily="2" charset="-78"/>
+                        </a:rPr>
+                        <a:t>C</a:t>
+                      </a:r>
+                    </a:p>
+                  </a:txBody>
+                  <a:tcPr/>
+                </a:tc>
+                <a:tc>
+                  <a:txBody>
+                    <a:bodyPr/>
+                    <a:lstStyle/>
+                    <a:p>
+                      <a:pPr algn="ctr" rtl="1"/>
+                      <a:r>
+                        <a:rPr lang="fa-IR" sz="2000" dirty="0">
+                          <a:solidFill>
+                            <a:schemeClr val="tx1"/>
+                          </a:solidFill>
+                          <a:cs typeface="B Nazanin" panose="00000400000000000000" pitchFamily="2" charset="-78"/>
+                        </a:rPr>
+                        <a:t>3652</a:t>
+                      </a:r>
+                      <a:endParaRPr lang="en-US" sz="2000" dirty="0">
+                        <a:solidFill>
+                          <a:schemeClr val="tx1"/>
+                        </a:solidFill>
+                        <a:cs typeface="B Nazanin" panose="00000400000000000000" pitchFamily="2" charset="-78"/>
+                      </a:endParaRPr>
+                    </a:p>
+                  </a:txBody>
+                  <a:tcPr/>
+                </a:tc>
+                <a:extLst>
+                  <a:ext uri="{0D108BD9-81ED-4DB2-BD59-A6C34878D82A}">
+                    <a16:rowId xmlns:a16="http://schemas.microsoft.com/office/drawing/2014/main" val="2382755152"/>
+                  </a:ext>
+                </a:extLst>
+              </a:tr>
+              <a:tr h="370840">
+                <a:tc>
+                  <a:txBody>
+                    <a:bodyPr/>
+                    <a:lstStyle/>
+                    <a:p>
+                      <a:pPr algn="ctr" rtl="1"/>
+                      <a:r>
+                        <a:rPr lang="fa-IR" sz="2000" dirty="0">
+                          <a:solidFill>
+                            <a:schemeClr val="tx1"/>
+                          </a:solidFill>
+                          <a:cs typeface="B Nazanin" panose="00000400000000000000" pitchFamily="2" charset="-78"/>
+                        </a:rPr>
+                        <a:t>...</a:t>
+                      </a:r>
+                      <a:endParaRPr lang="en-US" sz="2000" dirty="0">
+                        <a:solidFill>
+                          <a:schemeClr val="tx1"/>
+                        </a:solidFill>
+                        <a:cs typeface="B Nazanin" panose="00000400000000000000" pitchFamily="2" charset="-78"/>
+                      </a:endParaRPr>
+                    </a:p>
+                  </a:txBody>
+                  <a:tcPr/>
+                </a:tc>
+                <a:tc>
+                  <a:txBody>
+                    <a:bodyPr/>
+                    <a:lstStyle/>
+                    <a:p>
+                      <a:pPr algn="ctr" rtl="1"/>
+                      <a:r>
+                        <a:rPr lang="fa-IR" sz="2000" dirty="0">
+                          <a:solidFill>
+                            <a:schemeClr val="tx1"/>
+                          </a:solidFill>
+                          <a:cs typeface="B Nazanin" panose="00000400000000000000" pitchFamily="2" charset="-78"/>
+                        </a:rPr>
+                        <a:t>...</a:t>
+                      </a:r>
+                      <a:endParaRPr lang="en-US" sz="2000" dirty="0">
+                        <a:solidFill>
+                          <a:schemeClr val="tx1"/>
+                        </a:solidFill>
+                        <a:cs typeface="B Nazanin" panose="00000400000000000000" pitchFamily="2" charset="-78"/>
+                      </a:endParaRPr>
+                    </a:p>
+                  </a:txBody>
+                  <a:tcPr/>
+                </a:tc>
+                <a:tc>
+                  <a:txBody>
+                    <a:bodyPr/>
+                    <a:lstStyle/>
+                    <a:p>
+                      <a:pPr algn="ctr" rtl="1"/>
+                      <a:r>
+                        <a:rPr lang="fa-IR" sz="2000" dirty="0">
+                          <a:solidFill>
+                            <a:schemeClr val="tx1"/>
+                          </a:solidFill>
+                          <a:cs typeface="B Nazanin" panose="00000400000000000000" pitchFamily="2" charset="-78"/>
+                        </a:rPr>
+                        <a:t>...</a:t>
+                      </a:r>
+                      <a:endParaRPr lang="en-US" sz="2000" dirty="0">
+                        <a:solidFill>
+                          <a:schemeClr val="tx1"/>
+                        </a:solidFill>
+                        <a:cs typeface="B Nazanin" panose="00000400000000000000" pitchFamily="2" charset="-78"/>
+                      </a:endParaRPr>
+                    </a:p>
+                  </a:txBody>
+                  <a:tcPr/>
+                </a:tc>
+                <a:tc>
+                  <a:txBody>
+                    <a:bodyPr/>
+                    <a:lstStyle/>
+                    <a:p>
+                      <a:pPr algn="ctr" rtl="1"/>
+                      <a:r>
+                        <a:rPr lang="fa-IR" sz="2000" dirty="0">
+                          <a:solidFill>
+                            <a:schemeClr val="tx1"/>
+                          </a:solidFill>
+                          <a:cs typeface="B Nazanin" panose="00000400000000000000" pitchFamily="2" charset="-78"/>
+                        </a:rPr>
+                        <a:t>...</a:t>
+                      </a:r>
+                      <a:endParaRPr lang="en-US" sz="2000" dirty="0">
+                        <a:solidFill>
+                          <a:schemeClr val="tx1"/>
+                        </a:solidFill>
+                        <a:cs typeface="B Nazanin" panose="00000400000000000000" pitchFamily="2" charset="-78"/>
+                      </a:endParaRPr>
+                    </a:p>
+                  </a:txBody>
+                  <a:tcPr/>
+                </a:tc>
+                <a:tc>
+                  <a:txBody>
+                    <a:bodyPr/>
+                    <a:lstStyle/>
+                    <a:p>
+                      <a:pPr algn="ctr" rtl="1"/>
+                      <a:r>
+                        <a:rPr lang="fa-IR" sz="2000" dirty="0">
+                          <a:solidFill>
+                            <a:schemeClr val="tx1"/>
+                          </a:solidFill>
+                          <a:cs typeface="B Nazanin" panose="00000400000000000000" pitchFamily="2" charset="-78"/>
+                        </a:rPr>
+                        <a:t>...</a:t>
+                      </a:r>
+                      <a:endParaRPr lang="en-US" sz="2000" dirty="0">
+                        <a:solidFill>
+                          <a:schemeClr val="tx1"/>
+                        </a:solidFill>
+                        <a:cs typeface="B Nazanin" panose="00000400000000000000" pitchFamily="2" charset="-78"/>
+                      </a:endParaRPr>
+                    </a:p>
+                  </a:txBody>
+                  <a:tcPr/>
+                </a:tc>
+                <a:tc>
+                  <a:txBody>
+                    <a:bodyPr/>
+                    <a:lstStyle/>
+                    <a:p>
+                      <a:pPr algn="ctr" rtl="1"/>
+                      <a:r>
+                        <a:rPr lang="fa-IR" sz="2000" dirty="0">
+                          <a:solidFill>
+                            <a:schemeClr val="tx1"/>
+                          </a:solidFill>
+                          <a:cs typeface="B Nazanin" panose="00000400000000000000" pitchFamily="2" charset="-78"/>
+                        </a:rPr>
+                        <a:t>...</a:t>
+                      </a:r>
+                      <a:endParaRPr lang="en-US" sz="2000" dirty="0">
+                        <a:solidFill>
+                          <a:schemeClr val="tx1"/>
+                        </a:solidFill>
+                        <a:cs typeface="B Nazanin" panose="00000400000000000000" pitchFamily="2" charset="-78"/>
+                      </a:endParaRPr>
+                    </a:p>
+                  </a:txBody>
+                  <a:tcPr/>
+                </a:tc>
+                <a:tc>
+                  <a:txBody>
+                    <a:bodyPr/>
+                    <a:lstStyle/>
+                    <a:p>
+                      <a:pPr algn="ctr" rtl="1"/>
+                      <a:r>
+                        <a:rPr lang="fa-IR" sz="2000" dirty="0">
+                          <a:solidFill>
+                            <a:schemeClr val="tx1"/>
+                          </a:solidFill>
+                          <a:cs typeface="B Nazanin" panose="00000400000000000000" pitchFamily="2" charset="-78"/>
+                        </a:rPr>
+                        <a:t>...</a:t>
+                      </a:r>
+                      <a:endParaRPr lang="en-US" sz="2000" dirty="0">
+                        <a:solidFill>
+                          <a:schemeClr val="tx1"/>
+                        </a:solidFill>
+                        <a:cs typeface="B Nazanin" panose="00000400000000000000" pitchFamily="2" charset="-78"/>
+                      </a:endParaRPr>
+                    </a:p>
+                  </a:txBody>
+                  <a:tcPr/>
+                </a:tc>
+                <a:tc>
+                  <a:txBody>
+                    <a:bodyPr/>
+                    <a:lstStyle/>
+                    <a:p>
+                      <a:pPr algn="ctr" rtl="1"/>
+                      <a:r>
+                        <a:rPr lang="fa-IR" sz="2000" dirty="0">
+                          <a:solidFill>
+                            <a:schemeClr val="tx1"/>
+                          </a:solidFill>
+                          <a:cs typeface="B Nazanin" panose="00000400000000000000" pitchFamily="2" charset="-78"/>
+                        </a:rPr>
+                        <a:t>...</a:t>
+                      </a:r>
+                      <a:endParaRPr lang="en-US" sz="2000" dirty="0">
+                        <a:solidFill>
+                          <a:schemeClr val="tx1"/>
+                        </a:solidFill>
+                        <a:cs typeface="B Nazanin" panose="00000400000000000000" pitchFamily="2" charset="-78"/>
+                      </a:endParaRPr>
+                    </a:p>
+                  </a:txBody>
+                  <a:tcPr/>
+                </a:tc>
+                <a:extLst>
+                  <a:ext uri="{0D108BD9-81ED-4DB2-BD59-A6C34878D82A}">
+                    <a16:rowId xmlns:a16="http://schemas.microsoft.com/office/drawing/2014/main" val="3140024821"/>
+                  </a:ext>
+                </a:extLst>
+              </a:tr>
+              <a:tr h="370840">
+                <a:tc>
+                  <a:txBody>
+                    <a:bodyPr/>
+                    <a:lstStyle/>
+                    <a:p>
+                      <a:pPr algn="ctr" rtl="1"/>
+                      <a:r>
+                        <a:rPr lang="fa-IR" sz="2000" dirty="0">
+                          <a:solidFill>
+                            <a:schemeClr val="tx1"/>
+                          </a:solidFill>
+                          <a:cs typeface="B Nazanin" panose="00000400000000000000" pitchFamily="2" charset="-78"/>
+                        </a:rPr>
+                        <a:t>...</a:t>
+                      </a:r>
+                      <a:endParaRPr lang="en-US" sz="2000" dirty="0">
+                        <a:solidFill>
+                          <a:schemeClr val="tx1"/>
+                        </a:solidFill>
+                        <a:cs typeface="B Nazanin" panose="00000400000000000000" pitchFamily="2" charset="-78"/>
+                      </a:endParaRPr>
+                    </a:p>
+                  </a:txBody>
+                  <a:tcPr/>
+                </a:tc>
+                <a:tc>
+                  <a:txBody>
+                    <a:bodyPr/>
+                    <a:lstStyle/>
+                    <a:p>
+                      <a:pPr algn="ctr" rtl="1"/>
+                      <a:r>
+                        <a:rPr lang="fa-IR" sz="2000" dirty="0">
+                          <a:solidFill>
+                            <a:schemeClr val="tx1"/>
+                          </a:solidFill>
+                          <a:cs typeface="B Nazanin" panose="00000400000000000000" pitchFamily="2" charset="-78"/>
+                        </a:rPr>
+                        <a:t>...</a:t>
+                      </a:r>
+                      <a:endParaRPr lang="en-US" sz="2000" dirty="0">
+                        <a:solidFill>
+                          <a:schemeClr val="tx1"/>
+                        </a:solidFill>
+                        <a:cs typeface="B Nazanin" panose="00000400000000000000" pitchFamily="2" charset="-78"/>
+                      </a:endParaRPr>
+                    </a:p>
+                  </a:txBody>
+                  <a:tcPr/>
+                </a:tc>
+                <a:tc>
+                  <a:txBody>
+                    <a:bodyPr/>
+                    <a:lstStyle/>
+                    <a:p>
+                      <a:pPr algn="ctr" rtl="1"/>
+                      <a:r>
+                        <a:rPr lang="fa-IR" sz="2000" dirty="0">
+                          <a:solidFill>
+                            <a:schemeClr val="tx1"/>
+                          </a:solidFill>
+                          <a:cs typeface="B Nazanin" panose="00000400000000000000" pitchFamily="2" charset="-78"/>
+                        </a:rPr>
+                        <a:t>...</a:t>
+                      </a:r>
+                      <a:endParaRPr lang="en-US" sz="2000" dirty="0">
+                        <a:solidFill>
+                          <a:schemeClr val="tx1"/>
+                        </a:solidFill>
+                        <a:cs typeface="B Nazanin" panose="00000400000000000000" pitchFamily="2" charset="-78"/>
+                      </a:endParaRPr>
+                    </a:p>
+                  </a:txBody>
+                  <a:tcPr/>
+                </a:tc>
+                <a:tc>
+                  <a:txBody>
+                    <a:bodyPr/>
+                    <a:lstStyle/>
+                    <a:p>
+                      <a:pPr algn="ctr" rtl="1"/>
+                      <a:r>
+                        <a:rPr lang="fa-IR" sz="2000" dirty="0">
+                          <a:solidFill>
+                            <a:schemeClr val="tx1"/>
+                          </a:solidFill>
+                          <a:cs typeface="B Nazanin" panose="00000400000000000000" pitchFamily="2" charset="-78"/>
+                        </a:rPr>
+                        <a:t>...</a:t>
+                      </a:r>
+                      <a:endParaRPr lang="en-US" sz="2000" dirty="0">
+                        <a:solidFill>
+                          <a:schemeClr val="tx1"/>
+                        </a:solidFill>
+                        <a:cs typeface="B Nazanin" panose="00000400000000000000" pitchFamily="2" charset="-78"/>
+                      </a:endParaRPr>
+                    </a:p>
+                  </a:txBody>
+                  <a:tcPr/>
+                </a:tc>
+                <a:tc>
+                  <a:txBody>
+                    <a:bodyPr/>
+                    <a:lstStyle/>
+                    <a:p>
+                      <a:pPr algn="ctr" rtl="1"/>
+                      <a:r>
+                        <a:rPr lang="fa-IR" sz="2000" dirty="0">
+                          <a:solidFill>
+                            <a:schemeClr val="tx1"/>
+                          </a:solidFill>
+                          <a:cs typeface="B Nazanin" panose="00000400000000000000" pitchFamily="2" charset="-78"/>
+                        </a:rPr>
+                        <a:t>...</a:t>
+                      </a:r>
+                      <a:endParaRPr lang="en-US" sz="2000" dirty="0">
+                        <a:solidFill>
+                          <a:schemeClr val="tx1"/>
+                        </a:solidFill>
+                        <a:cs typeface="B Nazanin" panose="00000400000000000000" pitchFamily="2" charset="-78"/>
+                      </a:endParaRPr>
+                    </a:p>
+                  </a:txBody>
+                  <a:tcPr/>
+                </a:tc>
+                <a:tc>
+                  <a:txBody>
+                    <a:bodyPr/>
+                    <a:lstStyle/>
+                    <a:p>
+                      <a:pPr algn="ctr" rtl="1"/>
+                      <a:r>
+                        <a:rPr lang="fa-IR" sz="2000" dirty="0">
+                          <a:solidFill>
+                            <a:schemeClr val="tx1"/>
+                          </a:solidFill>
+                          <a:cs typeface="B Nazanin" panose="00000400000000000000" pitchFamily="2" charset="-78"/>
+                        </a:rPr>
+                        <a:t>...</a:t>
+                      </a:r>
+                      <a:endParaRPr lang="en-US" sz="2000" dirty="0">
+                        <a:solidFill>
+                          <a:schemeClr val="tx1"/>
+                        </a:solidFill>
+                        <a:cs typeface="B Nazanin" panose="00000400000000000000" pitchFamily="2" charset="-78"/>
+                      </a:endParaRPr>
+                    </a:p>
+                  </a:txBody>
+                  <a:tcPr/>
+                </a:tc>
+                <a:tc>
+                  <a:txBody>
+                    <a:bodyPr/>
+                    <a:lstStyle/>
+                    <a:p>
+                      <a:pPr algn="ctr" rtl="1"/>
+                      <a:r>
+                        <a:rPr lang="fa-IR" sz="2000" dirty="0">
+                          <a:solidFill>
+                            <a:schemeClr val="tx1"/>
+                          </a:solidFill>
+                          <a:cs typeface="B Nazanin" panose="00000400000000000000" pitchFamily="2" charset="-78"/>
+                        </a:rPr>
+                        <a:t>...</a:t>
+                      </a:r>
+                      <a:endParaRPr lang="en-US" sz="2000" dirty="0">
+                        <a:solidFill>
+                          <a:schemeClr val="tx1"/>
+                        </a:solidFill>
+                        <a:cs typeface="B Nazanin" panose="00000400000000000000" pitchFamily="2" charset="-78"/>
+                      </a:endParaRPr>
+                    </a:p>
+                  </a:txBody>
+                  <a:tcPr/>
+                </a:tc>
+                <a:tc>
+                  <a:txBody>
+                    <a:bodyPr/>
+                    <a:lstStyle/>
+                    <a:p>
+                      <a:pPr algn="ctr" rtl="1"/>
+                      <a:r>
+                        <a:rPr lang="fa-IR" sz="2000" dirty="0">
+                          <a:solidFill>
+                            <a:schemeClr val="tx1"/>
+                          </a:solidFill>
+                          <a:cs typeface="B Nazanin" panose="00000400000000000000" pitchFamily="2" charset="-78"/>
+                        </a:rPr>
+                        <a:t>...</a:t>
+                      </a:r>
+                      <a:endParaRPr lang="en-US" sz="2000" dirty="0">
+                        <a:solidFill>
+                          <a:schemeClr val="tx1"/>
+                        </a:solidFill>
+                        <a:cs typeface="B Nazanin" panose="00000400000000000000" pitchFamily="2" charset="-78"/>
+                      </a:endParaRPr>
+                    </a:p>
+                  </a:txBody>
+                  <a:tcPr/>
+                </a:tc>
+                <a:extLst>
+                  <a:ext uri="{0D108BD9-81ED-4DB2-BD59-A6C34878D82A}">
+                    <a16:rowId xmlns:a16="http://schemas.microsoft.com/office/drawing/2014/main" val="999550783"/>
+                  </a:ext>
+                </a:extLst>
+              </a:tr>
+              <a:tr h="370840">
+                <a:tc>
+                  <a:txBody>
+                    <a:bodyPr/>
+                    <a:lstStyle/>
+                    <a:p>
+                      <a:pPr algn="ctr" rtl="1"/>
+                      <a:r>
+                        <a:rPr lang="fa-IR" sz="2000" dirty="0">
+                          <a:solidFill>
+                            <a:schemeClr val="tx1"/>
+                          </a:solidFill>
+                          <a:cs typeface="B Nazanin" panose="00000400000000000000" pitchFamily="2" charset="-78"/>
+                        </a:rPr>
+                        <a:t>...</a:t>
+                      </a:r>
+                      <a:endParaRPr lang="en-US" sz="2000" dirty="0">
+                        <a:solidFill>
+                          <a:schemeClr val="tx1"/>
+                        </a:solidFill>
+                        <a:cs typeface="B Nazanin" panose="00000400000000000000" pitchFamily="2" charset="-78"/>
+                      </a:endParaRPr>
+                    </a:p>
+                  </a:txBody>
+                  <a:tcPr/>
+                </a:tc>
+                <a:tc>
+                  <a:txBody>
+                    <a:bodyPr/>
+                    <a:lstStyle/>
+                    <a:p>
+                      <a:pPr algn="ctr" rtl="1"/>
+                      <a:r>
+                        <a:rPr lang="fa-IR" sz="2000" dirty="0">
+                          <a:solidFill>
+                            <a:schemeClr val="tx1"/>
+                          </a:solidFill>
+                          <a:cs typeface="B Nazanin" panose="00000400000000000000" pitchFamily="2" charset="-78"/>
+                        </a:rPr>
+                        <a:t>...</a:t>
+                      </a:r>
+                      <a:endParaRPr lang="en-US" sz="2000" dirty="0">
+                        <a:solidFill>
+                          <a:schemeClr val="tx1"/>
+                        </a:solidFill>
+                        <a:cs typeface="B Nazanin" panose="00000400000000000000" pitchFamily="2" charset="-78"/>
+                      </a:endParaRPr>
+                    </a:p>
+                  </a:txBody>
+                  <a:tcPr/>
+                </a:tc>
+                <a:tc>
+                  <a:txBody>
+                    <a:bodyPr/>
+                    <a:lstStyle/>
+                    <a:p>
+                      <a:pPr algn="ctr" rtl="1"/>
+                      <a:r>
+                        <a:rPr lang="fa-IR" sz="2000" dirty="0">
+                          <a:solidFill>
+                            <a:schemeClr val="tx1"/>
+                          </a:solidFill>
+                          <a:cs typeface="B Nazanin" panose="00000400000000000000" pitchFamily="2" charset="-78"/>
+                        </a:rPr>
+                        <a:t>...</a:t>
+                      </a:r>
+                      <a:endParaRPr lang="en-US" sz="2000" dirty="0">
+                        <a:solidFill>
+                          <a:schemeClr val="tx1"/>
+                        </a:solidFill>
+                        <a:cs typeface="B Nazanin" panose="00000400000000000000" pitchFamily="2" charset="-78"/>
+                      </a:endParaRPr>
+                    </a:p>
+                  </a:txBody>
+                  <a:tcPr/>
+                </a:tc>
+                <a:tc>
+                  <a:txBody>
+                    <a:bodyPr/>
+                    <a:lstStyle/>
+                    <a:p>
+                      <a:pPr algn="ctr" rtl="1"/>
+                      <a:r>
+                        <a:rPr lang="fa-IR" sz="2000" dirty="0">
+                          <a:solidFill>
+                            <a:schemeClr val="tx1"/>
+                          </a:solidFill>
+                          <a:cs typeface="B Nazanin" panose="00000400000000000000" pitchFamily="2" charset="-78"/>
+                        </a:rPr>
+                        <a:t>...</a:t>
+                      </a:r>
+                      <a:endParaRPr lang="en-US" sz="2000" dirty="0">
+                        <a:solidFill>
+                          <a:schemeClr val="tx1"/>
+                        </a:solidFill>
+                        <a:cs typeface="B Nazanin" panose="00000400000000000000" pitchFamily="2" charset="-78"/>
+                      </a:endParaRPr>
+                    </a:p>
+                  </a:txBody>
+                  <a:tcPr/>
+                </a:tc>
+                <a:tc>
+                  <a:txBody>
+                    <a:bodyPr/>
+                    <a:lstStyle/>
+                    <a:p>
+                      <a:pPr algn="ctr" rtl="1"/>
+                      <a:r>
+                        <a:rPr lang="fa-IR" sz="2000" dirty="0">
+                          <a:solidFill>
+                            <a:schemeClr val="tx1"/>
+                          </a:solidFill>
+                          <a:cs typeface="B Nazanin" panose="00000400000000000000" pitchFamily="2" charset="-78"/>
+                        </a:rPr>
+                        <a:t>...</a:t>
+                      </a:r>
+                      <a:endParaRPr lang="en-US" sz="2000" dirty="0">
+                        <a:solidFill>
+                          <a:schemeClr val="tx1"/>
+                        </a:solidFill>
+                        <a:cs typeface="B Nazanin" panose="00000400000000000000" pitchFamily="2" charset="-78"/>
+                      </a:endParaRPr>
+                    </a:p>
+                  </a:txBody>
+                  <a:tcPr/>
+                </a:tc>
+                <a:tc>
+                  <a:txBody>
+                    <a:bodyPr/>
+                    <a:lstStyle/>
+                    <a:p>
+                      <a:pPr algn="ctr" rtl="1"/>
+                      <a:r>
+                        <a:rPr lang="fa-IR" sz="2000" dirty="0">
+                          <a:solidFill>
+                            <a:schemeClr val="tx1"/>
+                          </a:solidFill>
+                          <a:cs typeface="B Nazanin" panose="00000400000000000000" pitchFamily="2" charset="-78"/>
+                        </a:rPr>
+                        <a:t>...</a:t>
+                      </a:r>
+                      <a:endParaRPr lang="en-US" sz="2000" dirty="0">
+                        <a:solidFill>
+                          <a:schemeClr val="tx1"/>
+                        </a:solidFill>
+                        <a:cs typeface="B Nazanin" panose="00000400000000000000" pitchFamily="2" charset="-78"/>
+                      </a:endParaRPr>
+                    </a:p>
+                  </a:txBody>
+                  <a:tcPr/>
+                </a:tc>
+                <a:tc>
+                  <a:txBody>
+                    <a:bodyPr/>
+                    <a:lstStyle/>
+                    <a:p>
+                      <a:pPr algn="ctr" rtl="1"/>
+                      <a:r>
+                        <a:rPr lang="fa-IR" sz="2000" dirty="0">
+                          <a:solidFill>
+                            <a:schemeClr val="tx1"/>
+                          </a:solidFill>
+                          <a:cs typeface="B Nazanin" panose="00000400000000000000" pitchFamily="2" charset="-78"/>
+                        </a:rPr>
+                        <a:t>...</a:t>
+                      </a:r>
+                      <a:endParaRPr lang="en-US" sz="2000" dirty="0">
+                        <a:solidFill>
+                          <a:schemeClr val="tx1"/>
+                        </a:solidFill>
+                        <a:cs typeface="B Nazanin" panose="00000400000000000000" pitchFamily="2" charset="-78"/>
+                      </a:endParaRPr>
+                    </a:p>
+                  </a:txBody>
+                  <a:tcPr/>
+                </a:tc>
+                <a:tc>
+                  <a:txBody>
+                    <a:bodyPr/>
+                    <a:lstStyle/>
+                    <a:p>
+                      <a:pPr algn="ctr" rtl="1"/>
+                      <a:r>
+                        <a:rPr lang="fa-IR" sz="2000" dirty="0">
+                          <a:solidFill>
+                            <a:schemeClr val="tx1"/>
+                          </a:solidFill>
+                          <a:cs typeface="B Nazanin" panose="00000400000000000000" pitchFamily="2" charset="-78"/>
+                        </a:rPr>
+                        <a:t>...</a:t>
+                      </a:r>
+                      <a:endParaRPr lang="en-US" sz="2000" dirty="0">
+                        <a:solidFill>
+                          <a:schemeClr val="tx1"/>
+                        </a:solidFill>
+                        <a:cs typeface="B Nazanin" panose="00000400000000000000" pitchFamily="2" charset="-78"/>
+                      </a:endParaRPr>
+                    </a:p>
+                  </a:txBody>
+                  <a:tcPr/>
+                </a:tc>
+                <a:extLst>
+                  <a:ext uri="{0D108BD9-81ED-4DB2-BD59-A6C34878D82A}">
+                    <a16:rowId xmlns:a16="http://schemas.microsoft.com/office/drawing/2014/main" val="3095720900"/>
+                  </a:ext>
+                </a:extLst>
+              </a:tr>
+            </a:tbl>
+          </a:graphicData>
+        </a:graphic>
+      </p:graphicFrame>
+    </p:spTree>
+    <p:extLst>
+      <p:ext uri="{BB962C8B-B14F-4D97-AF65-F5344CB8AC3E}">
+        <p14:creationId xmlns:p14="http://schemas.microsoft.com/office/powerpoint/2010/main" val="3488935297"/>
+      </p:ext>
+    </p:extLst>
+  </p:cSld>
+  <p:clrMapOvr>
+    <a:masterClrMapping/>
+  </p:clrMapOvr>
+</p:sld>
+</file>
+
+<file path=ppt/slides/slide3.xml><?xml version="1.0" encoding="utf-8"?>
 <p:sld xmlns:a="http://schemas.openxmlformats.org/drawingml/2006/main" xmlns:r="http://schemas.openxmlformats.org/officeDocument/2006/relationships" xmlns:p="http://schemas.openxmlformats.org/presentationml/2006/main">
   <p:cSld>
     <p:bg>
@@ -18231,7 +15858,7 @@
 </p:sld>
 </file>
 
-<file path=ppt/slides/slide6.xml><?xml version="1.0" encoding="utf-8"?>
+<file path=ppt/slides/slide4.xml><?xml version="1.0" encoding="utf-8"?>
 <p:sld xmlns:a="http://schemas.openxmlformats.org/drawingml/2006/main" xmlns:r="http://schemas.openxmlformats.org/officeDocument/2006/relationships" xmlns:p="http://schemas.openxmlformats.org/presentationml/2006/main">
   <p:cSld>
     <p:bg>
@@ -18534,7 +16161,7 @@
 </p:sld>
 </file>
 
-<file path=ppt/slides/slide7.xml><?xml version="1.0" encoding="utf-8"?>
+<file path=ppt/slides/slide5.xml><?xml version="1.0" encoding="utf-8"?>
 <p:sld xmlns:a="http://schemas.openxmlformats.org/drawingml/2006/main" xmlns:r="http://schemas.openxmlformats.org/officeDocument/2006/relationships" xmlns:p="http://schemas.openxmlformats.org/presentationml/2006/main">
   <p:cSld>
     <p:bg>
@@ -19231,7 +16858,7 @@
 </p:sld>
 </file>
 
-<file path=ppt/slides/slide8.xml><?xml version="1.0" encoding="utf-8"?>
+<file path=ppt/slides/slide6.xml><?xml version="1.0" encoding="utf-8"?>
 <p:sld xmlns:a="http://schemas.openxmlformats.org/drawingml/2006/main" xmlns:r="http://schemas.openxmlformats.org/officeDocument/2006/relationships" xmlns:p="http://schemas.openxmlformats.org/presentationml/2006/main">
   <p:cSld>
     <p:bg>
@@ -20117,7 +17744,7 @@
 </p:sld>
 </file>
 
-<file path=ppt/slides/slide9.xml><?xml version="1.0" encoding="utf-8"?>
+<file path=ppt/slides/slide7.xml><?xml version="1.0" encoding="utf-8"?>
 <p:sld xmlns:a="http://schemas.openxmlformats.org/drawingml/2006/main" xmlns:r="http://schemas.openxmlformats.org/officeDocument/2006/relationships" xmlns:p="http://schemas.openxmlformats.org/presentationml/2006/main">
   <p:cSld>
     <p:bg>
@@ -20911,6 +18538,1915 @@
     <p:extLst>
       <p:ext uri="{BB962C8B-B14F-4D97-AF65-F5344CB8AC3E}">
         <p14:creationId xmlns:p14="http://schemas.microsoft.com/office/powerpoint/2010/main" val="3520450133"/>
+      </p:ext>
+    </p:extLst>
+  </p:cSld>
+  <p:clrMapOvr>
+    <a:masterClrMapping/>
+  </p:clrMapOvr>
+</p:sld>
+</file>
+
+<file path=ppt/slides/slide8.xml><?xml version="1.0" encoding="utf-8"?>
+<p:sld xmlns:a="http://schemas.openxmlformats.org/drawingml/2006/main" xmlns:r="http://schemas.openxmlformats.org/officeDocument/2006/relationships" xmlns:p="http://schemas.openxmlformats.org/presentationml/2006/main">
+  <p:cSld>
+    <p:bg>
+      <p:bgPr>
+        <a:solidFill>
+          <a:schemeClr val="bg1">
+            <a:lumMod val="95000"/>
+          </a:schemeClr>
+        </a:solidFill>
+        <a:effectLst/>
+      </p:bgPr>
+    </p:bg>
+    <p:spTree>
+      <p:nvGrpSpPr>
+        <p:cNvPr id="1" name=""/>
+        <p:cNvGrpSpPr/>
+        <p:nvPr/>
+      </p:nvGrpSpPr>
+      <p:grpSpPr>
+        <a:xfrm>
+          <a:off x="0" y="0"/>
+          <a:ext cx="0" cy="0"/>
+          <a:chOff x="0" y="0"/>
+          <a:chExt cx="0" cy="0"/>
+        </a:xfrm>
+      </p:grpSpPr>
+      <p:sp>
+        <p:nvSpPr>
+          <p:cNvPr id="2" name="TextBox 1">
+            <a:extLst>
+              <a:ext uri="{FF2B5EF4-FFF2-40B4-BE49-F238E27FC236}">
+                <a16:creationId xmlns:a16="http://schemas.microsoft.com/office/drawing/2014/main" id="{CCCE14DF-8D59-BFB9-FF76-45C8382CFEEB}"/>
+              </a:ext>
+            </a:extLst>
+          </p:cNvPr>
+          <p:cNvSpPr txBox="1"/>
+          <p:nvPr/>
+        </p:nvSpPr>
+        <p:spPr>
+          <a:xfrm>
+            <a:off x="9311426" y="150513"/>
+            <a:ext cx="2640169" cy="523220"/>
+          </a:xfrm>
+          <a:prstGeom prst="rect">
+            <a:avLst/>
+          </a:prstGeom>
+          <a:noFill/>
+        </p:spPr>
+        <p:txBody>
+          <a:bodyPr wrap="square" rtlCol="0">
+            <a:spAutoFit/>
+          </a:bodyPr>
+          <a:lstStyle/>
+          <a:p>
+            <a:pPr algn="r" rtl="1"/>
+            <a:r>
+              <a:rPr lang="fa-IR" sz="2800" u="sng" dirty="0">
+                <a:cs typeface="B Nazanin" panose="00000400000000000000" pitchFamily="2" charset="-78"/>
+              </a:rPr>
+              <a:t>نتیجه‌ی جست و جو</a:t>
+            </a:r>
+            <a:endParaRPr lang="en-US" sz="2800" u="sng" dirty="0">
+              <a:cs typeface="B Nazanin" panose="00000400000000000000" pitchFamily="2" charset="-78"/>
+            </a:endParaRPr>
+          </a:p>
+        </p:txBody>
+      </p:sp>
+      <p:graphicFrame>
+        <p:nvGraphicFramePr>
+          <p:cNvPr id="3" name="Table 3">
+            <a:extLst>
+              <a:ext uri="{FF2B5EF4-FFF2-40B4-BE49-F238E27FC236}">
+                <a16:creationId xmlns:a16="http://schemas.microsoft.com/office/drawing/2014/main" id="{2A05DD72-5594-F920-73C0-C286EA0421B4}"/>
+              </a:ext>
+            </a:extLst>
+          </p:cNvPr>
+          <p:cNvGraphicFramePr>
+            <a:graphicFrameLocks noGrp="1"/>
+          </p:cNvGraphicFramePr>
+          <p:nvPr>
+            <p:extLst>
+              <p:ext uri="{D42A27DB-BD31-4B8C-83A1-F6EECF244321}">
+                <p14:modId xmlns:p14="http://schemas.microsoft.com/office/powerpoint/2010/main" val="2842567531"/>
+              </p:ext>
+            </p:extLst>
+          </p:nvPr>
+        </p:nvGraphicFramePr>
+        <p:xfrm>
+          <a:off x="287627" y="1229718"/>
+          <a:ext cx="11663964" cy="2987040"/>
+        </p:xfrm>
+        <a:graphic>
+          <a:graphicData uri="http://schemas.openxmlformats.org/drawingml/2006/table">
+            <a:tbl>
+              <a:tblPr bandRow="1">
+                <a:tableStyleId>{9D7B26C5-4107-4FEC-AEDC-1716B250A1EF}</a:tableStyleId>
+              </a:tblPr>
+              <a:tblGrid>
+                <a:gridCol w="1295996">
+                  <a:extLst>
+                    <a:ext uri="{9D8B030D-6E8A-4147-A177-3AD203B41FA5}">
+                      <a16:colId xmlns:a16="http://schemas.microsoft.com/office/drawing/2014/main" val="940389189"/>
+                    </a:ext>
+                  </a:extLst>
+                </a:gridCol>
+                <a:gridCol w="1295996">
+                  <a:extLst>
+                    <a:ext uri="{9D8B030D-6E8A-4147-A177-3AD203B41FA5}">
+                      <a16:colId xmlns:a16="http://schemas.microsoft.com/office/drawing/2014/main" val="733393825"/>
+                    </a:ext>
+                  </a:extLst>
+                </a:gridCol>
+                <a:gridCol w="1295996">
+                  <a:extLst>
+                    <a:ext uri="{9D8B030D-6E8A-4147-A177-3AD203B41FA5}">
+                      <a16:colId xmlns:a16="http://schemas.microsoft.com/office/drawing/2014/main" val="1086161759"/>
+                    </a:ext>
+                  </a:extLst>
+                </a:gridCol>
+                <a:gridCol w="1295996">
+                  <a:extLst>
+                    <a:ext uri="{9D8B030D-6E8A-4147-A177-3AD203B41FA5}">
+                      <a16:colId xmlns:a16="http://schemas.microsoft.com/office/drawing/2014/main" val="3122963598"/>
+                    </a:ext>
+                  </a:extLst>
+                </a:gridCol>
+                <a:gridCol w="1295996">
+                  <a:extLst>
+                    <a:ext uri="{9D8B030D-6E8A-4147-A177-3AD203B41FA5}">
+                      <a16:colId xmlns:a16="http://schemas.microsoft.com/office/drawing/2014/main" val="568152510"/>
+                    </a:ext>
+                  </a:extLst>
+                </a:gridCol>
+                <a:gridCol w="1295996">
+                  <a:extLst>
+                    <a:ext uri="{9D8B030D-6E8A-4147-A177-3AD203B41FA5}">
+                      <a16:colId xmlns:a16="http://schemas.microsoft.com/office/drawing/2014/main" val="3235845119"/>
+                    </a:ext>
+                  </a:extLst>
+                </a:gridCol>
+                <a:gridCol w="1295996">
+                  <a:extLst>
+                    <a:ext uri="{9D8B030D-6E8A-4147-A177-3AD203B41FA5}">
+                      <a16:colId xmlns:a16="http://schemas.microsoft.com/office/drawing/2014/main" val="1640727072"/>
+                    </a:ext>
+                  </a:extLst>
+                </a:gridCol>
+                <a:gridCol w="1295996">
+                  <a:extLst>
+                    <a:ext uri="{9D8B030D-6E8A-4147-A177-3AD203B41FA5}">
+                      <a16:colId xmlns:a16="http://schemas.microsoft.com/office/drawing/2014/main" val="1543866031"/>
+                    </a:ext>
+                  </a:extLst>
+                </a:gridCol>
+                <a:gridCol w="1295996">
+                  <a:extLst>
+                    <a:ext uri="{9D8B030D-6E8A-4147-A177-3AD203B41FA5}">
+                      <a16:colId xmlns:a16="http://schemas.microsoft.com/office/drawing/2014/main" val="3770447038"/>
+                    </a:ext>
+                  </a:extLst>
+                </a:gridCol>
+              </a:tblGrid>
+              <a:tr h="370840">
+                <a:tc>
+                  <a:txBody>
+                    <a:bodyPr/>
+                    <a:lstStyle/>
+                    <a:p>
+                      <a:pPr algn="ctr" rtl="1"/>
+                      <a:r>
+                        <a:rPr lang="fa-IR" sz="2000" dirty="0">
+                          <a:cs typeface="B Nazanin" panose="00000400000000000000" pitchFamily="2" charset="-78"/>
+                        </a:rPr>
+                        <a:t>دانشکده</a:t>
+                      </a:r>
+                      <a:endParaRPr lang="en-US" sz="2000" dirty="0">
+                        <a:cs typeface="B Nazanin" panose="00000400000000000000" pitchFamily="2" charset="-78"/>
+                      </a:endParaRPr>
+                    </a:p>
+                  </a:txBody>
+                  <a:tcPr/>
+                </a:tc>
+                <a:tc>
+                  <a:txBody>
+                    <a:bodyPr/>
+                    <a:lstStyle/>
+                    <a:p>
+                      <a:pPr algn="ctr" rtl="1"/>
+                      <a:r>
+                        <a:rPr lang="fa-IR" sz="2000" dirty="0">
+                          <a:cs typeface="B Nazanin" panose="00000400000000000000" pitchFamily="2" charset="-78"/>
+                        </a:rPr>
+                        <a:t>شماره قفسه</a:t>
+                      </a:r>
+                      <a:endParaRPr lang="en-US" sz="2000" dirty="0">
+                        <a:cs typeface="B Nazanin" panose="00000400000000000000" pitchFamily="2" charset="-78"/>
+                      </a:endParaRPr>
+                    </a:p>
+                  </a:txBody>
+                  <a:tcPr/>
+                </a:tc>
+                <a:tc>
+                  <a:txBody>
+                    <a:bodyPr/>
+                    <a:lstStyle/>
+                    <a:p>
+                      <a:pPr algn="ctr" rtl="1"/>
+                      <a:r>
+                        <a:rPr lang="fa-IR" sz="2000" dirty="0">
+                          <a:cs typeface="B Nazanin" panose="00000400000000000000" pitchFamily="2" charset="-78"/>
+                        </a:rPr>
+                        <a:t>دسته بندی</a:t>
+                      </a:r>
+                      <a:endParaRPr lang="en-US" sz="2000" dirty="0">
+                        <a:cs typeface="B Nazanin" panose="00000400000000000000" pitchFamily="2" charset="-78"/>
+                      </a:endParaRPr>
+                    </a:p>
+                  </a:txBody>
+                  <a:tcPr/>
+                </a:tc>
+                <a:tc>
+                  <a:txBody>
+                    <a:bodyPr/>
+                    <a:lstStyle/>
+                    <a:p>
+                      <a:pPr algn="ctr" rtl="1"/>
+                      <a:r>
+                        <a:rPr lang="fa-IR" sz="2000" dirty="0">
+                          <a:cs typeface="B Nazanin" panose="00000400000000000000" pitchFamily="2" charset="-78"/>
+                        </a:rPr>
+                        <a:t>سال نشر</a:t>
+                      </a:r>
+                      <a:endParaRPr lang="en-US" sz="2000" dirty="0">
+                        <a:cs typeface="B Nazanin" panose="00000400000000000000" pitchFamily="2" charset="-78"/>
+                      </a:endParaRPr>
+                    </a:p>
+                  </a:txBody>
+                  <a:tcPr/>
+                </a:tc>
+                <a:tc>
+                  <a:txBody>
+                    <a:bodyPr/>
+                    <a:lstStyle/>
+                    <a:p>
+                      <a:pPr algn="ctr" rtl="1"/>
+                      <a:r>
+                        <a:rPr lang="fa-IR" sz="2000" dirty="0">
+                          <a:cs typeface="B Nazanin" panose="00000400000000000000" pitchFamily="2" charset="-78"/>
+                        </a:rPr>
+                        <a:t>ناشر</a:t>
+                      </a:r>
+                      <a:endParaRPr lang="en-US" sz="2000" dirty="0">
+                        <a:cs typeface="B Nazanin" panose="00000400000000000000" pitchFamily="2" charset="-78"/>
+                      </a:endParaRPr>
+                    </a:p>
+                  </a:txBody>
+                  <a:tcPr/>
+                </a:tc>
+                <a:tc>
+                  <a:txBody>
+                    <a:bodyPr/>
+                    <a:lstStyle/>
+                    <a:p>
+                      <a:pPr algn="ctr" rtl="1"/>
+                      <a:r>
+                        <a:rPr lang="fa-IR" sz="2000" dirty="0">
+                          <a:cs typeface="B Nazanin" panose="00000400000000000000" pitchFamily="2" charset="-78"/>
+                        </a:rPr>
+                        <a:t>نام نویسنده</a:t>
+                      </a:r>
+                      <a:endParaRPr lang="en-US" sz="2000" dirty="0">
+                        <a:cs typeface="B Nazanin" panose="00000400000000000000" pitchFamily="2" charset="-78"/>
+                      </a:endParaRPr>
+                    </a:p>
+                  </a:txBody>
+                  <a:tcPr/>
+                </a:tc>
+                <a:tc>
+                  <a:txBody>
+                    <a:bodyPr/>
+                    <a:lstStyle/>
+                    <a:p>
+                      <a:pPr algn="ctr" rtl="1"/>
+                      <a:r>
+                        <a:rPr lang="fa-IR" sz="2000" dirty="0">
+                          <a:cs typeface="B Nazanin" panose="00000400000000000000" pitchFamily="2" charset="-78"/>
+                        </a:rPr>
+                        <a:t>نام کتاب</a:t>
+                      </a:r>
+                      <a:endParaRPr lang="en-US" sz="2000" dirty="0">
+                        <a:cs typeface="B Nazanin" panose="00000400000000000000" pitchFamily="2" charset="-78"/>
+                      </a:endParaRPr>
+                    </a:p>
+                  </a:txBody>
+                  <a:tcPr/>
+                </a:tc>
+                <a:tc>
+                  <a:txBody>
+                    <a:bodyPr/>
+                    <a:lstStyle/>
+                    <a:p>
+                      <a:pPr algn="ctr" rtl="1"/>
+                      <a:r>
+                        <a:rPr lang="fa-IR" sz="2000" dirty="0">
+                          <a:cs typeface="B Nazanin" panose="00000400000000000000" pitchFamily="2" charset="-78"/>
+                        </a:rPr>
+                        <a:t>شناسه کتاب</a:t>
+                      </a:r>
+                      <a:endParaRPr lang="en-US" sz="2000" dirty="0">
+                        <a:cs typeface="B Nazanin" panose="00000400000000000000" pitchFamily="2" charset="-78"/>
+                      </a:endParaRPr>
+                    </a:p>
+                  </a:txBody>
+                  <a:tcPr/>
+                </a:tc>
+                <a:tc>
+                  <a:txBody>
+                    <a:bodyPr/>
+                    <a:lstStyle/>
+                    <a:p>
+                      <a:pPr algn="ctr" rtl="1"/>
+                      <a:r>
+                        <a:rPr lang="fa-IR" sz="2000" dirty="0">
+                          <a:cs typeface="B Nazanin" panose="00000400000000000000" pitchFamily="2" charset="-78"/>
+                        </a:rPr>
+                        <a:t>کد کتاب</a:t>
+                      </a:r>
+                      <a:endParaRPr lang="en-US" sz="2000" dirty="0">
+                        <a:cs typeface="B Nazanin" panose="00000400000000000000" pitchFamily="2" charset="-78"/>
+                      </a:endParaRPr>
+                    </a:p>
+                  </a:txBody>
+                  <a:tcPr/>
+                </a:tc>
+                <a:extLst>
+                  <a:ext uri="{0D108BD9-81ED-4DB2-BD59-A6C34878D82A}">
+                    <a16:rowId xmlns:a16="http://schemas.microsoft.com/office/drawing/2014/main" val="2238029062"/>
+                  </a:ext>
+                </a:extLst>
+              </a:tr>
+              <a:tr h="370840">
+                <a:tc>
+                  <a:txBody>
+                    <a:bodyPr/>
+                    <a:lstStyle/>
+                    <a:p>
+                      <a:pPr algn="ctr" rtl="1"/>
+                      <a:r>
+                        <a:rPr lang="fa-IR" sz="2000" dirty="0">
+                          <a:cs typeface="B Nazanin" panose="00000400000000000000" pitchFamily="2" charset="-78"/>
+                        </a:rPr>
+                        <a:t>برق و کامپیوتر</a:t>
+                      </a:r>
+                      <a:endParaRPr lang="en-US" sz="2000" dirty="0">
+                        <a:cs typeface="B Nazanin" panose="00000400000000000000" pitchFamily="2" charset="-78"/>
+                      </a:endParaRPr>
+                    </a:p>
+                  </a:txBody>
+                  <a:tcPr/>
+                </a:tc>
+                <a:tc>
+                  <a:txBody>
+                    <a:bodyPr/>
+                    <a:lstStyle/>
+                    <a:p>
+                      <a:pPr algn="ctr" rtl="1"/>
+                      <a:r>
+                        <a:rPr lang="fa-IR" sz="2000" dirty="0">
+                          <a:cs typeface="B Nazanin" panose="00000400000000000000" pitchFamily="2" charset="-78"/>
+                        </a:rPr>
+                        <a:t>5</a:t>
+                      </a:r>
+                      <a:endParaRPr lang="en-US" sz="2000" dirty="0">
+                        <a:cs typeface="B Nazanin" panose="00000400000000000000" pitchFamily="2" charset="-78"/>
+                      </a:endParaRPr>
+                    </a:p>
+                  </a:txBody>
+                  <a:tcPr/>
+                </a:tc>
+                <a:tc>
+                  <a:txBody>
+                    <a:bodyPr/>
+                    <a:lstStyle/>
+                    <a:p>
+                      <a:pPr algn="ctr" rtl="1"/>
+                      <a:r>
+                        <a:rPr lang="fa-IR" sz="2000" dirty="0">
+                          <a:cs typeface="B Nazanin" panose="00000400000000000000" pitchFamily="2" charset="-78"/>
+                        </a:rPr>
+                        <a:t>کامپیوتر</a:t>
+                      </a:r>
+                      <a:endParaRPr lang="en-US" sz="2000" dirty="0">
+                        <a:cs typeface="B Nazanin" panose="00000400000000000000" pitchFamily="2" charset="-78"/>
+                      </a:endParaRPr>
+                    </a:p>
+                  </a:txBody>
+                  <a:tcPr/>
+                </a:tc>
+                <a:tc>
+                  <a:txBody>
+                    <a:bodyPr/>
+                    <a:lstStyle/>
+                    <a:p>
+                      <a:pPr algn="ctr" rtl="1"/>
+                      <a:r>
+                        <a:rPr lang="fa-IR" sz="2000" dirty="0">
+                          <a:cs typeface="B Nazanin" panose="00000400000000000000" pitchFamily="2" charset="-78"/>
+                        </a:rPr>
+                        <a:t>1390</a:t>
+                      </a:r>
+                      <a:endParaRPr lang="en-US" sz="2000" dirty="0">
+                        <a:cs typeface="B Nazanin" panose="00000400000000000000" pitchFamily="2" charset="-78"/>
+                      </a:endParaRPr>
+                    </a:p>
+                  </a:txBody>
+                  <a:tcPr/>
+                </a:tc>
+                <a:tc>
+                  <a:txBody>
+                    <a:bodyPr/>
+                    <a:lstStyle/>
+                    <a:p>
+                      <a:pPr algn="ctr" rtl="1"/>
+                      <a:r>
+                        <a:rPr lang="fa-IR" sz="2000" dirty="0">
+                          <a:cs typeface="B Nazanin" panose="00000400000000000000" pitchFamily="2" charset="-78"/>
+                        </a:rPr>
+                        <a:t>صدف</a:t>
+                      </a:r>
+                      <a:endParaRPr lang="en-US" sz="2000" dirty="0">
+                        <a:cs typeface="B Nazanin" panose="00000400000000000000" pitchFamily="2" charset="-78"/>
+                      </a:endParaRPr>
+                    </a:p>
+                  </a:txBody>
+                  <a:tcPr/>
+                </a:tc>
+                <a:tc>
+                  <a:txBody>
+                    <a:bodyPr/>
+                    <a:lstStyle/>
+                    <a:p>
+                      <a:pPr algn="ctr" rtl="1"/>
+                      <a:r>
+                        <a:rPr lang="fa-IR" sz="2000" dirty="0">
+                          <a:cs typeface="B Nazanin" panose="00000400000000000000" pitchFamily="2" charset="-78"/>
+                        </a:rPr>
+                        <a:t>امیر محمدی، ...</a:t>
+                      </a:r>
+                      <a:endParaRPr lang="en-US" sz="2000" dirty="0">
+                        <a:cs typeface="B Nazanin" panose="00000400000000000000" pitchFamily="2" charset="-78"/>
+                      </a:endParaRPr>
+                    </a:p>
+                  </a:txBody>
+                  <a:tcPr/>
+                </a:tc>
+                <a:tc>
+                  <a:txBody>
+                    <a:bodyPr/>
+                    <a:lstStyle/>
+                    <a:p>
+                      <a:pPr algn="ctr" rtl="1"/>
+                      <a:r>
+                        <a:rPr lang="fa-IR" sz="2000" dirty="0">
+                          <a:cs typeface="B Nazanin" panose="00000400000000000000" pitchFamily="2" charset="-78"/>
+                        </a:rPr>
+                        <a:t>برنامه نویسی </a:t>
+                      </a:r>
+                      <a:r>
+                        <a:rPr lang="en-US" sz="2000" dirty="0">
+                          <a:cs typeface="B Nazanin" panose="00000400000000000000" pitchFamily="2" charset="-78"/>
+                        </a:rPr>
+                        <a:t>C</a:t>
+                      </a:r>
+                    </a:p>
+                  </a:txBody>
+                  <a:tcPr/>
+                </a:tc>
+                <a:tc>
+                  <a:txBody>
+                    <a:bodyPr/>
+                    <a:lstStyle/>
+                    <a:p>
+                      <a:pPr algn="ctr" rtl="1"/>
+                      <a:r>
+                        <a:rPr lang="fa-IR" sz="2000" dirty="0">
+                          <a:cs typeface="B Nazanin" panose="00000400000000000000" pitchFamily="2" charset="-78"/>
+                        </a:rPr>
+                        <a:t>20356789</a:t>
+                      </a:r>
+                      <a:endParaRPr lang="en-US" sz="2000" dirty="0">
+                        <a:cs typeface="B Nazanin" panose="00000400000000000000" pitchFamily="2" charset="-78"/>
+                      </a:endParaRPr>
+                    </a:p>
+                  </a:txBody>
+                  <a:tcPr/>
+                </a:tc>
+                <a:tc>
+                  <a:txBody>
+                    <a:bodyPr/>
+                    <a:lstStyle/>
+                    <a:p>
+                      <a:pPr algn="ctr" rtl="1"/>
+                      <a:r>
+                        <a:rPr lang="fa-IR" sz="2000" dirty="0">
+                          <a:cs typeface="B Nazanin" panose="00000400000000000000" pitchFamily="2" charset="-78"/>
+                        </a:rPr>
+                        <a:t>3652</a:t>
+                      </a:r>
+                      <a:endParaRPr lang="en-US" sz="2000" dirty="0">
+                        <a:cs typeface="B Nazanin" panose="00000400000000000000" pitchFamily="2" charset="-78"/>
+                      </a:endParaRPr>
+                    </a:p>
+                  </a:txBody>
+                  <a:tcPr/>
+                </a:tc>
+                <a:extLst>
+                  <a:ext uri="{0D108BD9-81ED-4DB2-BD59-A6C34878D82A}">
+                    <a16:rowId xmlns:a16="http://schemas.microsoft.com/office/drawing/2014/main" val="2382755152"/>
+                  </a:ext>
+                </a:extLst>
+              </a:tr>
+              <a:tr h="370840">
+                <a:tc>
+                  <a:txBody>
+                    <a:bodyPr/>
+                    <a:lstStyle/>
+                    <a:p>
+                      <a:pPr algn="ctr" rtl="1"/>
+                      <a:r>
+                        <a:rPr lang="fa-IR" sz="2000" dirty="0">
+                          <a:cs typeface="B Nazanin" panose="00000400000000000000" pitchFamily="2" charset="-78"/>
+                        </a:rPr>
+                        <a:t>برق و کامپیوتر</a:t>
+                      </a:r>
+                      <a:endParaRPr lang="en-US" sz="2000" dirty="0">
+                        <a:cs typeface="B Nazanin" panose="00000400000000000000" pitchFamily="2" charset="-78"/>
+                      </a:endParaRPr>
+                    </a:p>
+                  </a:txBody>
+                  <a:tcPr/>
+                </a:tc>
+                <a:tc>
+                  <a:txBody>
+                    <a:bodyPr/>
+                    <a:lstStyle/>
+                    <a:p>
+                      <a:pPr algn="ctr" rtl="1"/>
+                      <a:r>
+                        <a:rPr lang="fa-IR" sz="2000" dirty="0">
+                          <a:cs typeface="B Nazanin" panose="00000400000000000000" pitchFamily="2" charset="-78"/>
+                        </a:rPr>
+                        <a:t>12</a:t>
+                      </a:r>
+                      <a:endParaRPr lang="en-US" sz="2000" dirty="0">
+                        <a:cs typeface="B Nazanin" panose="00000400000000000000" pitchFamily="2" charset="-78"/>
+                      </a:endParaRPr>
+                    </a:p>
+                  </a:txBody>
+                  <a:tcPr/>
+                </a:tc>
+                <a:tc>
+                  <a:txBody>
+                    <a:bodyPr/>
+                    <a:lstStyle/>
+                    <a:p>
+                      <a:pPr algn="ctr" rtl="1"/>
+                      <a:r>
+                        <a:rPr lang="fa-IR" sz="2000" dirty="0">
+                          <a:cs typeface="B Nazanin" panose="00000400000000000000" pitchFamily="2" charset="-78"/>
+                        </a:rPr>
+                        <a:t>کامپیوتر</a:t>
+                      </a:r>
+                      <a:endParaRPr lang="en-US" sz="2000" dirty="0">
+                        <a:cs typeface="B Nazanin" panose="00000400000000000000" pitchFamily="2" charset="-78"/>
+                      </a:endParaRPr>
+                    </a:p>
+                  </a:txBody>
+                  <a:tcPr/>
+                </a:tc>
+                <a:tc>
+                  <a:txBody>
+                    <a:bodyPr/>
+                    <a:lstStyle/>
+                    <a:p>
+                      <a:pPr algn="ctr" rtl="1"/>
+                      <a:r>
+                        <a:rPr lang="fa-IR" sz="2000" dirty="0">
+                          <a:cs typeface="B Nazanin" panose="00000400000000000000" pitchFamily="2" charset="-78"/>
+                        </a:rPr>
+                        <a:t>1395</a:t>
+                      </a:r>
+                      <a:endParaRPr lang="en-US" sz="2000" dirty="0">
+                        <a:cs typeface="B Nazanin" panose="00000400000000000000" pitchFamily="2" charset="-78"/>
+                      </a:endParaRPr>
+                    </a:p>
+                  </a:txBody>
+                  <a:tcPr/>
+                </a:tc>
+                <a:tc>
+                  <a:txBody>
+                    <a:bodyPr/>
+                    <a:lstStyle/>
+                    <a:p>
+                      <a:pPr algn="ctr" rtl="1"/>
+                      <a:r>
+                        <a:rPr lang="fa-IR" sz="2000" dirty="0">
+                          <a:cs typeface="B Nazanin" panose="00000400000000000000" pitchFamily="2" charset="-78"/>
+                        </a:rPr>
+                        <a:t>نوین</a:t>
+                      </a:r>
+                      <a:endParaRPr lang="en-US" sz="2000" dirty="0">
+                        <a:cs typeface="B Nazanin" panose="00000400000000000000" pitchFamily="2" charset="-78"/>
+                      </a:endParaRPr>
+                    </a:p>
+                  </a:txBody>
+                  <a:tcPr/>
+                </a:tc>
+                <a:tc>
+                  <a:txBody>
+                    <a:bodyPr/>
+                    <a:lstStyle/>
+                    <a:p>
+                      <a:pPr algn="ctr" rtl="1"/>
+                      <a:r>
+                        <a:rPr lang="fa-IR" sz="2000" dirty="0">
+                          <a:cs typeface="B Nazanin" panose="00000400000000000000" pitchFamily="2" charset="-78"/>
+                        </a:rPr>
+                        <a:t>رضا امینی</a:t>
+                      </a:r>
+                      <a:endParaRPr lang="en-US" sz="2000" dirty="0">
+                        <a:cs typeface="B Nazanin" panose="00000400000000000000" pitchFamily="2" charset="-78"/>
+                      </a:endParaRPr>
+                    </a:p>
+                  </a:txBody>
+                  <a:tcPr/>
+                </a:tc>
+                <a:tc>
+                  <a:txBody>
+                    <a:bodyPr/>
+                    <a:lstStyle/>
+                    <a:p>
+                      <a:pPr algn="ctr" rtl="1"/>
+                      <a:r>
+                        <a:rPr lang="fa-IR" sz="2000" dirty="0">
+                          <a:cs typeface="B Nazanin" panose="00000400000000000000" pitchFamily="2" charset="-78"/>
+                        </a:rPr>
+                        <a:t>برنامه نویسی پایه</a:t>
+                      </a:r>
+                      <a:endParaRPr lang="en-US" sz="2000" dirty="0">
+                        <a:cs typeface="B Nazanin" panose="00000400000000000000" pitchFamily="2" charset="-78"/>
+                      </a:endParaRPr>
+                    </a:p>
+                  </a:txBody>
+                  <a:tcPr/>
+                </a:tc>
+                <a:tc>
+                  <a:txBody>
+                    <a:bodyPr/>
+                    <a:lstStyle/>
+                    <a:p>
+                      <a:pPr algn="ctr" rtl="1"/>
+                      <a:r>
+                        <a:rPr lang="fa-IR" sz="2000" dirty="0">
+                          <a:cs typeface="B Nazanin" panose="00000400000000000000" pitchFamily="2" charset="-78"/>
+                        </a:rPr>
+                        <a:t>95832564</a:t>
+                      </a:r>
+                      <a:endParaRPr lang="en-US" sz="2000" dirty="0">
+                        <a:cs typeface="B Nazanin" panose="00000400000000000000" pitchFamily="2" charset="-78"/>
+                      </a:endParaRPr>
+                    </a:p>
+                  </a:txBody>
+                  <a:tcPr/>
+                </a:tc>
+                <a:tc>
+                  <a:txBody>
+                    <a:bodyPr/>
+                    <a:lstStyle/>
+                    <a:p>
+                      <a:pPr algn="ctr" rtl="1"/>
+                      <a:r>
+                        <a:rPr lang="fa-IR" sz="2000" dirty="0">
+                          <a:cs typeface="B Nazanin" panose="00000400000000000000" pitchFamily="2" charset="-78"/>
+                        </a:rPr>
+                        <a:t>3652</a:t>
+                      </a:r>
+                      <a:endParaRPr lang="en-US" sz="2000" dirty="0">
+                        <a:cs typeface="B Nazanin" panose="00000400000000000000" pitchFamily="2" charset="-78"/>
+                      </a:endParaRPr>
+                    </a:p>
+                  </a:txBody>
+                  <a:tcPr/>
+                </a:tc>
+                <a:extLst>
+                  <a:ext uri="{0D108BD9-81ED-4DB2-BD59-A6C34878D82A}">
+                    <a16:rowId xmlns:a16="http://schemas.microsoft.com/office/drawing/2014/main" val="141953150"/>
+                  </a:ext>
+                </a:extLst>
+              </a:tr>
+              <a:tr h="370840">
+                <a:tc>
+                  <a:txBody>
+                    <a:bodyPr/>
+                    <a:lstStyle/>
+                    <a:p>
+                      <a:pPr algn="ctr" rtl="1"/>
+                      <a:r>
+                        <a:rPr lang="fa-IR" sz="2000" dirty="0">
+                          <a:cs typeface="B Nazanin" panose="00000400000000000000" pitchFamily="2" charset="-78"/>
+                        </a:rPr>
+                        <a:t>...</a:t>
+                      </a:r>
+                      <a:endParaRPr lang="en-US" sz="2000" dirty="0">
+                        <a:cs typeface="B Nazanin" panose="00000400000000000000" pitchFamily="2" charset="-78"/>
+                      </a:endParaRPr>
+                    </a:p>
+                  </a:txBody>
+                  <a:tcPr/>
+                </a:tc>
+                <a:tc>
+                  <a:txBody>
+                    <a:bodyPr/>
+                    <a:lstStyle/>
+                    <a:p>
+                      <a:pPr algn="ctr" rtl="1"/>
+                      <a:r>
+                        <a:rPr lang="fa-IR" sz="2000" dirty="0">
+                          <a:cs typeface="B Nazanin" panose="00000400000000000000" pitchFamily="2" charset="-78"/>
+                        </a:rPr>
+                        <a:t>...</a:t>
+                      </a:r>
+                      <a:endParaRPr lang="en-US" sz="2000" dirty="0">
+                        <a:cs typeface="B Nazanin" panose="00000400000000000000" pitchFamily="2" charset="-78"/>
+                      </a:endParaRPr>
+                    </a:p>
+                  </a:txBody>
+                  <a:tcPr/>
+                </a:tc>
+                <a:tc>
+                  <a:txBody>
+                    <a:bodyPr/>
+                    <a:lstStyle/>
+                    <a:p>
+                      <a:pPr algn="ctr" rtl="1"/>
+                      <a:r>
+                        <a:rPr lang="fa-IR" sz="2000" dirty="0">
+                          <a:cs typeface="B Nazanin" panose="00000400000000000000" pitchFamily="2" charset="-78"/>
+                        </a:rPr>
+                        <a:t>...</a:t>
+                      </a:r>
+                      <a:endParaRPr lang="en-US" sz="2000" dirty="0">
+                        <a:cs typeface="B Nazanin" panose="00000400000000000000" pitchFamily="2" charset="-78"/>
+                      </a:endParaRPr>
+                    </a:p>
+                  </a:txBody>
+                  <a:tcPr/>
+                </a:tc>
+                <a:tc>
+                  <a:txBody>
+                    <a:bodyPr/>
+                    <a:lstStyle/>
+                    <a:p>
+                      <a:pPr algn="ctr" rtl="1"/>
+                      <a:r>
+                        <a:rPr lang="fa-IR" sz="2000" dirty="0">
+                          <a:cs typeface="B Nazanin" panose="00000400000000000000" pitchFamily="2" charset="-78"/>
+                        </a:rPr>
+                        <a:t>...</a:t>
+                      </a:r>
+                      <a:endParaRPr lang="en-US" sz="2000" dirty="0">
+                        <a:cs typeface="B Nazanin" panose="00000400000000000000" pitchFamily="2" charset="-78"/>
+                      </a:endParaRPr>
+                    </a:p>
+                  </a:txBody>
+                  <a:tcPr/>
+                </a:tc>
+                <a:tc>
+                  <a:txBody>
+                    <a:bodyPr/>
+                    <a:lstStyle/>
+                    <a:p>
+                      <a:pPr algn="ctr" rtl="1"/>
+                      <a:r>
+                        <a:rPr lang="fa-IR" sz="2000" dirty="0">
+                          <a:cs typeface="B Nazanin" panose="00000400000000000000" pitchFamily="2" charset="-78"/>
+                        </a:rPr>
+                        <a:t>...</a:t>
+                      </a:r>
+                      <a:endParaRPr lang="en-US" sz="2000" dirty="0">
+                        <a:cs typeface="B Nazanin" panose="00000400000000000000" pitchFamily="2" charset="-78"/>
+                      </a:endParaRPr>
+                    </a:p>
+                  </a:txBody>
+                  <a:tcPr/>
+                </a:tc>
+                <a:tc>
+                  <a:txBody>
+                    <a:bodyPr/>
+                    <a:lstStyle/>
+                    <a:p>
+                      <a:pPr algn="ctr" rtl="1"/>
+                      <a:r>
+                        <a:rPr lang="fa-IR" sz="2000" dirty="0">
+                          <a:cs typeface="B Nazanin" panose="00000400000000000000" pitchFamily="2" charset="-78"/>
+                        </a:rPr>
+                        <a:t>...</a:t>
+                      </a:r>
+                      <a:endParaRPr lang="en-US" sz="2000" dirty="0">
+                        <a:cs typeface="B Nazanin" panose="00000400000000000000" pitchFamily="2" charset="-78"/>
+                      </a:endParaRPr>
+                    </a:p>
+                  </a:txBody>
+                  <a:tcPr/>
+                </a:tc>
+                <a:tc>
+                  <a:txBody>
+                    <a:bodyPr/>
+                    <a:lstStyle/>
+                    <a:p>
+                      <a:pPr algn="ctr" rtl="1"/>
+                      <a:r>
+                        <a:rPr lang="fa-IR" sz="2000" dirty="0">
+                          <a:cs typeface="B Nazanin" panose="00000400000000000000" pitchFamily="2" charset="-78"/>
+                        </a:rPr>
+                        <a:t>...</a:t>
+                      </a:r>
+                      <a:endParaRPr lang="en-US" sz="2000" dirty="0">
+                        <a:cs typeface="B Nazanin" panose="00000400000000000000" pitchFamily="2" charset="-78"/>
+                      </a:endParaRPr>
+                    </a:p>
+                  </a:txBody>
+                  <a:tcPr/>
+                </a:tc>
+                <a:tc>
+                  <a:txBody>
+                    <a:bodyPr/>
+                    <a:lstStyle/>
+                    <a:p>
+                      <a:pPr algn="ctr" rtl="1"/>
+                      <a:r>
+                        <a:rPr lang="fa-IR" sz="2000" dirty="0">
+                          <a:cs typeface="B Nazanin" panose="00000400000000000000" pitchFamily="2" charset="-78"/>
+                        </a:rPr>
+                        <a:t>...</a:t>
+                      </a:r>
+                      <a:endParaRPr lang="en-US" sz="2000" dirty="0">
+                        <a:cs typeface="B Nazanin" panose="00000400000000000000" pitchFamily="2" charset="-78"/>
+                      </a:endParaRPr>
+                    </a:p>
+                  </a:txBody>
+                  <a:tcPr/>
+                </a:tc>
+                <a:tc>
+                  <a:txBody>
+                    <a:bodyPr/>
+                    <a:lstStyle/>
+                    <a:p>
+                      <a:pPr algn="ctr" rtl="1"/>
+                      <a:endParaRPr lang="en-US" sz="2000" dirty="0">
+                        <a:cs typeface="B Nazanin" panose="00000400000000000000" pitchFamily="2" charset="-78"/>
+                      </a:endParaRPr>
+                    </a:p>
+                  </a:txBody>
+                  <a:tcPr/>
+                </a:tc>
+                <a:extLst>
+                  <a:ext uri="{0D108BD9-81ED-4DB2-BD59-A6C34878D82A}">
+                    <a16:rowId xmlns:a16="http://schemas.microsoft.com/office/drawing/2014/main" val="3140024821"/>
+                  </a:ext>
+                </a:extLst>
+              </a:tr>
+              <a:tr h="370840">
+                <a:tc>
+                  <a:txBody>
+                    <a:bodyPr/>
+                    <a:lstStyle/>
+                    <a:p>
+                      <a:pPr algn="ctr" rtl="1"/>
+                      <a:r>
+                        <a:rPr lang="fa-IR" sz="2000" dirty="0">
+                          <a:cs typeface="B Nazanin" panose="00000400000000000000" pitchFamily="2" charset="-78"/>
+                        </a:rPr>
+                        <a:t>...</a:t>
+                      </a:r>
+                      <a:endParaRPr lang="en-US" sz="2000" dirty="0">
+                        <a:cs typeface="B Nazanin" panose="00000400000000000000" pitchFamily="2" charset="-78"/>
+                      </a:endParaRPr>
+                    </a:p>
+                  </a:txBody>
+                  <a:tcPr/>
+                </a:tc>
+                <a:tc>
+                  <a:txBody>
+                    <a:bodyPr/>
+                    <a:lstStyle/>
+                    <a:p>
+                      <a:pPr algn="ctr" rtl="1"/>
+                      <a:r>
+                        <a:rPr lang="fa-IR" sz="2000" dirty="0">
+                          <a:cs typeface="B Nazanin" panose="00000400000000000000" pitchFamily="2" charset="-78"/>
+                        </a:rPr>
+                        <a:t>...</a:t>
+                      </a:r>
+                      <a:endParaRPr lang="en-US" sz="2000" dirty="0">
+                        <a:cs typeface="B Nazanin" panose="00000400000000000000" pitchFamily="2" charset="-78"/>
+                      </a:endParaRPr>
+                    </a:p>
+                  </a:txBody>
+                  <a:tcPr/>
+                </a:tc>
+                <a:tc>
+                  <a:txBody>
+                    <a:bodyPr/>
+                    <a:lstStyle/>
+                    <a:p>
+                      <a:pPr algn="ctr" rtl="1"/>
+                      <a:r>
+                        <a:rPr lang="fa-IR" sz="2000" dirty="0">
+                          <a:cs typeface="B Nazanin" panose="00000400000000000000" pitchFamily="2" charset="-78"/>
+                        </a:rPr>
+                        <a:t>...</a:t>
+                      </a:r>
+                      <a:endParaRPr lang="en-US" sz="2000" dirty="0">
+                        <a:cs typeface="B Nazanin" panose="00000400000000000000" pitchFamily="2" charset="-78"/>
+                      </a:endParaRPr>
+                    </a:p>
+                  </a:txBody>
+                  <a:tcPr/>
+                </a:tc>
+                <a:tc>
+                  <a:txBody>
+                    <a:bodyPr/>
+                    <a:lstStyle/>
+                    <a:p>
+                      <a:pPr algn="ctr" rtl="1"/>
+                      <a:r>
+                        <a:rPr lang="fa-IR" sz="2000" dirty="0">
+                          <a:cs typeface="B Nazanin" panose="00000400000000000000" pitchFamily="2" charset="-78"/>
+                        </a:rPr>
+                        <a:t>...</a:t>
+                      </a:r>
+                      <a:endParaRPr lang="en-US" sz="2000" dirty="0">
+                        <a:cs typeface="B Nazanin" panose="00000400000000000000" pitchFamily="2" charset="-78"/>
+                      </a:endParaRPr>
+                    </a:p>
+                  </a:txBody>
+                  <a:tcPr/>
+                </a:tc>
+                <a:tc>
+                  <a:txBody>
+                    <a:bodyPr/>
+                    <a:lstStyle/>
+                    <a:p>
+                      <a:pPr algn="ctr" rtl="1"/>
+                      <a:r>
+                        <a:rPr lang="fa-IR" sz="2000" dirty="0">
+                          <a:cs typeface="B Nazanin" panose="00000400000000000000" pitchFamily="2" charset="-78"/>
+                        </a:rPr>
+                        <a:t>...</a:t>
+                      </a:r>
+                      <a:endParaRPr lang="en-US" sz="2000" dirty="0">
+                        <a:cs typeface="B Nazanin" panose="00000400000000000000" pitchFamily="2" charset="-78"/>
+                      </a:endParaRPr>
+                    </a:p>
+                  </a:txBody>
+                  <a:tcPr/>
+                </a:tc>
+                <a:tc>
+                  <a:txBody>
+                    <a:bodyPr/>
+                    <a:lstStyle/>
+                    <a:p>
+                      <a:pPr algn="ctr" rtl="1"/>
+                      <a:r>
+                        <a:rPr lang="fa-IR" sz="2000" dirty="0">
+                          <a:cs typeface="B Nazanin" panose="00000400000000000000" pitchFamily="2" charset="-78"/>
+                        </a:rPr>
+                        <a:t>...</a:t>
+                      </a:r>
+                      <a:endParaRPr lang="en-US" sz="2000" dirty="0">
+                        <a:cs typeface="B Nazanin" panose="00000400000000000000" pitchFamily="2" charset="-78"/>
+                      </a:endParaRPr>
+                    </a:p>
+                  </a:txBody>
+                  <a:tcPr/>
+                </a:tc>
+                <a:tc>
+                  <a:txBody>
+                    <a:bodyPr/>
+                    <a:lstStyle/>
+                    <a:p>
+                      <a:pPr algn="ctr" rtl="1"/>
+                      <a:r>
+                        <a:rPr lang="fa-IR" sz="2000" dirty="0">
+                          <a:cs typeface="B Nazanin" panose="00000400000000000000" pitchFamily="2" charset="-78"/>
+                        </a:rPr>
+                        <a:t>...</a:t>
+                      </a:r>
+                      <a:endParaRPr lang="en-US" sz="2000" dirty="0">
+                        <a:cs typeface="B Nazanin" panose="00000400000000000000" pitchFamily="2" charset="-78"/>
+                      </a:endParaRPr>
+                    </a:p>
+                  </a:txBody>
+                  <a:tcPr/>
+                </a:tc>
+                <a:tc>
+                  <a:txBody>
+                    <a:bodyPr/>
+                    <a:lstStyle/>
+                    <a:p>
+                      <a:pPr algn="ctr" rtl="1"/>
+                      <a:r>
+                        <a:rPr lang="fa-IR" sz="2000" dirty="0">
+                          <a:cs typeface="B Nazanin" panose="00000400000000000000" pitchFamily="2" charset="-78"/>
+                        </a:rPr>
+                        <a:t>...</a:t>
+                      </a:r>
+                      <a:endParaRPr lang="en-US" sz="2000" dirty="0">
+                        <a:cs typeface="B Nazanin" panose="00000400000000000000" pitchFamily="2" charset="-78"/>
+                      </a:endParaRPr>
+                    </a:p>
+                  </a:txBody>
+                  <a:tcPr/>
+                </a:tc>
+                <a:tc>
+                  <a:txBody>
+                    <a:bodyPr/>
+                    <a:lstStyle/>
+                    <a:p>
+                      <a:pPr algn="ctr" rtl="1"/>
+                      <a:endParaRPr lang="en-US" sz="2000" dirty="0">
+                        <a:cs typeface="B Nazanin" panose="00000400000000000000" pitchFamily="2" charset="-78"/>
+                      </a:endParaRPr>
+                    </a:p>
+                  </a:txBody>
+                  <a:tcPr/>
+                </a:tc>
+                <a:extLst>
+                  <a:ext uri="{0D108BD9-81ED-4DB2-BD59-A6C34878D82A}">
+                    <a16:rowId xmlns:a16="http://schemas.microsoft.com/office/drawing/2014/main" val="999550783"/>
+                  </a:ext>
+                </a:extLst>
+              </a:tr>
+              <a:tr h="370840">
+                <a:tc>
+                  <a:txBody>
+                    <a:bodyPr/>
+                    <a:lstStyle/>
+                    <a:p>
+                      <a:pPr algn="ctr" rtl="1"/>
+                      <a:r>
+                        <a:rPr lang="fa-IR" sz="2000" dirty="0">
+                          <a:cs typeface="B Nazanin" panose="00000400000000000000" pitchFamily="2" charset="-78"/>
+                        </a:rPr>
+                        <a:t>...</a:t>
+                      </a:r>
+                      <a:endParaRPr lang="en-US" sz="2000" dirty="0">
+                        <a:cs typeface="B Nazanin" panose="00000400000000000000" pitchFamily="2" charset="-78"/>
+                      </a:endParaRPr>
+                    </a:p>
+                  </a:txBody>
+                  <a:tcPr/>
+                </a:tc>
+                <a:tc>
+                  <a:txBody>
+                    <a:bodyPr/>
+                    <a:lstStyle/>
+                    <a:p>
+                      <a:pPr algn="ctr" rtl="1"/>
+                      <a:r>
+                        <a:rPr lang="fa-IR" sz="2000" dirty="0">
+                          <a:cs typeface="B Nazanin" panose="00000400000000000000" pitchFamily="2" charset="-78"/>
+                        </a:rPr>
+                        <a:t>...</a:t>
+                      </a:r>
+                      <a:endParaRPr lang="en-US" sz="2000" dirty="0">
+                        <a:cs typeface="B Nazanin" panose="00000400000000000000" pitchFamily="2" charset="-78"/>
+                      </a:endParaRPr>
+                    </a:p>
+                  </a:txBody>
+                  <a:tcPr/>
+                </a:tc>
+                <a:tc>
+                  <a:txBody>
+                    <a:bodyPr/>
+                    <a:lstStyle/>
+                    <a:p>
+                      <a:pPr algn="ctr" rtl="1"/>
+                      <a:r>
+                        <a:rPr lang="fa-IR" sz="2000" dirty="0">
+                          <a:cs typeface="B Nazanin" panose="00000400000000000000" pitchFamily="2" charset="-78"/>
+                        </a:rPr>
+                        <a:t>...</a:t>
+                      </a:r>
+                      <a:endParaRPr lang="en-US" sz="2000" dirty="0">
+                        <a:cs typeface="B Nazanin" panose="00000400000000000000" pitchFamily="2" charset="-78"/>
+                      </a:endParaRPr>
+                    </a:p>
+                  </a:txBody>
+                  <a:tcPr/>
+                </a:tc>
+                <a:tc>
+                  <a:txBody>
+                    <a:bodyPr/>
+                    <a:lstStyle/>
+                    <a:p>
+                      <a:pPr algn="ctr" rtl="1"/>
+                      <a:r>
+                        <a:rPr lang="fa-IR" sz="2000" dirty="0">
+                          <a:cs typeface="B Nazanin" panose="00000400000000000000" pitchFamily="2" charset="-78"/>
+                        </a:rPr>
+                        <a:t>...</a:t>
+                      </a:r>
+                      <a:endParaRPr lang="en-US" sz="2000" dirty="0">
+                        <a:cs typeface="B Nazanin" panose="00000400000000000000" pitchFamily="2" charset="-78"/>
+                      </a:endParaRPr>
+                    </a:p>
+                  </a:txBody>
+                  <a:tcPr/>
+                </a:tc>
+                <a:tc>
+                  <a:txBody>
+                    <a:bodyPr/>
+                    <a:lstStyle/>
+                    <a:p>
+                      <a:pPr algn="ctr" rtl="1"/>
+                      <a:r>
+                        <a:rPr lang="fa-IR" sz="2000" dirty="0">
+                          <a:cs typeface="B Nazanin" panose="00000400000000000000" pitchFamily="2" charset="-78"/>
+                        </a:rPr>
+                        <a:t>...</a:t>
+                      </a:r>
+                      <a:endParaRPr lang="en-US" sz="2000" dirty="0">
+                        <a:cs typeface="B Nazanin" panose="00000400000000000000" pitchFamily="2" charset="-78"/>
+                      </a:endParaRPr>
+                    </a:p>
+                  </a:txBody>
+                  <a:tcPr/>
+                </a:tc>
+                <a:tc>
+                  <a:txBody>
+                    <a:bodyPr/>
+                    <a:lstStyle/>
+                    <a:p>
+                      <a:pPr algn="ctr" rtl="1"/>
+                      <a:r>
+                        <a:rPr lang="fa-IR" sz="2000" dirty="0">
+                          <a:cs typeface="B Nazanin" panose="00000400000000000000" pitchFamily="2" charset="-78"/>
+                        </a:rPr>
+                        <a:t>...</a:t>
+                      </a:r>
+                      <a:endParaRPr lang="en-US" sz="2000" dirty="0">
+                        <a:cs typeface="B Nazanin" panose="00000400000000000000" pitchFamily="2" charset="-78"/>
+                      </a:endParaRPr>
+                    </a:p>
+                  </a:txBody>
+                  <a:tcPr/>
+                </a:tc>
+                <a:tc>
+                  <a:txBody>
+                    <a:bodyPr/>
+                    <a:lstStyle/>
+                    <a:p>
+                      <a:pPr algn="ctr" rtl="1"/>
+                      <a:r>
+                        <a:rPr lang="fa-IR" sz="2000" dirty="0">
+                          <a:cs typeface="B Nazanin" panose="00000400000000000000" pitchFamily="2" charset="-78"/>
+                        </a:rPr>
+                        <a:t>...</a:t>
+                      </a:r>
+                      <a:endParaRPr lang="en-US" sz="2000" dirty="0">
+                        <a:cs typeface="B Nazanin" panose="00000400000000000000" pitchFamily="2" charset="-78"/>
+                      </a:endParaRPr>
+                    </a:p>
+                  </a:txBody>
+                  <a:tcPr/>
+                </a:tc>
+                <a:tc>
+                  <a:txBody>
+                    <a:bodyPr/>
+                    <a:lstStyle/>
+                    <a:p>
+                      <a:pPr algn="ctr" rtl="1"/>
+                      <a:r>
+                        <a:rPr lang="fa-IR" sz="2000" dirty="0">
+                          <a:cs typeface="B Nazanin" panose="00000400000000000000" pitchFamily="2" charset="-78"/>
+                        </a:rPr>
+                        <a:t>...</a:t>
+                      </a:r>
+                      <a:endParaRPr lang="en-US" sz="2000" dirty="0">
+                        <a:cs typeface="B Nazanin" panose="00000400000000000000" pitchFamily="2" charset="-78"/>
+                      </a:endParaRPr>
+                    </a:p>
+                  </a:txBody>
+                  <a:tcPr/>
+                </a:tc>
+                <a:tc>
+                  <a:txBody>
+                    <a:bodyPr/>
+                    <a:lstStyle/>
+                    <a:p>
+                      <a:pPr algn="ctr" rtl="1"/>
+                      <a:endParaRPr lang="en-US" sz="2000" dirty="0">
+                        <a:cs typeface="B Nazanin" panose="00000400000000000000" pitchFamily="2" charset="-78"/>
+                      </a:endParaRPr>
+                    </a:p>
+                  </a:txBody>
+                  <a:tcPr/>
+                </a:tc>
+                <a:extLst>
+                  <a:ext uri="{0D108BD9-81ED-4DB2-BD59-A6C34878D82A}">
+                    <a16:rowId xmlns:a16="http://schemas.microsoft.com/office/drawing/2014/main" val="3095720900"/>
+                  </a:ext>
+                </a:extLst>
+              </a:tr>
+            </a:tbl>
+          </a:graphicData>
+        </a:graphic>
+      </p:graphicFrame>
+      <p:sp>
+        <p:nvSpPr>
+          <p:cNvPr id="4" name="Rectangle 3">
+            <a:extLst>
+              <a:ext uri="{FF2B5EF4-FFF2-40B4-BE49-F238E27FC236}">
+                <a16:creationId xmlns:a16="http://schemas.microsoft.com/office/drawing/2014/main" id="{1AFD80AF-CC18-E2A0-68D6-7D58818E252F}"/>
+              </a:ext>
+            </a:extLst>
+          </p:cNvPr>
+          <p:cNvSpPr/>
+          <p:nvPr/>
+        </p:nvSpPr>
+        <p:spPr>
+          <a:xfrm>
+            <a:off x="5396247" y="5795493"/>
+            <a:ext cx="1399505" cy="309093"/>
+          </a:xfrm>
+          <a:prstGeom prst="rect">
+            <a:avLst/>
+          </a:prstGeom>
+        </p:spPr>
+        <p:style>
+          <a:lnRef idx="0">
+            <a:schemeClr val="accent3"/>
+          </a:lnRef>
+          <a:fillRef idx="3">
+            <a:schemeClr val="accent3"/>
+          </a:fillRef>
+          <a:effectRef idx="3">
+            <a:schemeClr val="accent3"/>
+          </a:effectRef>
+          <a:fontRef idx="minor">
+            <a:schemeClr val="lt1"/>
+          </a:fontRef>
+        </p:style>
+        <p:txBody>
+          <a:bodyPr rtlCol="0" anchor="ctr"/>
+          <a:lstStyle/>
+          <a:p>
+            <a:pPr algn="ctr"/>
+            <a:r>
+              <a:rPr lang="fa-IR" sz="2000" b="1" dirty="0">
+                <a:cs typeface="B Nazanin" panose="00000400000000000000" pitchFamily="2" charset="-78"/>
+              </a:rPr>
+              <a:t>چاپ</a:t>
+            </a:r>
+            <a:endParaRPr lang="en-US" sz="2000" b="1" dirty="0">
+              <a:cs typeface="B Nazanin" panose="00000400000000000000" pitchFamily="2" charset="-78"/>
+            </a:endParaRPr>
+          </a:p>
+        </p:txBody>
+      </p:sp>
+    </p:spTree>
+    <p:extLst>
+      <p:ext uri="{BB962C8B-B14F-4D97-AF65-F5344CB8AC3E}">
+        <p14:creationId xmlns:p14="http://schemas.microsoft.com/office/powerpoint/2010/main" val="357561267"/>
+      </p:ext>
+    </p:extLst>
+  </p:cSld>
+  <p:clrMapOvr>
+    <a:masterClrMapping/>
+  </p:clrMapOvr>
+</p:sld>
+</file>
+
+<file path=ppt/slides/slide9.xml><?xml version="1.0" encoding="utf-8"?>
+<p:sld xmlns:a="http://schemas.openxmlformats.org/drawingml/2006/main" xmlns:r="http://schemas.openxmlformats.org/officeDocument/2006/relationships" xmlns:p="http://schemas.openxmlformats.org/presentationml/2006/main">
+  <p:cSld>
+    <p:bg>
+      <p:bgPr>
+        <a:solidFill>
+          <a:schemeClr val="bg1">
+            <a:lumMod val="95000"/>
+          </a:schemeClr>
+        </a:solidFill>
+        <a:effectLst/>
+      </p:bgPr>
+    </p:bg>
+    <p:spTree>
+      <p:nvGrpSpPr>
+        <p:cNvPr id="1" name=""/>
+        <p:cNvGrpSpPr/>
+        <p:nvPr/>
+      </p:nvGrpSpPr>
+      <p:grpSpPr>
+        <a:xfrm>
+          <a:off x="0" y="0"/>
+          <a:ext cx="0" cy="0"/>
+          <a:chOff x="0" y="0"/>
+          <a:chExt cx="0" cy="0"/>
+        </a:xfrm>
+      </p:grpSpPr>
+      <p:sp>
+        <p:nvSpPr>
+          <p:cNvPr id="2" name="TextBox 1">
+            <a:extLst>
+              <a:ext uri="{FF2B5EF4-FFF2-40B4-BE49-F238E27FC236}">
+                <a16:creationId xmlns:a16="http://schemas.microsoft.com/office/drawing/2014/main" id="{A483F9F6-F45B-FB99-7238-2C8E1F3BFA34}"/>
+              </a:ext>
+            </a:extLst>
+          </p:cNvPr>
+          <p:cNvSpPr txBox="1"/>
+          <p:nvPr/>
+        </p:nvSpPr>
+        <p:spPr>
+          <a:xfrm>
+            <a:off x="9311426" y="150513"/>
+            <a:ext cx="2640169" cy="523220"/>
+          </a:xfrm>
+          <a:prstGeom prst="rect">
+            <a:avLst/>
+          </a:prstGeom>
+          <a:noFill/>
+        </p:spPr>
+        <p:txBody>
+          <a:bodyPr wrap="square" rtlCol="0">
+            <a:spAutoFit/>
+          </a:bodyPr>
+          <a:lstStyle/>
+          <a:p>
+            <a:pPr algn="r" rtl="1"/>
+            <a:r>
+              <a:rPr lang="fa-IR" sz="2800" u="sng" dirty="0">
+                <a:cs typeface="B Nazanin" panose="00000400000000000000" pitchFamily="2" charset="-78"/>
+              </a:rPr>
+              <a:t>ثبت امانت</a:t>
+            </a:r>
+            <a:endParaRPr lang="en-US" sz="2800" u="sng" dirty="0">
+              <a:cs typeface="B Nazanin" panose="00000400000000000000" pitchFamily="2" charset="-78"/>
+            </a:endParaRPr>
+          </a:p>
+        </p:txBody>
+      </p:sp>
+      <p:graphicFrame>
+        <p:nvGraphicFramePr>
+          <p:cNvPr id="3" name="Table 4">
+            <a:extLst>
+              <a:ext uri="{FF2B5EF4-FFF2-40B4-BE49-F238E27FC236}">
+                <a16:creationId xmlns:a16="http://schemas.microsoft.com/office/drawing/2014/main" id="{EDF60E3C-7491-553B-1237-59E6EA4241E4}"/>
+              </a:ext>
+            </a:extLst>
+          </p:cNvPr>
+          <p:cNvGraphicFramePr>
+            <a:graphicFrameLocks noGrp="1"/>
+          </p:cNvGraphicFramePr>
+          <p:nvPr>
+            <p:extLst>
+              <p:ext uri="{D42A27DB-BD31-4B8C-83A1-F6EECF244321}">
+                <p14:modId xmlns:p14="http://schemas.microsoft.com/office/powerpoint/2010/main" val="4257677966"/>
+              </p:ext>
+            </p:extLst>
+          </p:nvPr>
+        </p:nvGraphicFramePr>
+        <p:xfrm>
+          <a:off x="1444580" y="1863441"/>
+          <a:ext cx="9302840" cy="1565559"/>
+        </p:xfrm>
+        <a:graphic>
+          <a:graphicData uri="http://schemas.openxmlformats.org/drawingml/2006/table">
+            <a:tbl>
+              <a:tblPr bandRow="1">
+                <a:tableStyleId>{2D5ABB26-0587-4C30-8999-92F81FD0307C}</a:tableStyleId>
+              </a:tblPr>
+              <a:tblGrid>
+                <a:gridCol w="2325710">
+                  <a:extLst>
+                    <a:ext uri="{9D8B030D-6E8A-4147-A177-3AD203B41FA5}">
+                      <a16:colId xmlns:a16="http://schemas.microsoft.com/office/drawing/2014/main" val="377584807"/>
+                    </a:ext>
+                  </a:extLst>
+                </a:gridCol>
+                <a:gridCol w="2325710">
+                  <a:extLst>
+                    <a:ext uri="{9D8B030D-6E8A-4147-A177-3AD203B41FA5}">
+                      <a16:colId xmlns:a16="http://schemas.microsoft.com/office/drawing/2014/main" val="2466257458"/>
+                    </a:ext>
+                  </a:extLst>
+                </a:gridCol>
+                <a:gridCol w="2325710">
+                  <a:extLst>
+                    <a:ext uri="{9D8B030D-6E8A-4147-A177-3AD203B41FA5}">
+                      <a16:colId xmlns:a16="http://schemas.microsoft.com/office/drawing/2014/main" val="1147219566"/>
+                    </a:ext>
+                  </a:extLst>
+                </a:gridCol>
+                <a:gridCol w="2325710">
+                  <a:extLst>
+                    <a:ext uri="{9D8B030D-6E8A-4147-A177-3AD203B41FA5}">
+                      <a16:colId xmlns:a16="http://schemas.microsoft.com/office/drawing/2014/main" val="1459317916"/>
+                    </a:ext>
+                  </a:extLst>
+                </a:gridCol>
+              </a:tblGrid>
+              <a:tr h="521853">
+                <a:tc>
+                  <a:txBody>
+                    <a:bodyPr/>
+                    <a:lstStyle/>
+                    <a:p>
+                      <a:pPr algn="r" rtl="1"/>
+                      <a:endParaRPr lang="en-US" sz="2000">
+                        <a:cs typeface="B Nazanin" panose="00000400000000000000" pitchFamily="2" charset="-78"/>
+                      </a:endParaRPr>
+                    </a:p>
+                  </a:txBody>
+                  <a:tcPr/>
+                </a:tc>
+                <a:tc>
+                  <a:txBody>
+                    <a:bodyPr/>
+                    <a:lstStyle/>
+                    <a:p>
+                      <a:pPr algn="r" rtl="1"/>
+                      <a:r>
+                        <a:rPr lang="fa-IR" sz="2000" dirty="0">
+                          <a:cs typeface="B Nazanin" panose="00000400000000000000" pitchFamily="2" charset="-78"/>
+                        </a:rPr>
+                        <a:t>نام نویسنده:</a:t>
+                      </a:r>
+                      <a:endParaRPr lang="en-US" sz="2000" dirty="0">
+                        <a:cs typeface="B Nazanin" panose="00000400000000000000" pitchFamily="2" charset="-78"/>
+                      </a:endParaRPr>
+                    </a:p>
+                  </a:txBody>
+                  <a:tcPr/>
+                </a:tc>
+                <a:tc>
+                  <a:txBody>
+                    <a:bodyPr/>
+                    <a:lstStyle/>
+                    <a:p>
+                      <a:pPr algn="r" rtl="1"/>
+                      <a:endParaRPr lang="en-US" sz="2000">
+                        <a:cs typeface="B Nazanin" panose="00000400000000000000" pitchFamily="2" charset="-78"/>
+                      </a:endParaRPr>
+                    </a:p>
+                  </a:txBody>
+                  <a:tcPr/>
+                </a:tc>
+                <a:tc>
+                  <a:txBody>
+                    <a:bodyPr/>
+                    <a:lstStyle/>
+                    <a:p>
+                      <a:pPr algn="r" rtl="1"/>
+                      <a:r>
+                        <a:rPr lang="fa-IR" sz="2000" dirty="0">
+                          <a:cs typeface="B Nazanin" panose="00000400000000000000" pitchFamily="2" charset="-78"/>
+                        </a:rPr>
+                        <a:t>شناسه کتاب:</a:t>
+                      </a:r>
+                      <a:endParaRPr lang="en-US" sz="2000" dirty="0">
+                        <a:cs typeface="B Nazanin" panose="00000400000000000000" pitchFamily="2" charset="-78"/>
+                      </a:endParaRPr>
+                    </a:p>
+                  </a:txBody>
+                  <a:tcPr/>
+                </a:tc>
+                <a:extLst>
+                  <a:ext uri="{0D108BD9-81ED-4DB2-BD59-A6C34878D82A}">
+                    <a16:rowId xmlns:a16="http://schemas.microsoft.com/office/drawing/2014/main" val="2632516942"/>
+                  </a:ext>
+                </a:extLst>
+              </a:tr>
+              <a:tr h="521853">
+                <a:tc>
+                  <a:txBody>
+                    <a:bodyPr/>
+                    <a:lstStyle/>
+                    <a:p>
+                      <a:pPr algn="r" rtl="1"/>
+                      <a:endParaRPr lang="en-US" sz="2000" dirty="0">
+                        <a:cs typeface="B Nazanin" panose="00000400000000000000" pitchFamily="2" charset="-78"/>
+                      </a:endParaRPr>
+                    </a:p>
+                  </a:txBody>
+                  <a:tcPr/>
+                </a:tc>
+                <a:tc>
+                  <a:txBody>
+                    <a:bodyPr/>
+                    <a:lstStyle/>
+                    <a:p>
+                      <a:pPr algn="r" rtl="1"/>
+                      <a:r>
+                        <a:rPr lang="fa-IR" sz="2000" dirty="0">
+                          <a:cs typeface="B Nazanin" panose="00000400000000000000" pitchFamily="2" charset="-78"/>
+                        </a:rPr>
+                        <a:t>شماره دانشجویی:</a:t>
+                      </a:r>
+                      <a:endParaRPr lang="en-US" sz="2000" dirty="0">
+                        <a:cs typeface="B Nazanin" panose="00000400000000000000" pitchFamily="2" charset="-78"/>
+                      </a:endParaRPr>
+                    </a:p>
+                  </a:txBody>
+                  <a:tcPr/>
+                </a:tc>
+                <a:tc>
+                  <a:txBody>
+                    <a:bodyPr/>
+                    <a:lstStyle/>
+                    <a:p>
+                      <a:pPr algn="r" rtl="1"/>
+                      <a:endParaRPr lang="en-US" sz="2000" dirty="0">
+                        <a:cs typeface="B Nazanin" panose="00000400000000000000" pitchFamily="2" charset="-78"/>
+                      </a:endParaRPr>
+                    </a:p>
+                  </a:txBody>
+                  <a:tcPr/>
+                </a:tc>
+                <a:tc>
+                  <a:txBody>
+                    <a:bodyPr/>
+                    <a:lstStyle/>
+                    <a:p>
+                      <a:pPr algn="r" rtl="1"/>
+                      <a:r>
+                        <a:rPr lang="fa-IR" sz="2000" dirty="0">
+                          <a:cs typeface="B Nazanin" panose="00000400000000000000" pitchFamily="2" charset="-78"/>
+                        </a:rPr>
+                        <a:t>نام کتاب:</a:t>
+                      </a:r>
+                      <a:endParaRPr lang="en-US" sz="2000" dirty="0">
+                        <a:cs typeface="B Nazanin" panose="00000400000000000000" pitchFamily="2" charset="-78"/>
+                      </a:endParaRPr>
+                    </a:p>
+                  </a:txBody>
+                  <a:tcPr/>
+                </a:tc>
+                <a:extLst>
+                  <a:ext uri="{0D108BD9-81ED-4DB2-BD59-A6C34878D82A}">
+                    <a16:rowId xmlns:a16="http://schemas.microsoft.com/office/drawing/2014/main" val="713727684"/>
+                  </a:ext>
+                </a:extLst>
+              </a:tr>
+              <a:tr h="521853">
+                <a:tc>
+                  <a:txBody>
+                    <a:bodyPr/>
+                    <a:lstStyle/>
+                    <a:p>
+                      <a:pPr algn="r" rtl="1"/>
+                      <a:endParaRPr lang="en-US" sz="2000" dirty="0">
+                        <a:cs typeface="B Nazanin" panose="00000400000000000000" pitchFamily="2" charset="-78"/>
+                      </a:endParaRPr>
+                    </a:p>
+                  </a:txBody>
+                  <a:tcPr/>
+                </a:tc>
+                <a:tc>
+                  <a:txBody>
+                    <a:bodyPr/>
+                    <a:lstStyle/>
+                    <a:p>
+                      <a:pPr algn="r" rtl="1"/>
+                      <a:endParaRPr lang="en-US" sz="2000" dirty="0">
+                        <a:cs typeface="B Nazanin" panose="00000400000000000000" pitchFamily="2" charset="-78"/>
+                      </a:endParaRPr>
+                    </a:p>
+                  </a:txBody>
+                  <a:tcPr/>
+                </a:tc>
+                <a:tc>
+                  <a:txBody>
+                    <a:bodyPr/>
+                    <a:lstStyle/>
+                    <a:p>
+                      <a:pPr algn="r" rtl="1"/>
+                      <a:endParaRPr lang="en-US" sz="2000" dirty="0">
+                        <a:cs typeface="B Nazanin" panose="00000400000000000000" pitchFamily="2" charset="-78"/>
+                      </a:endParaRPr>
+                    </a:p>
+                  </a:txBody>
+                  <a:tcPr/>
+                </a:tc>
+                <a:tc>
+                  <a:txBody>
+                    <a:bodyPr/>
+                    <a:lstStyle/>
+                    <a:p>
+                      <a:pPr algn="r" rtl="1"/>
+                      <a:r>
+                        <a:rPr lang="fa-IR" sz="2000" dirty="0">
+                          <a:cs typeface="B Nazanin" panose="00000400000000000000" pitchFamily="2" charset="-78"/>
+                        </a:rPr>
+                        <a:t>کد کتاب:</a:t>
+                      </a:r>
+                      <a:endParaRPr lang="en-US" sz="2000" dirty="0">
+                        <a:cs typeface="B Nazanin" panose="00000400000000000000" pitchFamily="2" charset="-78"/>
+                      </a:endParaRPr>
+                    </a:p>
+                  </a:txBody>
+                  <a:tcPr/>
+                </a:tc>
+                <a:extLst>
+                  <a:ext uri="{0D108BD9-81ED-4DB2-BD59-A6C34878D82A}">
+                    <a16:rowId xmlns:a16="http://schemas.microsoft.com/office/drawing/2014/main" val="1755148767"/>
+                  </a:ext>
+                </a:extLst>
+              </a:tr>
+            </a:tbl>
+          </a:graphicData>
+        </a:graphic>
+      </p:graphicFrame>
+      <p:sp>
+        <p:nvSpPr>
+          <p:cNvPr id="4" name="Rectangle 3">
+            <a:extLst>
+              <a:ext uri="{FF2B5EF4-FFF2-40B4-BE49-F238E27FC236}">
+                <a16:creationId xmlns:a16="http://schemas.microsoft.com/office/drawing/2014/main" id="{ACAD15C4-BDC4-79B2-A272-F67A0BADBC7B}"/>
+              </a:ext>
+            </a:extLst>
+          </p:cNvPr>
+          <p:cNvSpPr/>
+          <p:nvPr/>
+        </p:nvSpPr>
+        <p:spPr>
+          <a:xfrm>
+            <a:off x="7313054" y="1863441"/>
+            <a:ext cx="2150772" cy="377483"/>
+          </a:xfrm>
+          <a:prstGeom prst="rect">
+            <a:avLst/>
+          </a:prstGeom>
+        </p:spPr>
+        <p:style>
+          <a:lnRef idx="2">
+            <a:schemeClr val="dk1"/>
+          </a:lnRef>
+          <a:fillRef idx="1">
+            <a:schemeClr val="lt1"/>
+          </a:fillRef>
+          <a:effectRef idx="0">
+            <a:schemeClr val="dk1"/>
+          </a:effectRef>
+          <a:fontRef idx="minor">
+            <a:schemeClr val="dk1"/>
+          </a:fontRef>
+        </p:style>
+        <p:txBody>
+          <a:bodyPr rtlCol="0" anchor="ctr"/>
+          <a:lstStyle/>
+          <a:p>
+            <a:pPr algn="ctr"/>
+            <a:endParaRPr lang="en-US"/>
+          </a:p>
+        </p:txBody>
+      </p:sp>
+      <p:sp>
+        <p:nvSpPr>
+          <p:cNvPr id="5" name="Rectangle 4">
+            <a:extLst>
+              <a:ext uri="{FF2B5EF4-FFF2-40B4-BE49-F238E27FC236}">
+                <a16:creationId xmlns:a16="http://schemas.microsoft.com/office/drawing/2014/main" id="{BDAB79A2-1EA4-12BA-B598-A9B60F5B0E84}"/>
+              </a:ext>
+            </a:extLst>
+          </p:cNvPr>
+          <p:cNvSpPr/>
+          <p:nvPr/>
+        </p:nvSpPr>
+        <p:spPr>
+          <a:xfrm>
+            <a:off x="7313054" y="2398415"/>
+            <a:ext cx="2150772" cy="377483"/>
+          </a:xfrm>
+          <a:prstGeom prst="rect">
+            <a:avLst/>
+          </a:prstGeom>
+        </p:spPr>
+        <p:style>
+          <a:lnRef idx="2">
+            <a:schemeClr val="dk1"/>
+          </a:lnRef>
+          <a:fillRef idx="1">
+            <a:schemeClr val="lt1"/>
+          </a:fillRef>
+          <a:effectRef idx="0">
+            <a:schemeClr val="dk1"/>
+          </a:effectRef>
+          <a:fontRef idx="minor">
+            <a:schemeClr val="dk1"/>
+          </a:fontRef>
+        </p:style>
+        <p:txBody>
+          <a:bodyPr rtlCol="0" anchor="ctr"/>
+          <a:lstStyle/>
+          <a:p>
+            <a:pPr algn="ctr"/>
+            <a:endParaRPr lang="en-US"/>
+          </a:p>
+        </p:txBody>
+      </p:sp>
+      <p:sp>
+        <p:nvSpPr>
+          <p:cNvPr id="6" name="Rectangle 5">
+            <a:extLst>
+              <a:ext uri="{FF2B5EF4-FFF2-40B4-BE49-F238E27FC236}">
+                <a16:creationId xmlns:a16="http://schemas.microsoft.com/office/drawing/2014/main" id="{73753C20-56C4-CA6F-EDCA-52860D081815}"/>
+              </a:ext>
+            </a:extLst>
+          </p:cNvPr>
+          <p:cNvSpPr/>
+          <p:nvPr/>
+        </p:nvSpPr>
+        <p:spPr>
+          <a:xfrm>
+            <a:off x="2228045" y="2393918"/>
+            <a:ext cx="2150772" cy="377483"/>
+          </a:xfrm>
+          <a:prstGeom prst="rect">
+            <a:avLst/>
+          </a:prstGeom>
+        </p:spPr>
+        <p:style>
+          <a:lnRef idx="2">
+            <a:schemeClr val="dk1"/>
+          </a:lnRef>
+          <a:fillRef idx="1">
+            <a:schemeClr val="lt1"/>
+          </a:fillRef>
+          <a:effectRef idx="0">
+            <a:schemeClr val="dk1"/>
+          </a:effectRef>
+          <a:fontRef idx="minor">
+            <a:schemeClr val="dk1"/>
+          </a:fontRef>
+        </p:style>
+        <p:txBody>
+          <a:bodyPr rtlCol="0" anchor="ctr"/>
+          <a:lstStyle/>
+          <a:p>
+            <a:pPr algn="ctr"/>
+            <a:endParaRPr lang="en-US"/>
+          </a:p>
+        </p:txBody>
+      </p:sp>
+      <p:sp>
+        <p:nvSpPr>
+          <p:cNvPr id="7" name="Rectangle 6">
+            <a:extLst>
+              <a:ext uri="{FF2B5EF4-FFF2-40B4-BE49-F238E27FC236}">
+                <a16:creationId xmlns:a16="http://schemas.microsoft.com/office/drawing/2014/main" id="{060E6D16-115C-D56B-AD44-9FFDD1AB4848}"/>
+              </a:ext>
+            </a:extLst>
+          </p:cNvPr>
+          <p:cNvSpPr/>
+          <p:nvPr/>
+        </p:nvSpPr>
+        <p:spPr>
+          <a:xfrm>
+            <a:off x="2228045" y="1863441"/>
+            <a:ext cx="2150772" cy="377483"/>
+          </a:xfrm>
+          <a:prstGeom prst="rect">
+            <a:avLst/>
+          </a:prstGeom>
+        </p:spPr>
+        <p:style>
+          <a:lnRef idx="2">
+            <a:schemeClr val="dk1"/>
+          </a:lnRef>
+          <a:fillRef idx="1">
+            <a:schemeClr val="lt1"/>
+          </a:fillRef>
+          <a:effectRef idx="0">
+            <a:schemeClr val="dk1"/>
+          </a:effectRef>
+          <a:fontRef idx="minor">
+            <a:schemeClr val="dk1"/>
+          </a:fontRef>
+        </p:style>
+        <p:txBody>
+          <a:bodyPr rtlCol="0" anchor="ctr"/>
+          <a:lstStyle/>
+          <a:p>
+            <a:pPr algn="ctr"/>
+            <a:endParaRPr lang="en-US"/>
+          </a:p>
+        </p:txBody>
+      </p:sp>
+      <p:sp>
+        <p:nvSpPr>
+          <p:cNvPr id="8" name="Rectangle 7">
+            <a:extLst>
+              <a:ext uri="{FF2B5EF4-FFF2-40B4-BE49-F238E27FC236}">
+                <a16:creationId xmlns:a16="http://schemas.microsoft.com/office/drawing/2014/main" id="{82A0C0C9-529C-C2B5-9A64-1A38D4493353}"/>
+              </a:ext>
+            </a:extLst>
+          </p:cNvPr>
+          <p:cNvSpPr/>
+          <p:nvPr/>
+        </p:nvSpPr>
+        <p:spPr>
+          <a:xfrm>
+            <a:off x="5396247" y="4365938"/>
+            <a:ext cx="1399505" cy="309093"/>
+          </a:xfrm>
+          <a:prstGeom prst="rect">
+            <a:avLst/>
+          </a:prstGeom>
+        </p:spPr>
+        <p:style>
+          <a:lnRef idx="0">
+            <a:schemeClr val="accent3"/>
+          </a:lnRef>
+          <a:fillRef idx="3">
+            <a:schemeClr val="accent3"/>
+          </a:fillRef>
+          <a:effectRef idx="3">
+            <a:schemeClr val="accent3"/>
+          </a:effectRef>
+          <a:fontRef idx="minor">
+            <a:schemeClr val="lt1"/>
+          </a:fontRef>
+        </p:style>
+        <p:txBody>
+          <a:bodyPr rtlCol="0" anchor="ctr"/>
+          <a:lstStyle/>
+          <a:p>
+            <a:pPr algn="ctr"/>
+            <a:r>
+              <a:rPr lang="fa-IR" sz="2000" b="1" dirty="0">
+                <a:cs typeface="B Nazanin" panose="00000400000000000000" pitchFamily="2" charset="-78"/>
+              </a:rPr>
+              <a:t>ثبت امانت</a:t>
+            </a:r>
+            <a:endParaRPr lang="en-US" sz="2000" b="1" dirty="0">
+              <a:cs typeface="B Nazanin" panose="00000400000000000000" pitchFamily="2" charset="-78"/>
+            </a:endParaRPr>
+          </a:p>
+        </p:txBody>
+      </p:sp>
+      <p:sp>
+        <p:nvSpPr>
+          <p:cNvPr id="9" name="Rectangle 8">
+            <a:extLst>
+              <a:ext uri="{FF2B5EF4-FFF2-40B4-BE49-F238E27FC236}">
+                <a16:creationId xmlns:a16="http://schemas.microsoft.com/office/drawing/2014/main" id="{6420A817-A0C7-95D7-9C60-2AEA28D8F59D}"/>
+              </a:ext>
+            </a:extLst>
+          </p:cNvPr>
+          <p:cNvSpPr/>
+          <p:nvPr/>
+        </p:nvSpPr>
+        <p:spPr>
+          <a:xfrm>
+            <a:off x="7313054" y="2929029"/>
+            <a:ext cx="2150772" cy="377483"/>
+          </a:xfrm>
+          <a:prstGeom prst="rect">
+            <a:avLst/>
+          </a:prstGeom>
+        </p:spPr>
+        <p:style>
+          <a:lnRef idx="2">
+            <a:schemeClr val="dk1"/>
+          </a:lnRef>
+          <a:fillRef idx="1">
+            <a:schemeClr val="lt1"/>
+          </a:fillRef>
+          <a:effectRef idx="0">
+            <a:schemeClr val="dk1"/>
+          </a:effectRef>
+          <a:fontRef idx="minor">
+            <a:schemeClr val="dk1"/>
+          </a:fontRef>
+        </p:style>
+        <p:txBody>
+          <a:bodyPr rtlCol="0" anchor="ctr"/>
+          <a:lstStyle/>
+          <a:p>
+            <a:pPr algn="ctr"/>
+            <a:endParaRPr lang="en-US"/>
+          </a:p>
+        </p:txBody>
+      </p:sp>
+    </p:spTree>
+    <p:extLst>
+      <p:ext uri="{BB962C8B-B14F-4D97-AF65-F5344CB8AC3E}">
+        <p14:creationId xmlns:p14="http://schemas.microsoft.com/office/powerpoint/2010/main" val="130252629"/>
       </p:ext>
     </p:extLst>
   </p:cSld>
